--- a/prezentare.pptx
+++ b/prezentare.pptx
@@ -2,7 +2,7 @@
 <file path=ppt/presentation.xml><?xml version="1.0" encoding="utf-8"?>
 <p:presentation xmlns:a="http://schemas.openxmlformats.org/drawingml/2006/main" xmlns:r="http://schemas.openxmlformats.org/officeDocument/2006/relationships" xmlns:p="http://schemas.openxmlformats.org/presentationml/2006/main" saveSubsetFonts="1" autoCompressPictures="0">
   <p:sldMasterIdLst>
-    <p:sldMasterId id="2147483648" r:id="rId1"/>
+    <p:sldMasterId id="2147483672" r:id="rId1"/>
   </p:sldMasterIdLst>
   <p:sldIdLst>
     <p:sldId id="256" r:id="rId2"/>
@@ -112,6 +112,11 @@
       </a:defRPr>
     </a:lvl9pPr>
   </p:defaultTextStyle>
+  <p:extLst>
+    <p:ext uri="{EFAFB233-063F-42B5-8137-9DF3F51BA10A}">
+      <p15:sldGuideLst xmlns:p15="http://schemas.microsoft.com/office/powerpoint/2012/main"/>
+    </p:ext>
+  </p:extLst>
 </p:presentation>
 </file>
 
@@ -137,7 +142,7 @@
           <p:cNvPr id="2" name="Title 1">
             <a:extLst>
               <a:ext uri="{FF2B5EF4-FFF2-40B4-BE49-F238E27FC236}">
-                <a16:creationId xmlns:a16="http://schemas.microsoft.com/office/drawing/2014/main" id="{10119439-08C5-25F8-13AC-37D94F3E66FD}"/>
+                <a16:creationId xmlns:a16="http://schemas.microsoft.com/office/drawing/2014/main" id="{DF8B8193-D812-CD3A-59B2-A47998F6B486}"/>
               </a:ext>
             </a:extLst>
           </p:cNvPr>
@@ -174,7 +179,7 @@
           <p:cNvPr id="3" name="Subtitle 2">
             <a:extLst>
               <a:ext uri="{FF2B5EF4-FFF2-40B4-BE49-F238E27FC236}">
-                <a16:creationId xmlns:a16="http://schemas.microsoft.com/office/drawing/2014/main" id="{91268A7D-5F9B-CF8D-FBFF-DFA2C8B1F39F}"/>
+                <a16:creationId xmlns:a16="http://schemas.microsoft.com/office/drawing/2014/main" id="{B5F24F45-4206-2CC6-4BC0-5AF5FC26358C}"/>
               </a:ext>
             </a:extLst>
           </p:cNvPr>
@@ -244,7 +249,7 @@
           <p:cNvPr id="4" name="Date Placeholder 3">
             <a:extLst>
               <a:ext uri="{FF2B5EF4-FFF2-40B4-BE49-F238E27FC236}">
-                <a16:creationId xmlns:a16="http://schemas.microsoft.com/office/drawing/2014/main" id="{47C8E5CD-ACD8-CE6C-5C3C-5D1DC622054D}"/>
+                <a16:creationId xmlns:a16="http://schemas.microsoft.com/office/drawing/2014/main" id="{DAAAC151-D8B1-7B91-093C-4B1401AEA432}"/>
               </a:ext>
             </a:extLst>
           </p:cNvPr>
@@ -273,7 +278,7 @@
           <p:cNvPr id="5" name="Footer Placeholder 4">
             <a:extLst>
               <a:ext uri="{FF2B5EF4-FFF2-40B4-BE49-F238E27FC236}">
-                <a16:creationId xmlns:a16="http://schemas.microsoft.com/office/drawing/2014/main" id="{E8053FF6-4A79-48DF-0703-948AB9C96764}"/>
+                <a16:creationId xmlns:a16="http://schemas.microsoft.com/office/drawing/2014/main" id="{AB9E69F9-E327-95C5-1B81-4C413E0E1631}"/>
               </a:ext>
             </a:extLst>
           </p:cNvPr>
@@ -298,7 +303,7 @@
           <p:cNvPr id="6" name="Slide Number Placeholder 5">
             <a:extLst>
               <a:ext uri="{FF2B5EF4-FFF2-40B4-BE49-F238E27FC236}">
-                <a16:creationId xmlns:a16="http://schemas.microsoft.com/office/drawing/2014/main" id="{D0648DCF-EB5F-0F19-D4CF-2D103F39D2FC}"/>
+                <a16:creationId xmlns:a16="http://schemas.microsoft.com/office/drawing/2014/main" id="{94861E9C-1AD0-AC91-29C8-C3C0583C7814}"/>
               </a:ext>
             </a:extLst>
           </p:cNvPr>
@@ -325,7 +330,7 @@
     </p:spTree>
     <p:extLst>
       <p:ext uri="{BB962C8B-B14F-4D97-AF65-F5344CB8AC3E}">
-        <p14:creationId xmlns:p14="http://schemas.microsoft.com/office/powerpoint/2010/main" val="2702540958"/>
+        <p14:creationId xmlns:p14="http://schemas.microsoft.com/office/powerpoint/2010/main" val="3415793016"/>
       </p:ext>
     </p:extLst>
   </p:cSld>
@@ -357,7 +362,7 @@
           <p:cNvPr id="2" name="Title 1">
             <a:extLst>
               <a:ext uri="{FF2B5EF4-FFF2-40B4-BE49-F238E27FC236}">
-                <a16:creationId xmlns:a16="http://schemas.microsoft.com/office/drawing/2014/main" id="{EF66E597-3F5B-8750-55B2-68639EA3D6B0}"/>
+                <a16:creationId xmlns:a16="http://schemas.microsoft.com/office/drawing/2014/main" id="{4B850AD6-2192-4CF0-50CB-F648C97DB7F5}"/>
               </a:ext>
             </a:extLst>
           </p:cNvPr>
@@ -385,7 +390,7 @@
           <p:cNvPr id="3" name="Vertical Text Placeholder 2">
             <a:extLst>
               <a:ext uri="{FF2B5EF4-FFF2-40B4-BE49-F238E27FC236}">
-                <a16:creationId xmlns:a16="http://schemas.microsoft.com/office/drawing/2014/main" id="{F38EF0E0-A346-894A-FE25-D18F62AD783A}"/>
+                <a16:creationId xmlns:a16="http://schemas.microsoft.com/office/drawing/2014/main" id="{ACA2CFED-E78E-054B-93DD-18A5A6FB2AC4}"/>
               </a:ext>
             </a:extLst>
           </p:cNvPr>
@@ -442,7 +447,7 @@
           <p:cNvPr id="4" name="Date Placeholder 3">
             <a:extLst>
               <a:ext uri="{FF2B5EF4-FFF2-40B4-BE49-F238E27FC236}">
-                <a16:creationId xmlns:a16="http://schemas.microsoft.com/office/drawing/2014/main" id="{004144B3-C6E6-696E-DEB3-AAC86E3C6A5A}"/>
+                <a16:creationId xmlns:a16="http://schemas.microsoft.com/office/drawing/2014/main" id="{1DE01E30-ABE8-9A4E-AF12-FD9BB761C8F8}"/>
               </a:ext>
             </a:extLst>
           </p:cNvPr>
@@ -471,7 +476,7 @@
           <p:cNvPr id="5" name="Footer Placeholder 4">
             <a:extLst>
               <a:ext uri="{FF2B5EF4-FFF2-40B4-BE49-F238E27FC236}">
-                <a16:creationId xmlns:a16="http://schemas.microsoft.com/office/drawing/2014/main" id="{76710672-F265-5F1A-982A-2D2228E882E8}"/>
+                <a16:creationId xmlns:a16="http://schemas.microsoft.com/office/drawing/2014/main" id="{33BB52F0-060A-DDB5-3DBB-0278C547973E}"/>
               </a:ext>
             </a:extLst>
           </p:cNvPr>
@@ -496,7 +501,7 @@
           <p:cNvPr id="6" name="Slide Number Placeholder 5">
             <a:extLst>
               <a:ext uri="{FF2B5EF4-FFF2-40B4-BE49-F238E27FC236}">
-                <a16:creationId xmlns:a16="http://schemas.microsoft.com/office/drawing/2014/main" id="{543D2BBF-666F-3F62-91A7-D304650D9011}"/>
+                <a16:creationId xmlns:a16="http://schemas.microsoft.com/office/drawing/2014/main" id="{E7E3D24A-7107-4CA5-1743-8C0F78298727}"/>
               </a:ext>
             </a:extLst>
           </p:cNvPr>
@@ -523,7 +528,7 @@
     </p:spTree>
     <p:extLst>
       <p:ext uri="{BB962C8B-B14F-4D97-AF65-F5344CB8AC3E}">
-        <p14:creationId xmlns:p14="http://schemas.microsoft.com/office/powerpoint/2010/main" val="1498264823"/>
+        <p14:creationId xmlns:p14="http://schemas.microsoft.com/office/powerpoint/2010/main" val="1761004370"/>
       </p:ext>
     </p:extLst>
   </p:cSld>
@@ -555,7 +560,7 @@
           <p:cNvPr id="2" name="Vertical Title 1">
             <a:extLst>
               <a:ext uri="{FF2B5EF4-FFF2-40B4-BE49-F238E27FC236}">
-                <a16:creationId xmlns:a16="http://schemas.microsoft.com/office/drawing/2014/main" id="{7BC8B972-B9F8-8973-B28F-5D9E9F6D6E86}"/>
+                <a16:creationId xmlns:a16="http://schemas.microsoft.com/office/drawing/2014/main" id="{C311DC5B-4504-1270-19AB-6BD143987501}"/>
               </a:ext>
             </a:extLst>
           </p:cNvPr>
@@ -588,7 +593,7 @@
           <p:cNvPr id="3" name="Vertical Text Placeholder 2">
             <a:extLst>
               <a:ext uri="{FF2B5EF4-FFF2-40B4-BE49-F238E27FC236}">
-                <a16:creationId xmlns:a16="http://schemas.microsoft.com/office/drawing/2014/main" id="{70602733-0804-8C1C-CB3B-939B5DA41597}"/>
+                <a16:creationId xmlns:a16="http://schemas.microsoft.com/office/drawing/2014/main" id="{76285B09-EE69-6989-BD9A-312C32C69636}"/>
               </a:ext>
             </a:extLst>
           </p:cNvPr>
@@ -650,7 +655,7 @@
           <p:cNvPr id="4" name="Date Placeholder 3">
             <a:extLst>
               <a:ext uri="{FF2B5EF4-FFF2-40B4-BE49-F238E27FC236}">
-                <a16:creationId xmlns:a16="http://schemas.microsoft.com/office/drawing/2014/main" id="{B763EEA9-8721-886A-7E16-B1AE11C0A4C8}"/>
+                <a16:creationId xmlns:a16="http://schemas.microsoft.com/office/drawing/2014/main" id="{C09B8428-5BBB-0ACE-1E31-DB893CE78928}"/>
               </a:ext>
             </a:extLst>
           </p:cNvPr>
@@ -679,7 +684,7 @@
           <p:cNvPr id="5" name="Footer Placeholder 4">
             <a:extLst>
               <a:ext uri="{FF2B5EF4-FFF2-40B4-BE49-F238E27FC236}">
-                <a16:creationId xmlns:a16="http://schemas.microsoft.com/office/drawing/2014/main" id="{A555A95B-A498-1EC0-EB41-CBECACFB3F1A}"/>
+                <a16:creationId xmlns:a16="http://schemas.microsoft.com/office/drawing/2014/main" id="{CE99C934-9708-93D6-67A6-7D7A65E0E60C}"/>
               </a:ext>
             </a:extLst>
           </p:cNvPr>
@@ -704,7 +709,7 @@
           <p:cNvPr id="6" name="Slide Number Placeholder 5">
             <a:extLst>
               <a:ext uri="{FF2B5EF4-FFF2-40B4-BE49-F238E27FC236}">
-                <a16:creationId xmlns:a16="http://schemas.microsoft.com/office/drawing/2014/main" id="{5BAEF6AF-7191-C076-5013-B4267CC6AFCC}"/>
+                <a16:creationId xmlns:a16="http://schemas.microsoft.com/office/drawing/2014/main" id="{2D169E85-C118-D047-1D80-10D7CD63DEAC}"/>
               </a:ext>
             </a:extLst>
           </p:cNvPr>
@@ -731,7 +736,7 @@
     </p:spTree>
     <p:extLst>
       <p:ext uri="{BB962C8B-B14F-4D97-AF65-F5344CB8AC3E}">
-        <p14:creationId xmlns:p14="http://schemas.microsoft.com/office/powerpoint/2010/main" val="3076375717"/>
+        <p14:creationId xmlns:p14="http://schemas.microsoft.com/office/powerpoint/2010/main" val="3753295032"/>
       </p:ext>
     </p:extLst>
   </p:cSld>
@@ -763,7 +768,7 @@
           <p:cNvPr id="2" name="Title 1">
             <a:extLst>
               <a:ext uri="{FF2B5EF4-FFF2-40B4-BE49-F238E27FC236}">
-                <a16:creationId xmlns:a16="http://schemas.microsoft.com/office/drawing/2014/main" id="{AA350D1B-30F5-D573-197F-D82DA0863413}"/>
+                <a16:creationId xmlns:a16="http://schemas.microsoft.com/office/drawing/2014/main" id="{164ADC91-5958-8A59-7D44-39CC7A81B565}"/>
               </a:ext>
             </a:extLst>
           </p:cNvPr>
@@ -791,7 +796,7 @@
           <p:cNvPr id="3" name="Content Placeholder 2">
             <a:extLst>
               <a:ext uri="{FF2B5EF4-FFF2-40B4-BE49-F238E27FC236}">
-                <a16:creationId xmlns:a16="http://schemas.microsoft.com/office/drawing/2014/main" id="{00DD76CA-EB43-615A-AD99-D016CEE3980A}"/>
+                <a16:creationId xmlns:a16="http://schemas.microsoft.com/office/drawing/2014/main" id="{EC27E992-E346-D9B3-5295-19A9C2394A61}"/>
               </a:ext>
             </a:extLst>
           </p:cNvPr>
@@ -848,7 +853,7 @@
           <p:cNvPr id="4" name="Date Placeholder 3">
             <a:extLst>
               <a:ext uri="{FF2B5EF4-FFF2-40B4-BE49-F238E27FC236}">
-                <a16:creationId xmlns:a16="http://schemas.microsoft.com/office/drawing/2014/main" id="{1F47ED7E-C935-D921-84E0-A326681A35D1}"/>
+                <a16:creationId xmlns:a16="http://schemas.microsoft.com/office/drawing/2014/main" id="{1170ACD3-D7AE-57DA-F420-A7DF92592203}"/>
               </a:ext>
             </a:extLst>
           </p:cNvPr>
@@ -877,7 +882,7 @@
           <p:cNvPr id="5" name="Footer Placeholder 4">
             <a:extLst>
               <a:ext uri="{FF2B5EF4-FFF2-40B4-BE49-F238E27FC236}">
-                <a16:creationId xmlns:a16="http://schemas.microsoft.com/office/drawing/2014/main" id="{68D726B1-1C40-C6A0-C09E-38D755C19A54}"/>
+                <a16:creationId xmlns:a16="http://schemas.microsoft.com/office/drawing/2014/main" id="{27233B10-C2D0-85C3-F86A-7329AB59A4F8}"/>
               </a:ext>
             </a:extLst>
           </p:cNvPr>
@@ -902,7 +907,7 @@
           <p:cNvPr id="6" name="Slide Number Placeholder 5">
             <a:extLst>
               <a:ext uri="{FF2B5EF4-FFF2-40B4-BE49-F238E27FC236}">
-                <a16:creationId xmlns:a16="http://schemas.microsoft.com/office/drawing/2014/main" id="{7B197D7C-42A9-BBEB-0291-F12054519E9E}"/>
+                <a16:creationId xmlns:a16="http://schemas.microsoft.com/office/drawing/2014/main" id="{60F63F25-0603-BF0D-8E35-2E4E61F0C4EC}"/>
               </a:ext>
             </a:extLst>
           </p:cNvPr>
@@ -929,7 +934,7 @@
     </p:spTree>
     <p:extLst>
       <p:ext uri="{BB962C8B-B14F-4D97-AF65-F5344CB8AC3E}">
-        <p14:creationId xmlns:p14="http://schemas.microsoft.com/office/powerpoint/2010/main" val="1315346311"/>
+        <p14:creationId xmlns:p14="http://schemas.microsoft.com/office/powerpoint/2010/main" val="2437735661"/>
       </p:ext>
     </p:extLst>
   </p:cSld>
@@ -961,7 +966,7 @@
           <p:cNvPr id="2" name="Title 1">
             <a:extLst>
               <a:ext uri="{FF2B5EF4-FFF2-40B4-BE49-F238E27FC236}">
-                <a16:creationId xmlns:a16="http://schemas.microsoft.com/office/drawing/2014/main" id="{B2031F35-21D6-479A-1B59-23E2824FA76A}"/>
+                <a16:creationId xmlns:a16="http://schemas.microsoft.com/office/drawing/2014/main" id="{C49E1705-1F2A-3E5D-DA5E-7EC6D323F210}"/>
               </a:ext>
             </a:extLst>
           </p:cNvPr>
@@ -998,7 +1003,7 @@
           <p:cNvPr id="3" name="Text Placeholder 2">
             <a:extLst>
               <a:ext uri="{FF2B5EF4-FFF2-40B4-BE49-F238E27FC236}">
-                <a16:creationId xmlns:a16="http://schemas.microsoft.com/office/drawing/2014/main" id="{9DF0E085-E246-B17E-DD1E-9210169D88D7}"/>
+                <a16:creationId xmlns:a16="http://schemas.microsoft.com/office/drawing/2014/main" id="{217FFC2B-5F7C-36B9-EF0C-29FFB5311109}"/>
               </a:ext>
             </a:extLst>
           </p:cNvPr>
@@ -1123,7 +1128,7 @@
           <p:cNvPr id="4" name="Date Placeholder 3">
             <a:extLst>
               <a:ext uri="{FF2B5EF4-FFF2-40B4-BE49-F238E27FC236}">
-                <a16:creationId xmlns:a16="http://schemas.microsoft.com/office/drawing/2014/main" id="{C15D8635-4E3A-0CF9-E702-5483A7395991}"/>
+                <a16:creationId xmlns:a16="http://schemas.microsoft.com/office/drawing/2014/main" id="{F392DD23-12F3-BE3A-D099-E1FA79F0082B}"/>
               </a:ext>
             </a:extLst>
           </p:cNvPr>
@@ -1152,7 +1157,7 @@
           <p:cNvPr id="5" name="Footer Placeholder 4">
             <a:extLst>
               <a:ext uri="{FF2B5EF4-FFF2-40B4-BE49-F238E27FC236}">
-                <a16:creationId xmlns:a16="http://schemas.microsoft.com/office/drawing/2014/main" id="{CDF8A65E-5E5F-5C52-89FB-81C184B68BEE}"/>
+                <a16:creationId xmlns:a16="http://schemas.microsoft.com/office/drawing/2014/main" id="{72278388-0CE4-6239-B536-6BC3C0486EFD}"/>
               </a:ext>
             </a:extLst>
           </p:cNvPr>
@@ -1177,7 +1182,7 @@
           <p:cNvPr id="6" name="Slide Number Placeholder 5">
             <a:extLst>
               <a:ext uri="{FF2B5EF4-FFF2-40B4-BE49-F238E27FC236}">
-                <a16:creationId xmlns:a16="http://schemas.microsoft.com/office/drawing/2014/main" id="{ED4BC64F-8F06-F784-2C8D-00AD10F21F3B}"/>
+                <a16:creationId xmlns:a16="http://schemas.microsoft.com/office/drawing/2014/main" id="{F4CCF8E5-1B7B-2CD4-9C6F-4FCC5CA42D48}"/>
               </a:ext>
             </a:extLst>
           </p:cNvPr>
@@ -1204,7 +1209,7 @@
     </p:spTree>
     <p:extLst>
       <p:ext uri="{BB962C8B-B14F-4D97-AF65-F5344CB8AC3E}">
-        <p14:creationId xmlns:p14="http://schemas.microsoft.com/office/powerpoint/2010/main" val="1877756290"/>
+        <p14:creationId xmlns:p14="http://schemas.microsoft.com/office/powerpoint/2010/main" val="777061036"/>
       </p:ext>
     </p:extLst>
   </p:cSld>
@@ -1236,7 +1241,7 @@
           <p:cNvPr id="2" name="Title 1">
             <a:extLst>
               <a:ext uri="{FF2B5EF4-FFF2-40B4-BE49-F238E27FC236}">
-                <a16:creationId xmlns:a16="http://schemas.microsoft.com/office/drawing/2014/main" id="{C3D44120-61B2-4877-C11F-CBA9E97C3BCC}"/>
+                <a16:creationId xmlns:a16="http://schemas.microsoft.com/office/drawing/2014/main" id="{62402092-44AE-0BA4-ED16-8F3D9E346913}"/>
               </a:ext>
             </a:extLst>
           </p:cNvPr>
@@ -1264,7 +1269,7 @@
           <p:cNvPr id="3" name="Content Placeholder 2">
             <a:extLst>
               <a:ext uri="{FF2B5EF4-FFF2-40B4-BE49-F238E27FC236}">
-                <a16:creationId xmlns:a16="http://schemas.microsoft.com/office/drawing/2014/main" id="{CC337BE3-94CF-1A83-7E0D-9C350ABB9F33}"/>
+                <a16:creationId xmlns:a16="http://schemas.microsoft.com/office/drawing/2014/main" id="{DF794BB5-AB07-7AAE-A6EC-9544E0FF7E8C}"/>
               </a:ext>
             </a:extLst>
           </p:cNvPr>
@@ -1326,7 +1331,7 @@
           <p:cNvPr id="4" name="Content Placeholder 3">
             <a:extLst>
               <a:ext uri="{FF2B5EF4-FFF2-40B4-BE49-F238E27FC236}">
-                <a16:creationId xmlns:a16="http://schemas.microsoft.com/office/drawing/2014/main" id="{E4C85052-F0D0-A38E-5B7E-17D9A4B275B0}"/>
+                <a16:creationId xmlns:a16="http://schemas.microsoft.com/office/drawing/2014/main" id="{C2E89D15-307C-4B02-EE1E-5C9FA38D7714}"/>
               </a:ext>
             </a:extLst>
           </p:cNvPr>
@@ -1388,7 +1393,7 @@
           <p:cNvPr id="5" name="Date Placeholder 4">
             <a:extLst>
               <a:ext uri="{FF2B5EF4-FFF2-40B4-BE49-F238E27FC236}">
-                <a16:creationId xmlns:a16="http://schemas.microsoft.com/office/drawing/2014/main" id="{9121DAC3-222D-5E75-4B9B-A2CF29DAA251}"/>
+                <a16:creationId xmlns:a16="http://schemas.microsoft.com/office/drawing/2014/main" id="{2EAC1D1B-AF54-18D8-F9F5-0144F45A2090}"/>
               </a:ext>
             </a:extLst>
           </p:cNvPr>
@@ -1417,7 +1422,7 @@
           <p:cNvPr id="6" name="Footer Placeholder 5">
             <a:extLst>
               <a:ext uri="{FF2B5EF4-FFF2-40B4-BE49-F238E27FC236}">
-                <a16:creationId xmlns:a16="http://schemas.microsoft.com/office/drawing/2014/main" id="{834FC643-B847-E3FE-4123-B0CA29117693}"/>
+                <a16:creationId xmlns:a16="http://schemas.microsoft.com/office/drawing/2014/main" id="{E0B4E5F6-F54C-BBB0-E1E8-7C4E70390320}"/>
               </a:ext>
             </a:extLst>
           </p:cNvPr>
@@ -1442,7 +1447,7 @@
           <p:cNvPr id="7" name="Slide Number Placeholder 6">
             <a:extLst>
               <a:ext uri="{FF2B5EF4-FFF2-40B4-BE49-F238E27FC236}">
-                <a16:creationId xmlns:a16="http://schemas.microsoft.com/office/drawing/2014/main" id="{00150B7F-8912-9DE0-9E0B-4A81FEA73E5C}"/>
+                <a16:creationId xmlns:a16="http://schemas.microsoft.com/office/drawing/2014/main" id="{D6B603D4-4E55-527A-B656-18DCC0A75B00}"/>
               </a:ext>
             </a:extLst>
           </p:cNvPr>
@@ -1469,7 +1474,7 @@
     </p:spTree>
     <p:extLst>
       <p:ext uri="{BB962C8B-B14F-4D97-AF65-F5344CB8AC3E}">
-        <p14:creationId xmlns:p14="http://schemas.microsoft.com/office/powerpoint/2010/main" val="864847458"/>
+        <p14:creationId xmlns:p14="http://schemas.microsoft.com/office/powerpoint/2010/main" val="3928073017"/>
       </p:ext>
     </p:extLst>
   </p:cSld>
@@ -1501,7 +1506,7 @@
           <p:cNvPr id="2" name="Title 1">
             <a:extLst>
               <a:ext uri="{FF2B5EF4-FFF2-40B4-BE49-F238E27FC236}">
-                <a16:creationId xmlns:a16="http://schemas.microsoft.com/office/drawing/2014/main" id="{8820737C-DA5C-8F90-9463-9446343207AF}"/>
+                <a16:creationId xmlns:a16="http://schemas.microsoft.com/office/drawing/2014/main" id="{E03BD885-8D66-2A02-BA28-69CEDA9D6BAC}"/>
               </a:ext>
             </a:extLst>
           </p:cNvPr>
@@ -1534,7 +1539,7 @@
           <p:cNvPr id="3" name="Text Placeholder 2">
             <a:extLst>
               <a:ext uri="{FF2B5EF4-FFF2-40B4-BE49-F238E27FC236}">
-                <a16:creationId xmlns:a16="http://schemas.microsoft.com/office/drawing/2014/main" id="{60877149-0F06-120C-6A7B-FE459D6BB37B}"/>
+                <a16:creationId xmlns:a16="http://schemas.microsoft.com/office/drawing/2014/main" id="{F4018312-C1DB-C08F-8597-68C00DBA668A}"/>
               </a:ext>
             </a:extLst>
           </p:cNvPr>
@@ -1605,7 +1610,7 @@
           <p:cNvPr id="4" name="Content Placeholder 3">
             <a:extLst>
               <a:ext uri="{FF2B5EF4-FFF2-40B4-BE49-F238E27FC236}">
-                <a16:creationId xmlns:a16="http://schemas.microsoft.com/office/drawing/2014/main" id="{18AFEEA0-94A3-016C-B8C8-0E8C7F314524}"/>
+                <a16:creationId xmlns:a16="http://schemas.microsoft.com/office/drawing/2014/main" id="{0168D919-DB08-99BD-EFCF-2EF32D4C8CE7}"/>
               </a:ext>
             </a:extLst>
           </p:cNvPr>
@@ -1667,7 +1672,7 @@
           <p:cNvPr id="5" name="Text Placeholder 4">
             <a:extLst>
               <a:ext uri="{FF2B5EF4-FFF2-40B4-BE49-F238E27FC236}">
-                <a16:creationId xmlns:a16="http://schemas.microsoft.com/office/drawing/2014/main" id="{1B57FF67-73C6-782D-BF11-7D80EB4E067B}"/>
+                <a16:creationId xmlns:a16="http://schemas.microsoft.com/office/drawing/2014/main" id="{B2BC1A05-94B2-204B-28A4-BFD234773904}"/>
               </a:ext>
             </a:extLst>
           </p:cNvPr>
@@ -1738,7 +1743,7 @@
           <p:cNvPr id="6" name="Content Placeholder 5">
             <a:extLst>
               <a:ext uri="{FF2B5EF4-FFF2-40B4-BE49-F238E27FC236}">
-                <a16:creationId xmlns:a16="http://schemas.microsoft.com/office/drawing/2014/main" id="{D5A73507-A514-4ADA-54EE-CF77317B6153}"/>
+                <a16:creationId xmlns:a16="http://schemas.microsoft.com/office/drawing/2014/main" id="{F7512DE5-A69D-FB61-9803-557F98B5EB1B}"/>
               </a:ext>
             </a:extLst>
           </p:cNvPr>
@@ -1800,7 +1805,7 @@
           <p:cNvPr id="7" name="Date Placeholder 6">
             <a:extLst>
               <a:ext uri="{FF2B5EF4-FFF2-40B4-BE49-F238E27FC236}">
-                <a16:creationId xmlns:a16="http://schemas.microsoft.com/office/drawing/2014/main" id="{F069E2B5-988B-B53A-85C5-C238B2AFC3F6}"/>
+                <a16:creationId xmlns:a16="http://schemas.microsoft.com/office/drawing/2014/main" id="{C2336AF1-A430-3C48-3375-C68D29D80E4D}"/>
               </a:ext>
             </a:extLst>
           </p:cNvPr>
@@ -1829,7 +1834,7 @@
           <p:cNvPr id="8" name="Footer Placeholder 7">
             <a:extLst>
               <a:ext uri="{FF2B5EF4-FFF2-40B4-BE49-F238E27FC236}">
-                <a16:creationId xmlns:a16="http://schemas.microsoft.com/office/drawing/2014/main" id="{BD876339-EFB5-8390-CB7C-5558E9AD9D18}"/>
+                <a16:creationId xmlns:a16="http://schemas.microsoft.com/office/drawing/2014/main" id="{47B73E61-1DA5-BF22-6112-7CF0FD48BD7A}"/>
               </a:ext>
             </a:extLst>
           </p:cNvPr>
@@ -1854,7 +1859,7 @@
           <p:cNvPr id="9" name="Slide Number Placeholder 8">
             <a:extLst>
               <a:ext uri="{FF2B5EF4-FFF2-40B4-BE49-F238E27FC236}">
-                <a16:creationId xmlns:a16="http://schemas.microsoft.com/office/drawing/2014/main" id="{87A439CD-C435-9B61-CB5E-F8399F1F07B2}"/>
+                <a16:creationId xmlns:a16="http://schemas.microsoft.com/office/drawing/2014/main" id="{94D48C06-4398-C754-3CBA-E386FDA95A5B}"/>
               </a:ext>
             </a:extLst>
           </p:cNvPr>
@@ -1881,7 +1886,7 @@
     </p:spTree>
     <p:extLst>
       <p:ext uri="{BB962C8B-B14F-4D97-AF65-F5344CB8AC3E}">
-        <p14:creationId xmlns:p14="http://schemas.microsoft.com/office/powerpoint/2010/main" val="3358916732"/>
+        <p14:creationId xmlns:p14="http://schemas.microsoft.com/office/powerpoint/2010/main" val="693595727"/>
       </p:ext>
     </p:extLst>
   </p:cSld>
@@ -1913,7 +1918,7 @@
           <p:cNvPr id="2" name="Title 1">
             <a:extLst>
               <a:ext uri="{FF2B5EF4-FFF2-40B4-BE49-F238E27FC236}">
-                <a16:creationId xmlns:a16="http://schemas.microsoft.com/office/drawing/2014/main" id="{4BA42CA0-B984-72B6-FBA0-C1B36B41AE30}"/>
+                <a16:creationId xmlns:a16="http://schemas.microsoft.com/office/drawing/2014/main" id="{43D7EE64-533D-61B0-B6F8-57FDCA6A3E5B}"/>
               </a:ext>
             </a:extLst>
           </p:cNvPr>
@@ -1941,7 +1946,7 @@
           <p:cNvPr id="3" name="Date Placeholder 2">
             <a:extLst>
               <a:ext uri="{FF2B5EF4-FFF2-40B4-BE49-F238E27FC236}">
-                <a16:creationId xmlns:a16="http://schemas.microsoft.com/office/drawing/2014/main" id="{44542AE6-E96A-E98F-0E5D-8A1933A8BA49}"/>
+                <a16:creationId xmlns:a16="http://schemas.microsoft.com/office/drawing/2014/main" id="{820FDFD6-DE0D-264F-1459-46AF9775D251}"/>
               </a:ext>
             </a:extLst>
           </p:cNvPr>
@@ -1970,7 +1975,7 @@
           <p:cNvPr id="4" name="Footer Placeholder 3">
             <a:extLst>
               <a:ext uri="{FF2B5EF4-FFF2-40B4-BE49-F238E27FC236}">
-                <a16:creationId xmlns:a16="http://schemas.microsoft.com/office/drawing/2014/main" id="{391EFD69-758C-9F7A-C8F4-61070664100F}"/>
+                <a16:creationId xmlns:a16="http://schemas.microsoft.com/office/drawing/2014/main" id="{64C01FA2-36A7-18D5-8082-463130E39D3F}"/>
               </a:ext>
             </a:extLst>
           </p:cNvPr>
@@ -1995,7 +2000,7 @@
           <p:cNvPr id="5" name="Slide Number Placeholder 4">
             <a:extLst>
               <a:ext uri="{FF2B5EF4-FFF2-40B4-BE49-F238E27FC236}">
-                <a16:creationId xmlns:a16="http://schemas.microsoft.com/office/drawing/2014/main" id="{80C8DCC5-7632-6D5A-423F-6F62150B6DB2}"/>
+                <a16:creationId xmlns:a16="http://schemas.microsoft.com/office/drawing/2014/main" id="{91EC45DA-F3C2-3D1B-A6BF-1EB81754A0FD}"/>
               </a:ext>
             </a:extLst>
           </p:cNvPr>
@@ -2022,7 +2027,7 @@
     </p:spTree>
     <p:extLst>
       <p:ext uri="{BB962C8B-B14F-4D97-AF65-F5344CB8AC3E}">
-        <p14:creationId xmlns:p14="http://schemas.microsoft.com/office/powerpoint/2010/main" val="1329298798"/>
+        <p14:creationId xmlns:p14="http://schemas.microsoft.com/office/powerpoint/2010/main" val="951519283"/>
       </p:ext>
     </p:extLst>
   </p:cSld>
@@ -2054,7 +2059,7 @@
           <p:cNvPr id="2" name="Date Placeholder 1">
             <a:extLst>
               <a:ext uri="{FF2B5EF4-FFF2-40B4-BE49-F238E27FC236}">
-                <a16:creationId xmlns:a16="http://schemas.microsoft.com/office/drawing/2014/main" id="{E1720F27-22EC-18C4-066E-44B4F3F7EE69}"/>
+                <a16:creationId xmlns:a16="http://schemas.microsoft.com/office/drawing/2014/main" id="{DC6F61D6-EF54-0653-F4A7-823D8536F9E4}"/>
               </a:ext>
             </a:extLst>
           </p:cNvPr>
@@ -2083,7 +2088,7 @@
           <p:cNvPr id="3" name="Footer Placeholder 2">
             <a:extLst>
               <a:ext uri="{FF2B5EF4-FFF2-40B4-BE49-F238E27FC236}">
-                <a16:creationId xmlns:a16="http://schemas.microsoft.com/office/drawing/2014/main" id="{568B88D6-5AB9-17E0-E313-CCAAD7F22E47}"/>
+                <a16:creationId xmlns:a16="http://schemas.microsoft.com/office/drawing/2014/main" id="{AA412C40-7CEE-D82F-C248-46981AD49C44}"/>
               </a:ext>
             </a:extLst>
           </p:cNvPr>
@@ -2108,7 +2113,7 @@
           <p:cNvPr id="4" name="Slide Number Placeholder 3">
             <a:extLst>
               <a:ext uri="{FF2B5EF4-FFF2-40B4-BE49-F238E27FC236}">
-                <a16:creationId xmlns:a16="http://schemas.microsoft.com/office/drawing/2014/main" id="{54E7A61C-B5B2-0CB9-8B35-9A81AAC57CC4}"/>
+                <a16:creationId xmlns:a16="http://schemas.microsoft.com/office/drawing/2014/main" id="{0FE7574C-D43C-E1F6-59C1-0321E8C557DA}"/>
               </a:ext>
             </a:extLst>
           </p:cNvPr>
@@ -2135,7 +2140,7 @@
     </p:spTree>
     <p:extLst>
       <p:ext uri="{BB962C8B-B14F-4D97-AF65-F5344CB8AC3E}">
-        <p14:creationId xmlns:p14="http://schemas.microsoft.com/office/powerpoint/2010/main" val="1904167498"/>
+        <p14:creationId xmlns:p14="http://schemas.microsoft.com/office/powerpoint/2010/main" val="1586175081"/>
       </p:ext>
     </p:extLst>
   </p:cSld>
@@ -2167,7 +2172,7 @@
           <p:cNvPr id="2" name="Title 1">
             <a:extLst>
               <a:ext uri="{FF2B5EF4-FFF2-40B4-BE49-F238E27FC236}">
-                <a16:creationId xmlns:a16="http://schemas.microsoft.com/office/drawing/2014/main" id="{1330052E-175F-1047-E527-F8F40388C139}"/>
+                <a16:creationId xmlns:a16="http://schemas.microsoft.com/office/drawing/2014/main" id="{A3D2E523-BEBF-94A9-754C-D0BD990260A0}"/>
               </a:ext>
             </a:extLst>
           </p:cNvPr>
@@ -2204,7 +2209,7 @@
           <p:cNvPr id="3" name="Content Placeholder 2">
             <a:extLst>
               <a:ext uri="{FF2B5EF4-FFF2-40B4-BE49-F238E27FC236}">
-                <a16:creationId xmlns:a16="http://schemas.microsoft.com/office/drawing/2014/main" id="{74DBD410-809A-58E8-D49B-23557D97C188}"/>
+                <a16:creationId xmlns:a16="http://schemas.microsoft.com/office/drawing/2014/main" id="{15E2F91B-4FE6-CD14-92FC-0F9F5DC59CB4}"/>
               </a:ext>
             </a:extLst>
           </p:cNvPr>
@@ -2294,7 +2299,7 @@
           <p:cNvPr id="4" name="Text Placeholder 3">
             <a:extLst>
               <a:ext uri="{FF2B5EF4-FFF2-40B4-BE49-F238E27FC236}">
-                <a16:creationId xmlns:a16="http://schemas.microsoft.com/office/drawing/2014/main" id="{A47C7B4C-30D0-2368-BBF4-1890104AE2AF}"/>
+                <a16:creationId xmlns:a16="http://schemas.microsoft.com/office/drawing/2014/main" id="{7470242D-D563-F27D-18B6-FB3161E6D4C9}"/>
               </a:ext>
             </a:extLst>
           </p:cNvPr>
@@ -2365,7 +2370,7 @@
           <p:cNvPr id="5" name="Date Placeholder 4">
             <a:extLst>
               <a:ext uri="{FF2B5EF4-FFF2-40B4-BE49-F238E27FC236}">
-                <a16:creationId xmlns:a16="http://schemas.microsoft.com/office/drawing/2014/main" id="{7141BAF0-E999-C584-A7AB-712E1168332A}"/>
+                <a16:creationId xmlns:a16="http://schemas.microsoft.com/office/drawing/2014/main" id="{3CDDDBC2-E618-29CF-E6B6-2F15EDF58F17}"/>
               </a:ext>
             </a:extLst>
           </p:cNvPr>
@@ -2394,7 +2399,7 @@
           <p:cNvPr id="6" name="Footer Placeholder 5">
             <a:extLst>
               <a:ext uri="{FF2B5EF4-FFF2-40B4-BE49-F238E27FC236}">
-                <a16:creationId xmlns:a16="http://schemas.microsoft.com/office/drawing/2014/main" id="{042DD030-7248-1EAE-6723-8B923CDA0F91}"/>
+                <a16:creationId xmlns:a16="http://schemas.microsoft.com/office/drawing/2014/main" id="{6A2C7A55-800D-C147-F870-3CE51B4180B3}"/>
               </a:ext>
             </a:extLst>
           </p:cNvPr>
@@ -2419,7 +2424,7 @@
           <p:cNvPr id="7" name="Slide Number Placeholder 6">
             <a:extLst>
               <a:ext uri="{FF2B5EF4-FFF2-40B4-BE49-F238E27FC236}">
-                <a16:creationId xmlns:a16="http://schemas.microsoft.com/office/drawing/2014/main" id="{CCBD6B07-2B42-3CFF-1F62-7152752E8AB7}"/>
+                <a16:creationId xmlns:a16="http://schemas.microsoft.com/office/drawing/2014/main" id="{1E9EB5B2-260D-2C27-9CE9-4D95F357B4A5}"/>
               </a:ext>
             </a:extLst>
           </p:cNvPr>
@@ -2446,7 +2451,7 @@
     </p:spTree>
     <p:extLst>
       <p:ext uri="{BB962C8B-B14F-4D97-AF65-F5344CB8AC3E}">
-        <p14:creationId xmlns:p14="http://schemas.microsoft.com/office/powerpoint/2010/main" val="946762186"/>
+        <p14:creationId xmlns:p14="http://schemas.microsoft.com/office/powerpoint/2010/main" val="133589985"/>
       </p:ext>
     </p:extLst>
   </p:cSld>
@@ -2478,7 +2483,7 @@
           <p:cNvPr id="2" name="Title 1">
             <a:extLst>
               <a:ext uri="{FF2B5EF4-FFF2-40B4-BE49-F238E27FC236}">
-                <a16:creationId xmlns:a16="http://schemas.microsoft.com/office/drawing/2014/main" id="{793C0FE1-1654-B119-A13B-7C1EAC05F6E8}"/>
+                <a16:creationId xmlns:a16="http://schemas.microsoft.com/office/drawing/2014/main" id="{E8419E3D-7008-877C-276C-707431851999}"/>
               </a:ext>
             </a:extLst>
           </p:cNvPr>
@@ -2515,7 +2520,7 @@
           <p:cNvPr id="3" name="Picture Placeholder 2">
             <a:extLst>
               <a:ext uri="{FF2B5EF4-FFF2-40B4-BE49-F238E27FC236}">
-                <a16:creationId xmlns:a16="http://schemas.microsoft.com/office/drawing/2014/main" id="{F613CB26-A429-803B-66C9-FD71549475EB}"/>
+                <a16:creationId xmlns:a16="http://schemas.microsoft.com/office/drawing/2014/main" id="{3E7B9E1E-8474-6D75-2B74-1049769012AA}"/>
               </a:ext>
             </a:extLst>
           </p:cNvPr>
@@ -2582,7 +2587,7 @@
           <p:cNvPr id="4" name="Text Placeholder 3">
             <a:extLst>
               <a:ext uri="{FF2B5EF4-FFF2-40B4-BE49-F238E27FC236}">
-                <a16:creationId xmlns:a16="http://schemas.microsoft.com/office/drawing/2014/main" id="{5E33F196-5D9C-9D5D-BBD1-96E524594D45}"/>
+                <a16:creationId xmlns:a16="http://schemas.microsoft.com/office/drawing/2014/main" id="{3F12622B-F433-1787-962F-C03CF4D7649F}"/>
               </a:ext>
             </a:extLst>
           </p:cNvPr>
@@ -2653,7 +2658,7 @@
           <p:cNvPr id="5" name="Date Placeholder 4">
             <a:extLst>
               <a:ext uri="{FF2B5EF4-FFF2-40B4-BE49-F238E27FC236}">
-                <a16:creationId xmlns:a16="http://schemas.microsoft.com/office/drawing/2014/main" id="{CD69C705-4F95-C920-7BC8-33F44D6B9FD2}"/>
+                <a16:creationId xmlns:a16="http://schemas.microsoft.com/office/drawing/2014/main" id="{EC593DE8-752D-AC93-6D76-B1DECADC5830}"/>
               </a:ext>
             </a:extLst>
           </p:cNvPr>
@@ -2682,7 +2687,7 @@
           <p:cNvPr id="6" name="Footer Placeholder 5">
             <a:extLst>
               <a:ext uri="{FF2B5EF4-FFF2-40B4-BE49-F238E27FC236}">
-                <a16:creationId xmlns:a16="http://schemas.microsoft.com/office/drawing/2014/main" id="{38A38D3F-2BF5-692F-9144-FBF160DDAFB1}"/>
+                <a16:creationId xmlns:a16="http://schemas.microsoft.com/office/drawing/2014/main" id="{264C39B3-D468-40B0-CD06-D036AAB422FA}"/>
               </a:ext>
             </a:extLst>
           </p:cNvPr>
@@ -2707,7 +2712,7 @@
           <p:cNvPr id="7" name="Slide Number Placeholder 6">
             <a:extLst>
               <a:ext uri="{FF2B5EF4-FFF2-40B4-BE49-F238E27FC236}">
-                <a16:creationId xmlns:a16="http://schemas.microsoft.com/office/drawing/2014/main" id="{AB724C0D-6DAD-9445-980C-7F625E1328A6}"/>
+                <a16:creationId xmlns:a16="http://schemas.microsoft.com/office/drawing/2014/main" id="{A2FA779B-D07E-6A23-C23C-74D740433E33}"/>
               </a:ext>
             </a:extLst>
           </p:cNvPr>
@@ -2734,7 +2739,7 @@
     </p:spTree>
     <p:extLst>
       <p:ext uri="{BB962C8B-B14F-4D97-AF65-F5344CB8AC3E}">
-        <p14:creationId xmlns:p14="http://schemas.microsoft.com/office/powerpoint/2010/main" val="1589366451"/>
+        <p14:creationId xmlns:p14="http://schemas.microsoft.com/office/powerpoint/2010/main" val="1025149366"/>
       </p:ext>
     </p:extLst>
   </p:cSld>
@@ -2771,7 +2776,7 @@
           <p:cNvPr id="2" name="Title Placeholder 1">
             <a:extLst>
               <a:ext uri="{FF2B5EF4-FFF2-40B4-BE49-F238E27FC236}">
-                <a16:creationId xmlns:a16="http://schemas.microsoft.com/office/drawing/2014/main" id="{0DB851E4-9F35-726C-7895-6B7DA6502D79}"/>
+                <a16:creationId xmlns:a16="http://schemas.microsoft.com/office/drawing/2014/main" id="{A91D465D-C43D-B951-7054-15C87836B58B}"/>
               </a:ext>
             </a:extLst>
           </p:cNvPr>
@@ -2809,7 +2814,7 @@
           <p:cNvPr id="3" name="Text Placeholder 2">
             <a:extLst>
               <a:ext uri="{FF2B5EF4-FFF2-40B4-BE49-F238E27FC236}">
-                <a16:creationId xmlns:a16="http://schemas.microsoft.com/office/drawing/2014/main" id="{5CC95AAC-12F2-E0AE-F002-1B117263557B}"/>
+                <a16:creationId xmlns:a16="http://schemas.microsoft.com/office/drawing/2014/main" id="{59E7FC8B-3DF6-1F05-CC6E-8B1F1C7DECF7}"/>
               </a:ext>
             </a:extLst>
           </p:cNvPr>
@@ -2876,7 +2881,7 @@
           <p:cNvPr id="4" name="Date Placeholder 3">
             <a:extLst>
               <a:ext uri="{FF2B5EF4-FFF2-40B4-BE49-F238E27FC236}">
-                <a16:creationId xmlns:a16="http://schemas.microsoft.com/office/drawing/2014/main" id="{CE69E3F2-2226-6C1F-AD17-5899D77A62F7}"/>
+                <a16:creationId xmlns:a16="http://schemas.microsoft.com/office/drawing/2014/main" id="{7BE820AB-D939-9EC0-EB23-6285764F6AD9}"/>
               </a:ext>
             </a:extLst>
           </p:cNvPr>
@@ -2923,7 +2928,7 @@
           <p:cNvPr id="5" name="Footer Placeholder 4">
             <a:extLst>
               <a:ext uri="{FF2B5EF4-FFF2-40B4-BE49-F238E27FC236}">
-                <a16:creationId xmlns:a16="http://schemas.microsoft.com/office/drawing/2014/main" id="{3970F0C4-2B3D-0EDA-8F76-D8970D3893AF}"/>
+                <a16:creationId xmlns:a16="http://schemas.microsoft.com/office/drawing/2014/main" id="{E4B49FFF-782D-34BE-EC01-5793A058E096}"/>
               </a:ext>
             </a:extLst>
           </p:cNvPr>
@@ -2966,7 +2971,7 @@
           <p:cNvPr id="6" name="Slide Number Placeholder 5">
             <a:extLst>
               <a:ext uri="{FF2B5EF4-FFF2-40B4-BE49-F238E27FC236}">
-                <a16:creationId xmlns:a16="http://schemas.microsoft.com/office/drawing/2014/main" id="{F6F2E1E3-1F60-76D7-1309-A3C2BB2E855E}"/>
+                <a16:creationId xmlns:a16="http://schemas.microsoft.com/office/drawing/2014/main" id="{18758482-619C-3C6C-78EE-3A235BABADC3}"/>
               </a:ext>
             </a:extLst>
           </p:cNvPr>
@@ -3011,23 +3016,23 @@
     </p:spTree>
     <p:extLst>
       <p:ext uri="{BB962C8B-B14F-4D97-AF65-F5344CB8AC3E}">
-        <p14:creationId xmlns:p14="http://schemas.microsoft.com/office/powerpoint/2010/main" val="2333985535"/>
+        <p14:creationId xmlns:p14="http://schemas.microsoft.com/office/powerpoint/2010/main" val="2523773911"/>
       </p:ext>
     </p:extLst>
   </p:cSld>
   <p:clrMap bg1="lt1" tx1="dk1" bg2="lt2" tx2="dk2" accent1="accent1" accent2="accent2" accent3="accent3" accent4="accent4" accent5="accent5" accent6="accent6" hlink="hlink" folHlink="folHlink"/>
   <p:sldLayoutIdLst>
-    <p:sldLayoutId id="2147483649" r:id="rId1"/>
-    <p:sldLayoutId id="2147483650" r:id="rId2"/>
-    <p:sldLayoutId id="2147483651" r:id="rId3"/>
-    <p:sldLayoutId id="2147483652" r:id="rId4"/>
-    <p:sldLayoutId id="2147483653" r:id="rId5"/>
-    <p:sldLayoutId id="2147483654" r:id="rId6"/>
-    <p:sldLayoutId id="2147483655" r:id="rId7"/>
-    <p:sldLayoutId id="2147483656" r:id="rId8"/>
-    <p:sldLayoutId id="2147483657" r:id="rId9"/>
-    <p:sldLayoutId id="2147483658" r:id="rId10"/>
-    <p:sldLayoutId id="2147483659" r:id="rId11"/>
+    <p:sldLayoutId id="2147483673" r:id="rId1"/>
+    <p:sldLayoutId id="2147483674" r:id="rId2"/>
+    <p:sldLayoutId id="2147483675" r:id="rId3"/>
+    <p:sldLayoutId id="2147483676" r:id="rId4"/>
+    <p:sldLayoutId id="2147483677" r:id="rId5"/>
+    <p:sldLayoutId id="2147483678" r:id="rId6"/>
+    <p:sldLayoutId id="2147483679" r:id="rId7"/>
+    <p:sldLayoutId id="2147483680" r:id="rId8"/>
+    <p:sldLayoutId id="2147483681" r:id="rId9"/>
+    <p:sldLayoutId id="2147483682" r:id="rId10"/>
+    <p:sldLayoutId id="2147483683" r:id="rId11"/>
   </p:sldLayoutIdLst>
   <p:txStyles>
     <p:titleStyle>
@@ -3582,7 +3587,12 @@
             <p:ph type="title"/>
           </p:nvPr>
         </p:nvSpPr>
-        <p:spPr/>
+        <p:spPr>
+          <a:xfrm>
+            <a:off x="1012860" y="1115139"/>
+            <a:ext cx="10515600" cy="1325563"/>
+          </a:xfrm>
+        </p:spPr>
         <p:txBody>
           <a:bodyPr/>
           <a:lstStyle/>
@@ -3616,7 +3626,12 @@
             <p:ph idx="1"/>
           </p:nvPr>
         </p:nvSpPr>
-        <p:spPr/>
+        <p:spPr>
+          <a:xfrm>
+            <a:off x="920394" y="2883863"/>
+            <a:ext cx="8531831" cy="1842249"/>
+          </a:xfrm>
+        </p:spPr>
         <p:txBody>
           <a:bodyPr/>
           <a:lstStyle/>
@@ -3648,152 +3663,235 @@
               </a:rPr>
               <a:t> Web Scraping? </a:t>
             </a:r>
+          </a:p>
+          <a:p>
+            <a:r>
+              <a:rPr lang="en-US" sz="1800" dirty="0" err="1">
+                <a:effectLst/>
+                <a:latin typeface="Times New Roman" panose="02020603050405020304" pitchFamily="18" charset="0"/>
+                <a:ea typeface="Calibri" panose="020F0502020204030204" pitchFamily="34" charset="0"/>
+                <a:cs typeface="Times New Roman" panose="02020603050405020304" pitchFamily="18" charset="0"/>
+              </a:rPr>
+              <a:t>Tehnici</a:t>
+            </a:r>
+            <a:r>
+              <a:rPr lang="en-US" sz="1800" dirty="0">
+                <a:effectLst/>
+                <a:latin typeface="Times New Roman" panose="02020603050405020304" pitchFamily="18" charset="0"/>
+                <a:ea typeface="Calibri" panose="020F0502020204030204" pitchFamily="34" charset="0"/>
+                <a:cs typeface="Times New Roman" panose="02020603050405020304" pitchFamily="18" charset="0"/>
+              </a:rPr>
+              <a:t> </a:t>
+            </a:r>
+            <a:r>
+              <a:rPr lang="en-US" sz="1800" dirty="0" err="1">
+                <a:effectLst/>
+                <a:latin typeface="Times New Roman" panose="02020603050405020304" pitchFamily="18" charset="0"/>
+                <a:ea typeface="Calibri" panose="020F0502020204030204" pitchFamily="34" charset="0"/>
+                <a:cs typeface="Times New Roman" panose="02020603050405020304" pitchFamily="18" charset="0"/>
+              </a:rPr>
+              <a:t>si</a:t>
+            </a:r>
+            <a:r>
+              <a:rPr lang="en-US" sz="1800" dirty="0">
+                <a:effectLst/>
+                <a:latin typeface="Times New Roman" panose="02020603050405020304" pitchFamily="18" charset="0"/>
+                <a:ea typeface="Calibri" panose="020F0502020204030204" pitchFamily="34" charset="0"/>
+                <a:cs typeface="Times New Roman" panose="02020603050405020304" pitchFamily="18" charset="0"/>
+              </a:rPr>
+              <a:t> </a:t>
+            </a:r>
+            <a:r>
+              <a:rPr lang="en-US" sz="1800" dirty="0" err="1">
+                <a:effectLst/>
+                <a:latin typeface="Times New Roman" panose="02020603050405020304" pitchFamily="18" charset="0"/>
+                <a:ea typeface="Calibri" panose="020F0502020204030204" pitchFamily="34" charset="0"/>
+                <a:cs typeface="Times New Roman" panose="02020603050405020304" pitchFamily="18" charset="0"/>
+              </a:rPr>
+              <a:t>metode</a:t>
+            </a:r>
+            <a:r>
+              <a:rPr lang="en-US" sz="1800" dirty="0">
+                <a:effectLst/>
+                <a:latin typeface="Times New Roman" panose="02020603050405020304" pitchFamily="18" charset="0"/>
+                <a:ea typeface="Calibri" panose="020F0502020204030204" pitchFamily="34" charset="0"/>
+                <a:cs typeface="Times New Roman" panose="02020603050405020304" pitchFamily="18" charset="0"/>
+              </a:rPr>
+              <a:t> de Web Scraping</a:t>
+            </a:r>
+            <a:endParaRPr lang="en-US" dirty="0">
+              <a:effectLst/>
+              <a:latin typeface="Times New Roman" panose="02020603050405020304" pitchFamily="18" charset="0"/>
+              <a:cs typeface="Times New Roman" panose="02020603050405020304" pitchFamily="18" charset="0"/>
+            </a:endParaRPr>
+          </a:p>
+          <a:p>
+            <a:r>
+              <a:rPr lang="en-US" sz="1800" kern="100" dirty="0" err="1">
+                <a:effectLst/>
+                <a:latin typeface="Times New Roman" panose="02020603050405020304" pitchFamily="18" charset="0"/>
+                <a:ea typeface="Calibri" panose="020F0502020204030204" pitchFamily="34" charset="0"/>
+                <a:cs typeface="Times New Roman" panose="02020603050405020304" pitchFamily="18" charset="0"/>
+              </a:rPr>
+              <a:t>Extragerea</a:t>
+            </a:r>
+            <a:r>
+              <a:rPr lang="en-US" sz="1800" kern="100" dirty="0">
+                <a:effectLst/>
+                <a:latin typeface="Times New Roman" panose="02020603050405020304" pitchFamily="18" charset="0"/>
+                <a:ea typeface="Calibri" panose="020F0502020204030204" pitchFamily="34" charset="0"/>
+                <a:cs typeface="Times New Roman" panose="02020603050405020304" pitchFamily="18" charset="0"/>
+              </a:rPr>
+              <a:t> </a:t>
+            </a:r>
+            <a:r>
+              <a:rPr lang="en-US" sz="1800" kern="100" dirty="0" err="1">
+                <a:effectLst/>
+                <a:latin typeface="Times New Roman" panose="02020603050405020304" pitchFamily="18" charset="0"/>
+                <a:ea typeface="Calibri" panose="020F0502020204030204" pitchFamily="34" charset="0"/>
+                <a:cs typeface="Times New Roman" panose="02020603050405020304" pitchFamily="18" charset="0"/>
+              </a:rPr>
+              <a:t>si</a:t>
+            </a:r>
+            <a:r>
+              <a:rPr lang="en-US" sz="1800" kern="100" dirty="0">
+                <a:effectLst/>
+                <a:latin typeface="Times New Roman" panose="02020603050405020304" pitchFamily="18" charset="0"/>
+                <a:ea typeface="Calibri" panose="020F0502020204030204" pitchFamily="34" charset="0"/>
+                <a:cs typeface="Times New Roman" panose="02020603050405020304" pitchFamily="18" charset="0"/>
+              </a:rPr>
+              <a:t> </a:t>
+            </a:r>
+            <a:r>
+              <a:rPr lang="en-US" sz="1800" kern="100" dirty="0" err="1">
+                <a:effectLst/>
+                <a:latin typeface="Times New Roman" panose="02020603050405020304" pitchFamily="18" charset="0"/>
+                <a:ea typeface="Calibri" panose="020F0502020204030204" pitchFamily="34" charset="0"/>
+                <a:cs typeface="Times New Roman" panose="02020603050405020304" pitchFamily="18" charset="0"/>
+              </a:rPr>
+              <a:t>curatarea</a:t>
+            </a:r>
+            <a:r>
+              <a:rPr lang="en-US" sz="1800" kern="100" dirty="0">
+                <a:effectLst/>
+                <a:latin typeface="Times New Roman" panose="02020603050405020304" pitchFamily="18" charset="0"/>
+                <a:ea typeface="Calibri" panose="020F0502020204030204" pitchFamily="34" charset="0"/>
+                <a:cs typeface="Times New Roman" panose="02020603050405020304" pitchFamily="18" charset="0"/>
+              </a:rPr>
+              <a:t> </a:t>
+            </a:r>
+            <a:r>
+              <a:rPr lang="en-US" sz="1800" kern="100" dirty="0" err="1">
+                <a:effectLst/>
+                <a:latin typeface="Times New Roman" panose="02020603050405020304" pitchFamily="18" charset="0"/>
+                <a:ea typeface="Calibri" panose="020F0502020204030204" pitchFamily="34" charset="0"/>
+                <a:cs typeface="Times New Roman" panose="02020603050405020304" pitchFamily="18" charset="0"/>
+              </a:rPr>
+              <a:t>datelor</a:t>
+            </a:r>
             <a:endParaRPr lang="en-US" sz="1800" kern="100" dirty="0">
               <a:effectLst/>
-              <a:latin typeface="Calibri" panose="020F0502020204030204" pitchFamily="34" charset="0"/>
+              <a:latin typeface="Times New Roman" panose="02020603050405020304" pitchFamily="18" charset="0"/>
               <a:ea typeface="Calibri" panose="020F0502020204030204" pitchFamily="34" charset="0"/>
               <a:cs typeface="Times New Roman" panose="02020603050405020304" pitchFamily="18" charset="0"/>
             </a:endParaRPr>
           </a:p>
           <a:p>
             <a:r>
-              <a:rPr lang="en-US" sz="1800" dirty="0">
-                <a:effectLst/>
+              <a:rPr lang="en-US" sz="1800" kern="100" dirty="0" err="1">
                 <a:latin typeface="Times New Roman" panose="02020603050405020304" pitchFamily="18" charset="0"/>
                 <a:ea typeface="Calibri" panose="020F0502020204030204" pitchFamily="34" charset="0"/>
-              </a:rPr>
-              <a:t>Ce </a:t>
-            </a:r>
-            <a:r>
-              <a:rPr lang="en-US" sz="1800" dirty="0" err="1">
-                <a:effectLst/>
+                <a:cs typeface="Times New Roman" panose="02020603050405020304" pitchFamily="18" charset="0"/>
+              </a:rPr>
+              <a:t>Colectarea</a:t>
+            </a:r>
+            <a:r>
+              <a:rPr lang="en-US" sz="1800" kern="100" dirty="0">
                 <a:latin typeface="Times New Roman" panose="02020603050405020304" pitchFamily="18" charset="0"/>
                 <a:ea typeface="Calibri" panose="020F0502020204030204" pitchFamily="34" charset="0"/>
-              </a:rPr>
-              <a:t>este</a:t>
-            </a:r>
-            <a:r>
-              <a:rPr lang="en-US" sz="1800" dirty="0">
-                <a:effectLst/>
+                <a:cs typeface="Times New Roman" panose="02020603050405020304" pitchFamily="18" charset="0"/>
+              </a:rPr>
+              <a:t> </a:t>
+            </a:r>
+            <a:r>
+              <a:rPr lang="en-US" sz="1800" kern="100" dirty="0" err="1">
                 <a:latin typeface="Times New Roman" panose="02020603050405020304" pitchFamily="18" charset="0"/>
                 <a:ea typeface="Calibri" panose="020F0502020204030204" pitchFamily="34" charset="0"/>
-              </a:rPr>
-              <a:t> data extraction ( </a:t>
-            </a:r>
-            <a:r>
-              <a:rPr lang="en-US" sz="1800" dirty="0" err="1">
-                <a:effectLst/>
+                <a:cs typeface="Times New Roman" panose="02020603050405020304" pitchFamily="18" charset="0"/>
+              </a:rPr>
+              <a:t>datelor</a:t>
+            </a:r>
+            <a:r>
+              <a:rPr lang="en-US" sz="1800" kern="100" dirty="0">
                 <a:latin typeface="Times New Roman" panose="02020603050405020304" pitchFamily="18" charset="0"/>
                 <a:ea typeface="Calibri" panose="020F0502020204030204" pitchFamily="34" charset="0"/>
-              </a:rPr>
-              <a:t>extractie</a:t>
-            </a:r>
-            <a:r>
-              <a:rPr lang="en-US" sz="1800" dirty="0">
-                <a:effectLst/>
+                <a:cs typeface="Times New Roman" panose="02020603050405020304" pitchFamily="18" charset="0"/>
+              </a:rPr>
+              <a:t> </a:t>
+            </a:r>
+            <a:r>
+              <a:rPr lang="en-US" sz="1800" kern="100" dirty="0" err="1">
                 <a:latin typeface="Times New Roman" panose="02020603050405020304" pitchFamily="18" charset="0"/>
                 <a:ea typeface="Calibri" panose="020F0502020204030204" pitchFamily="34" charset="0"/>
-              </a:rPr>
-              <a:t> de date )?</a:t>
-            </a:r>
-            <a:r>
-              <a:rPr lang="en-US" dirty="0">
-                <a:effectLst/>
-              </a:rPr>
-              <a:t> </a:t>
-            </a:r>
-          </a:p>
-          <a:p>
+                <a:cs typeface="Times New Roman" panose="02020603050405020304" pitchFamily="18" charset="0"/>
+              </a:rPr>
+              <a:t>si</a:t>
+            </a:r>
             <a:r>
               <a:rPr lang="en-US" sz="1800" kern="100" dirty="0">
-                <a:effectLst/>
                 <a:latin typeface="Times New Roman" panose="02020603050405020304" pitchFamily="18" charset="0"/>
                 <a:ea typeface="Calibri" panose="020F0502020204030204" pitchFamily="34" charset="0"/>
                 <a:cs typeface="Times New Roman" panose="02020603050405020304" pitchFamily="18" charset="0"/>
               </a:rPr>
-              <a:t>Ce </a:t>
+              <a:t> </a:t>
             </a:r>
             <a:r>
               <a:rPr lang="en-US" sz="1800" kern="100" dirty="0" err="1">
-                <a:effectLst/>
                 <a:latin typeface="Times New Roman" panose="02020603050405020304" pitchFamily="18" charset="0"/>
                 <a:ea typeface="Calibri" panose="020F0502020204030204" pitchFamily="34" charset="0"/>
                 <a:cs typeface="Times New Roman" panose="02020603050405020304" pitchFamily="18" charset="0"/>
               </a:rPr>
-              <a:t>este</a:t>
+              <a:t>analiza</a:t>
             </a:r>
             <a:r>
               <a:rPr lang="en-US" sz="1800" kern="100" dirty="0">
-                <a:effectLst/>
                 <a:latin typeface="Times New Roman" panose="02020603050405020304" pitchFamily="18" charset="0"/>
                 <a:ea typeface="Calibri" panose="020F0502020204030204" pitchFamily="34" charset="0"/>
                 <a:cs typeface="Times New Roman" panose="02020603050405020304" pitchFamily="18" charset="0"/>
               </a:rPr>
-              <a:t> predictive analytics ( </a:t>
+              <a:t> </a:t>
             </a:r>
             <a:r>
               <a:rPr lang="en-US" sz="1800" kern="100" dirty="0" err="1">
-                <a:effectLst/>
                 <a:latin typeface="Times New Roman" panose="02020603050405020304" pitchFamily="18" charset="0"/>
                 <a:ea typeface="Calibri" panose="020F0502020204030204" pitchFamily="34" charset="0"/>
                 <a:cs typeface="Times New Roman" panose="02020603050405020304" pitchFamily="18" charset="0"/>
               </a:rPr>
-              <a:t>analiza</a:t>
+              <a:t>Predictiva</a:t>
             </a:r>
             <a:r>
               <a:rPr lang="en-US" sz="1800" kern="100" dirty="0">
-                <a:effectLst/>
                 <a:latin typeface="Times New Roman" panose="02020603050405020304" pitchFamily="18" charset="0"/>
                 <a:ea typeface="Calibri" panose="020F0502020204030204" pitchFamily="34" charset="0"/>
                 <a:cs typeface="Times New Roman" panose="02020603050405020304" pitchFamily="18" charset="0"/>
               </a:rPr>
-              <a:t> </a:t>
-            </a:r>
-            <a:r>
-              <a:rPr lang="en-US" sz="1800" kern="100" dirty="0" err="1">
-                <a:effectLst/>
-                <a:latin typeface="Times New Roman" panose="02020603050405020304" pitchFamily="18" charset="0"/>
-                <a:ea typeface="Calibri" panose="020F0502020204030204" pitchFamily="34" charset="0"/>
-                <a:cs typeface="Times New Roman" panose="02020603050405020304" pitchFamily="18" charset="0"/>
-              </a:rPr>
-              <a:t>predictiva</a:t>
-            </a:r>
-            <a:r>
-              <a:rPr lang="en-US" sz="1800" kern="100" dirty="0">
-                <a:effectLst/>
-                <a:latin typeface="Times New Roman" panose="02020603050405020304" pitchFamily="18" charset="0"/>
-                <a:ea typeface="Calibri" panose="020F0502020204030204" pitchFamily="34" charset="0"/>
-                <a:cs typeface="Times New Roman" panose="02020603050405020304" pitchFamily="18" charset="0"/>
-              </a:rPr>
-              <a:t> a </a:t>
-            </a:r>
-            <a:r>
-              <a:rPr lang="en-US" sz="1800" kern="100" dirty="0" err="1">
-                <a:effectLst/>
-                <a:latin typeface="Times New Roman" panose="02020603050405020304" pitchFamily="18" charset="0"/>
-                <a:ea typeface="Calibri" panose="020F0502020204030204" pitchFamily="34" charset="0"/>
-                <a:cs typeface="Times New Roman" panose="02020603050405020304" pitchFamily="18" charset="0"/>
-              </a:rPr>
-              <a:t>datelor</a:t>
-            </a:r>
-            <a:r>
-              <a:rPr lang="en-US" sz="1800" kern="100" dirty="0">
-                <a:effectLst/>
-                <a:latin typeface="Times New Roman" panose="02020603050405020304" pitchFamily="18" charset="0"/>
-                <a:ea typeface="Calibri" panose="020F0502020204030204" pitchFamily="34" charset="0"/>
-                <a:cs typeface="Times New Roman" panose="02020603050405020304" pitchFamily="18" charset="0"/>
-              </a:rPr>
-              <a:t>)?</a:t>
+              <a:t> in Power BI</a:t>
             </a:r>
             <a:endParaRPr lang="en-US" sz="1800" kern="100" dirty="0">
               <a:effectLst/>
-              <a:latin typeface="Calibri" panose="020F0502020204030204" pitchFamily="34" charset="0"/>
+              <a:latin typeface="Times New Roman" panose="02020603050405020304" pitchFamily="18" charset="0"/>
               <a:ea typeface="Calibri" panose="020F0502020204030204" pitchFamily="34" charset="0"/>
               <a:cs typeface="Times New Roman" panose="02020603050405020304" pitchFamily="18" charset="0"/>
             </a:endParaRPr>
           </a:p>
           <a:p>
-            <a:endParaRPr lang="en-US" dirty="0"/>
+            <a:pPr marL="0" indent="0">
+              <a:buNone/>
+            </a:pPr>
+            <a:endParaRPr lang="en-US" dirty="0">
+              <a:latin typeface="Times New Roman" panose="02020603050405020304" pitchFamily="18" charset="0"/>
+              <a:cs typeface="Times New Roman" panose="02020603050405020304" pitchFamily="18" charset="0"/>
+            </a:endParaRPr>
           </a:p>
         </p:txBody>
       </p:sp>
@@ -3902,465 +4000,779 @@
               </a:rPr>
               <a:t> de Web Scraping</a:t>
             </a:r>
+            <a:endParaRPr lang="en-US" dirty="0"/>
+          </a:p>
+        </p:txBody>
+      </p:sp>
+      <p:sp>
+        <p:nvSpPr>
+          <p:cNvPr id="3" name="Content Placeholder 2">
+            <a:extLst>
+              <a:ext uri="{FF2B5EF4-FFF2-40B4-BE49-F238E27FC236}">
+                <a16:creationId xmlns:a16="http://schemas.microsoft.com/office/drawing/2014/main" id="{1414565A-5D53-9A2F-7CF1-9B27EA2766FD}"/>
+              </a:ext>
+            </a:extLst>
+          </p:cNvPr>
+          <p:cNvSpPr>
+            <a:spLocks noGrp="1"/>
+          </p:cNvSpPr>
+          <p:nvPr>
+            <p:ph idx="1"/>
+          </p:nvPr>
+        </p:nvSpPr>
+        <p:spPr/>
+        <p:txBody>
+          <a:bodyPr>
+            <a:normAutofit/>
+          </a:bodyPr>
+          <a:lstStyle/>
+          <a:p>
+            <a:pPr marL="0" indent="0">
+              <a:buNone/>
+            </a:pPr>
+            <a:r>
+              <a:rPr lang="en-US" sz="1200" b="1" dirty="0" err="1">
+                <a:latin typeface="Times New Roman" panose="02020603050405020304" pitchFamily="18" charset="0"/>
+                <a:cs typeface="Times New Roman" panose="02020603050405020304" pitchFamily="18" charset="0"/>
+              </a:rPr>
+              <a:t>Tehnici</a:t>
+            </a:r>
+            <a:r>
+              <a:rPr lang="en-US" sz="1200" b="1" dirty="0">
+                <a:latin typeface="Times New Roman" panose="02020603050405020304" pitchFamily="18" charset="0"/>
+                <a:cs typeface="Times New Roman" panose="02020603050405020304" pitchFamily="18" charset="0"/>
+              </a:rPr>
+              <a:t> </a:t>
+            </a:r>
+            <a:r>
+              <a:rPr lang="en-US" sz="1200" b="1" dirty="0" err="1">
+                <a:latin typeface="Times New Roman" panose="02020603050405020304" pitchFamily="18" charset="0"/>
+                <a:cs typeface="Times New Roman" panose="02020603050405020304" pitchFamily="18" charset="0"/>
+              </a:rPr>
+              <a:t>manuale</a:t>
+            </a:r>
+            <a:endParaRPr lang="en-US" sz="1200" b="1" dirty="0">
+              <a:latin typeface="Times New Roman" panose="02020603050405020304" pitchFamily="18" charset="0"/>
+              <a:cs typeface="Times New Roman" panose="02020603050405020304" pitchFamily="18" charset="0"/>
+            </a:endParaRPr>
+          </a:p>
+          <a:p>
+            <a:pPr marL="0" indent="0">
+              <a:buNone/>
+            </a:pPr>
+            <a:r>
+              <a:rPr lang="en-US" sz="1200" dirty="0">
+                <a:latin typeface="Times New Roman" panose="02020603050405020304" pitchFamily="18" charset="0"/>
+                <a:cs typeface="Times New Roman" panose="02020603050405020304" pitchFamily="18" charset="0"/>
+              </a:rPr>
+              <a:t>Sunt </a:t>
+            </a:r>
+            <a:r>
+              <a:rPr lang="en-US" sz="1200" dirty="0" err="1">
+                <a:latin typeface="Times New Roman" panose="02020603050405020304" pitchFamily="18" charset="0"/>
+                <a:cs typeface="Times New Roman" panose="02020603050405020304" pitchFamily="18" charset="0"/>
+              </a:rPr>
+              <a:t>cele</a:t>
+            </a:r>
+            <a:r>
+              <a:rPr lang="en-US" sz="1200" dirty="0">
+                <a:latin typeface="Times New Roman" panose="02020603050405020304" pitchFamily="18" charset="0"/>
+                <a:cs typeface="Times New Roman" panose="02020603050405020304" pitchFamily="18" charset="0"/>
+              </a:rPr>
+              <a:t> </a:t>
+            </a:r>
+            <a:r>
+              <a:rPr lang="en-US" sz="1200" dirty="0" err="1">
+                <a:latin typeface="Times New Roman" panose="02020603050405020304" pitchFamily="18" charset="0"/>
+                <a:cs typeface="Times New Roman" panose="02020603050405020304" pitchFamily="18" charset="0"/>
+              </a:rPr>
+              <a:t>în</a:t>
+            </a:r>
+            <a:r>
+              <a:rPr lang="en-US" sz="1200" dirty="0">
+                <a:latin typeface="Times New Roman" panose="02020603050405020304" pitchFamily="18" charset="0"/>
+                <a:cs typeface="Times New Roman" panose="02020603050405020304" pitchFamily="18" charset="0"/>
+              </a:rPr>
+              <a:t> care </a:t>
+            </a:r>
+            <a:r>
+              <a:rPr lang="en-US" sz="1200" b="1" dirty="0">
+                <a:latin typeface="Times New Roman" panose="02020603050405020304" pitchFamily="18" charset="0"/>
+                <a:cs typeface="Times New Roman" panose="02020603050405020304" pitchFamily="18" charset="0"/>
+              </a:rPr>
+              <a:t>omul </a:t>
+            </a:r>
+            <a:r>
+              <a:rPr lang="en-US" sz="1200" b="1" dirty="0" err="1">
+                <a:latin typeface="Times New Roman" panose="02020603050405020304" pitchFamily="18" charset="0"/>
+                <a:cs typeface="Times New Roman" panose="02020603050405020304" pitchFamily="18" charset="0"/>
+              </a:rPr>
+              <a:t>intervine</a:t>
+            </a:r>
+            <a:r>
+              <a:rPr lang="en-US" sz="1200" b="1" dirty="0">
+                <a:latin typeface="Times New Roman" panose="02020603050405020304" pitchFamily="18" charset="0"/>
+                <a:cs typeface="Times New Roman" panose="02020603050405020304" pitchFamily="18" charset="0"/>
+              </a:rPr>
+              <a:t> direct</a:t>
+            </a:r>
+            <a:r>
+              <a:rPr lang="en-US" sz="1200" dirty="0">
+                <a:latin typeface="Times New Roman" panose="02020603050405020304" pitchFamily="18" charset="0"/>
+                <a:cs typeface="Times New Roman" panose="02020603050405020304" pitchFamily="18" charset="0"/>
+              </a:rPr>
+              <a:t> — </a:t>
+            </a:r>
+            <a:r>
+              <a:rPr lang="en-US" sz="1200" dirty="0" err="1">
+                <a:latin typeface="Times New Roman" panose="02020603050405020304" pitchFamily="18" charset="0"/>
+                <a:cs typeface="Times New Roman" panose="02020603050405020304" pitchFamily="18" charset="0"/>
+              </a:rPr>
+              <a:t>fără</a:t>
+            </a:r>
+            <a:r>
+              <a:rPr lang="en-US" sz="1200" dirty="0">
+                <a:latin typeface="Times New Roman" panose="02020603050405020304" pitchFamily="18" charset="0"/>
+                <a:cs typeface="Times New Roman" panose="02020603050405020304" pitchFamily="18" charset="0"/>
+              </a:rPr>
+              <a:t> cod complex </a:t>
+            </a:r>
+            <a:r>
+              <a:rPr lang="en-US" sz="1200" dirty="0" err="1">
+                <a:latin typeface="Times New Roman" panose="02020603050405020304" pitchFamily="18" charset="0"/>
+                <a:cs typeface="Times New Roman" panose="02020603050405020304" pitchFamily="18" charset="0"/>
+              </a:rPr>
+              <a:t>sau</a:t>
+            </a:r>
+            <a:r>
+              <a:rPr lang="en-US" sz="1200" dirty="0">
+                <a:latin typeface="Times New Roman" panose="02020603050405020304" pitchFamily="18" charset="0"/>
+                <a:cs typeface="Times New Roman" panose="02020603050405020304" pitchFamily="18" charset="0"/>
+              </a:rPr>
+              <a:t> </a:t>
+            </a:r>
+            <a:r>
+              <a:rPr lang="en-US" sz="1200" dirty="0" err="1">
+                <a:latin typeface="Times New Roman" panose="02020603050405020304" pitchFamily="18" charset="0"/>
+                <a:cs typeface="Times New Roman" panose="02020603050405020304" pitchFamily="18" charset="0"/>
+              </a:rPr>
+              <a:t>fără</a:t>
+            </a:r>
+            <a:r>
+              <a:rPr lang="en-US" sz="1200" dirty="0">
+                <a:latin typeface="Times New Roman" panose="02020603050405020304" pitchFamily="18" charset="0"/>
+                <a:cs typeface="Times New Roman" panose="02020603050405020304" pitchFamily="18" charset="0"/>
+              </a:rPr>
+              <a:t> un program care </a:t>
+            </a:r>
+            <a:r>
+              <a:rPr lang="en-US" sz="1200" dirty="0" err="1">
+                <a:latin typeface="Times New Roman" panose="02020603050405020304" pitchFamily="18" charset="0"/>
+                <a:cs typeface="Times New Roman" panose="02020603050405020304" pitchFamily="18" charset="0"/>
+              </a:rPr>
+              <a:t>rulează</a:t>
+            </a:r>
+            <a:r>
+              <a:rPr lang="en-US" sz="1200" dirty="0">
+                <a:latin typeface="Times New Roman" panose="02020603050405020304" pitchFamily="18" charset="0"/>
+                <a:cs typeface="Times New Roman" panose="02020603050405020304" pitchFamily="18" charset="0"/>
+              </a:rPr>
+              <a:t> </a:t>
+            </a:r>
+            <a:r>
+              <a:rPr lang="en-US" sz="1200" dirty="0" err="1">
+                <a:latin typeface="Times New Roman" panose="02020603050405020304" pitchFamily="18" charset="0"/>
+                <a:cs typeface="Times New Roman" panose="02020603050405020304" pitchFamily="18" charset="0"/>
+              </a:rPr>
+              <a:t>singur</a:t>
+            </a:r>
+            <a:r>
+              <a:rPr lang="en-US" sz="1200" dirty="0">
+                <a:latin typeface="Times New Roman" panose="02020603050405020304" pitchFamily="18" charset="0"/>
+                <a:cs typeface="Times New Roman" panose="02020603050405020304" pitchFamily="18" charset="0"/>
+              </a:rPr>
+              <a:t>.</a:t>
+            </a:r>
+          </a:p>
+          <a:p>
+            <a:pPr marL="0" indent="0">
+              <a:buNone/>
+            </a:pPr>
+            <a:endParaRPr lang="en-US" sz="1200" b="1" dirty="0">
+              <a:latin typeface="Times New Roman" panose="02020603050405020304" pitchFamily="18" charset="0"/>
+              <a:cs typeface="Times New Roman" panose="02020603050405020304" pitchFamily="18" charset="0"/>
+            </a:endParaRPr>
+          </a:p>
+          <a:p>
+            <a:pPr marL="0" indent="0">
+              <a:buNone/>
+            </a:pPr>
+            <a:r>
+              <a:rPr lang="en-US" sz="1200" b="1" dirty="0" err="1">
+                <a:latin typeface="Times New Roman" panose="02020603050405020304" pitchFamily="18" charset="0"/>
+                <a:cs typeface="Times New Roman" panose="02020603050405020304" pitchFamily="18" charset="0"/>
+              </a:rPr>
+              <a:t>Exemple</a:t>
+            </a:r>
+            <a:r>
+              <a:rPr lang="en-US" sz="1200" b="1" dirty="0">
+                <a:latin typeface="Times New Roman" panose="02020603050405020304" pitchFamily="18" charset="0"/>
+                <a:cs typeface="Times New Roman" panose="02020603050405020304" pitchFamily="18" charset="0"/>
+              </a:rPr>
+              <a:t>:</a:t>
+            </a:r>
+          </a:p>
+          <a:p>
+            <a:pPr marL="0" indent="0">
+              <a:buNone/>
+            </a:pPr>
+            <a:r>
+              <a:rPr lang="en-US" sz="1200" b="1" dirty="0" err="1">
+                <a:latin typeface="Times New Roman" panose="02020603050405020304" pitchFamily="18" charset="0"/>
+                <a:cs typeface="Times New Roman" panose="02020603050405020304" pitchFamily="18" charset="0"/>
+              </a:rPr>
+              <a:t>Copiere</a:t>
+            </a:r>
+            <a:r>
+              <a:rPr lang="en-US" sz="1200" b="1" dirty="0">
+                <a:latin typeface="Times New Roman" panose="02020603050405020304" pitchFamily="18" charset="0"/>
+                <a:cs typeface="Times New Roman" panose="02020603050405020304" pitchFamily="18" charset="0"/>
+              </a:rPr>
+              <a:t> </a:t>
+            </a:r>
+            <a:r>
+              <a:rPr lang="en-US" sz="1200" b="1" dirty="0" err="1">
+                <a:latin typeface="Times New Roman" panose="02020603050405020304" pitchFamily="18" charset="0"/>
+                <a:cs typeface="Times New Roman" panose="02020603050405020304" pitchFamily="18" charset="0"/>
+              </a:rPr>
+              <a:t>și</a:t>
+            </a:r>
+            <a:r>
+              <a:rPr lang="en-US" sz="1200" b="1" dirty="0">
+                <a:latin typeface="Times New Roman" panose="02020603050405020304" pitchFamily="18" charset="0"/>
+                <a:cs typeface="Times New Roman" panose="02020603050405020304" pitchFamily="18" charset="0"/>
+              </a:rPr>
+              <a:t> </a:t>
+            </a:r>
+            <a:r>
+              <a:rPr lang="en-US" sz="1200" b="1" dirty="0" err="1">
+                <a:latin typeface="Times New Roman" panose="02020603050405020304" pitchFamily="18" charset="0"/>
+                <a:cs typeface="Times New Roman" panose="02020603050405020304" pitchFamily="18" charset="0"/>
+              </a:rPr>
+              <a:t>lipire</a:t>
+            </a:r>
+            <a:r>
+              <a:rPr lang="en-US" sz="1200" b="1" dirty="0">
+                <a:latin typeface="Times New Roman" panose="02020603050405020304" pitchFamily="18" charset="0"/>
+                <a:cs typeface="Times New Roman" panose="02020603050405020304" pitchFamily="18" charset="0"/>
+              </a:rPr>
+              <a:t> </a:t>
+            </a:r>
+            <a:r>
+              <a:rPr lang="en-US" sz="1200" b="1" dirty="0" err="1">
+                <a:latin typeface="Times New Roman" panose="02020603050405020304" pitchFamily="18" charset="0"/>
+                <a:cs typeface="Times New Roman" panose="02020603050405020304" pitchFamily="18" charset="0"/>
+              </a:rPr>
+              <a:t>manuală</a:t>
+            </a:r>
+            <a:r>
+              <a:rPr lang="en-US" sz="1200" dirty="0">
+                <a:latin typeface="Times New Roman" panose="02020603050405020304" pitchFamily="18" charset="0"/>
+                <a:cs typeface="Times New Roman" panose="02020603050405020304" pitchFamily="18" charset="0"/>
+              </a:rPr>
+              <a:t> </a:t>
+            </a:r>
+            <a:r>
+              <a:rPr lang="en-US" sz="1200" dirty="0" err="1">
+                <a:latin typeface="Times New Roman" panose="02020603050405020304" pitchFamily="18" charset="0"/>
+                <a:cs typeface="Times New Roman" panose="02020603050405020304" pitchFamily="18" charset="0"/>
+              </a:rPr>
+              <a:t>dintr</a:t>
+            </a:r>
+            <a:r>
+              <a:rPr lang="en-US" sz="1200" dirty="0">
+                <a:latin typeface="Times New Roman" panose="02020603050405020304" pitchFamily="18" charset="0"/>
+                <a:cs typeface="Times New Roman" panose="02020603050405020304" pitchFamily="18" charset="0"/>
+              </a:rPr>
+              <a:t>-o </a:t>
+            </a:r>
+            <a:r>
+              <a:rPr lang="en-US" sz="1200" dirty="0" err="1">
+                <a:latin typeface="Times New Roman" panose="02020603050405020304" pitchFamily="18" charset="0"/>
+                <a:cs typeface="Times New Roman" panose="02020603050405020304" pitchFamily="18" charset="0"/>
+              </a:rPr>
+              <a:t>pagină</a:t>
+            </a:r>
+            <a:r>
+              <a:rPr lang="en-US" sz="1200" dirty="0">
+                <a:latin typeface="Times New Roman" panose="02020603050405020304" pitchFamily="18" charset="0"/>
+                <a:cs typeface="Times New Roman" panose="02020603050405020304" pitchFamily="18" charset="0"/>
+              </a:rPr>
+              <a:t> web </a:t>
+            </a:r>
+            <a:r>
+              <a:rPr lang="en-US" sz="1200" dirty="0" err="1">
+                <a:latin typeface="Times New Roman" panose="02020603050405020304" pitchFamily="18" charset="0"/>
+                <a:cs typeface="Times New Roman" panose="02020603050405020304" pitchFamily="18" charset="0"/>
+              </a:rPr>
+              <a:t>într</a:t>
+            </a:r>
+            <a:r>
+              <a:rPr lang="en-US" sz="1200" dirty="0">
+                <a:latin typeface="Times New Roman" panose="02020603050405020304" pitchFamily="18" charset="0"/>
+                <a:cs typeface="Times New Roman" panose="02020603050405020304" pitchFamily="18" charset="0"/>
+              </a:rPr>
+              <a:t>-un </a:t>
+            </a:r>
+            <a:r>
+              <a:rPr lang="en-US" sz="1200" dirty="0" err="1">
+                <a:latin typeface="Times New Roman" panose="02020603050405020304" pitchFamily="18" charset="0"/>
+                <a:cs typeface="Times New Roman" panose="02020603050405020304" pitchFamily="18" charset="0"/>
+              </a:rPr>
+              <a:t>fișier</a:t>
+            </a:r>
+            <a:r>
+              <a:rPr lang="en-US" sz="1200" dirty="0">
+                <a:latin typeface="Times New Roman" panose="02020603050405020304" pitchFamily="18" charset="0"/>
+                <a:cs typeface="Times New Roman" panose="02020603050405020304" pitchFamily="18" charset="0"/>
+              </a:rPr>
+              <a:t> Excel.</a:t>
+            </a:r>
+          </a:p>
+          <a:p>
+            <a:pPr marL="0" indent="0">
+              <a:buNone/>
+            </a:pPr>
+            <a:r>
+              <a:rPr lang="en-US" sz="1200" b="1" dirty="0">
+                <a:latin typeface="Times New Roman" panose="02020603050405020304" pitchFamily="18" charset="0"/>
+                <a:cs typeface="Times New Roman" panose="02020603050405020304" pitchFamily="18" charset="0"/>
+              </a:rPr>
+              <a:t>Export de date </a:t>
+            </a:r>
+            <a:r>
+              <a:rPr lang="en-US" sz="1200" b="1" dirty="0" err="1">
+                <a:latin typeface="Times New Roman" panose="02020603050405020304" pitchFamily="18" charset="0"/>
+                <a:cs typeface="Times New Roman" panose="02020603050405020304" pitchFamily="18" charset="0"/>
+              </a:rPr>
+              <a:t>prin</a:t>
+            </a:r>
+            <a:r>
+              <a:rPr lang="en-US" sz="1200" b="1" dirty="0">
+                <a:latin typeface="Times New Roman" panose="02020603050405020304" pitchFamily="18" charset="0"/>
+                <a:cs typeface="Times New Roman" panose="02020603050405020304" pitchFamily="18" charset="0"/>
+              </a:rPr>
+              <a:t> API-</a:t>
+            </a:r>
+            <a:r>
+              <a:rPr lang="en-US" sz="1200" b="1" dirty="0" err="1">
+                <a:latin typeface="Times New Roman" panose="02020603050405020304" pitchFamily="18" charset="0"/>
+                <a:cs typeface="Times New Roman" panose="02020603050405020304" pitchFamily="18" charset="0"/>
+              </a:rPr>
+              <a:t>uri</a:t>
+            </a:r>
+            <a:r>
+              <a:rPr lang="en-US" sz="1200" b="1" dirty="0">
+                <a:latin typeface="Times New Roman" panose="02020603050405020304" pitchFamily="18" charset="0"/>
+                <a:cs typeface="Times New Roman" panose="02020603050405020304" pitchFamily="18" charset="0"/>
+              </a:rPr>
+              <a:t> </a:t>
+            </a:r>
+            <a:r>
+              <a:rPr lang="en-US" sz="1200" b="1" dirty="0" err="1">
+                <a:latin typeface="Times New Roman" panose="02020603050405020304" pitchFamily="18" charset="0"/>
+                <a:cs typeface="Times New Roman" panose="02020603050405020304" pitchFamily="18" charset="0"/>
+              </a:rPr>
+              <a:t>publice</a:t>
+            </a:r>
+            <a:r>
+              <a:rPr lang="en-US" sz="1200" dirty="0">
+                <a:latin typeface="Times New Roman" panose="02020603050405020304" pitchFamily="18" charset="0"/>
+                <a:cs typeface="Times New Roman" panose="02020603050405020304" pitchFamily="18" charset="0"/>
+              </a:rPr>
+              <a:t>, </a:t>
+            </a:r>
+            <a:r>
+              <a:rPr lang="en-US" sz="1200" dirty="0" err="1">
+                <a:latin typeface="Times New Roman" panose="02020603050405020304" pitchFamily="18" charset="0"/>
+                <a:cs typeface="Times New Roman" panose="02020603050405020304" pitchFamily="18" charset="0"/>
+              </a:rPr>
+              <a:t>dacă</a:t>
+            </a:r>
+            <a:r>
+              <a:rPr lang="en-US" sz="1200" dirty="0">
+                <a:latin typeface="Times New Roman" panose="02020603050405020304" pitchFamily="18" charset="0"/>
+                <a:cs typeface="Times New Roman" panose="02020603050405020304" pitchFamily="18" charset="0"/>
+              </a:rPr>
+              <a:t> site-</a:t>
+            </a:r>
+            <a:r>
+              <a:rPr lang="en-US" sz="1200" dirty="0" err="1">
+                <a:latin typeface="Times New Roman" panose="02020603050405020304" pitchFamily="18" charset="0"/>
+                <a:cs typeface="Times New Roman" panose="02020603050405020304" pitchFamily="18" charset="0"/>
+              </a:rPr>
+              <a:t>ul</a:t>
+            </a:r>
+            <a:r>
+              <a:rPr lang="en-US" sz="1200" dirty="0">
+                <a:latin typeface="Times New Roman" panose="02020603050405020304" pitchFamily="18" charset="0"/>
+                <a:cs typeface="Times New Roman" panose="02020603050405020304" pitchFamily="18" charset="0"/>
+              </a:rPr>
+              <a:t> </a:t>
+            </a:r>
+            <a:r>
+              <a:rPr lang="en-US" sz="1200" dirty="0" err="1">
+                <a:latin typeface="Times New Roman" panose="02020603050405020304" pitchFamily="18" charset="0"/>
+                <a:cs typeface="Times New Roman" panose="02020603050405020304" pitchFamily="18" charset="0"/>
+              </a:rPr>
+              <a:t>oferă</a:t>
+            </a:r>
+            <a:r>
+              <a:rPr lang="en-US" sz="1200" dirty="0">
+                <a:latin typeface="Times New Roman" panose="02020603050405020304" pitchFamily="18" charset="0"/>
+                <a:cs typeface="Times New Roman" panose="02020603050405020304" pitchFamily="18" charset="0"/>
+              </a:rPr>
+              <a:t> </a:t>
+            </a:r>
+            <a:r>
+              <a:rPr lang="en-US" sz="1200" dirty="0" err="1">
+                <a:latin typeface="Times New Roman" panose="02020603050405020304" pitchFamily="18" charset="0"/>
+                <a:cs typeface="Times New Roman" panose="02020603050405020304" pitchFamily="18" charset="0"/>
+              </a:rPr>
+              <a:t>așa</a:t>
+            </a:r>
+            <a:r>
+              <a:rPr lang="en-US" sz="1200" dirty="0">
+                <a:latin typeface="Times New Roman" panose="02020603050405020304" pitchFamily="18" charset="0"/>
+                <a:cs typeface="Times New Roman" panose="02020603050405020304" pitchFamily="18" charset="0"/>
+              </a:rPr>
+              <a:t> </a:t>
+            </a:r>
+            <a:r>
+              <a:rPr lang="en-US" sz="1200" dirty="0" err="1">
+                <a:latin typeface="Times New Roman" panose="02020603050405020304" pitchFamily="18" charset="0"/>
+                <a:cs typeface="Times New Roman" panose="02020603050405020304" pitchFamily="18" charset="0"/>
+              </a:rPr>
+              <a:t>ceva</a:t>
+            </a:r>
+            <a:r>
+              <a:rPr lang="en-US" sz="1200" dirty="0">
+                <a:latin typeface="Times New Roman" panose="02020603050405020304" pitchFamily="18" charset="0"/>
+                <a:cs typeface="Times New Roman" panose="02020603050405020304" pitchFamily="18" charset="0"/>
+              </a:rPr>
+              <a:t>.</a:t>
+            </a:r>
+          </a:p>
+          <a:p>
+            <a:pPr marL="0" indent="0">
+              <a:buNone/>
+            </a:pPr>
+            <a:r>
+              <a:rPr lang="en-US" sz="1200" b="1" dirty="0" err="1">
+                <a:latin typeface="Times New Roman" panose="02020603050405020304" pitchFamily="18" charset="0"/>
+                <a:cs typeface="Times New Roman" panose="02020603050405020304" pitchFamily="18" charset="0"/>
+              </a:rPr>
+              <a:t>Descărcarea</a:t>
+            </a:r>
+            <a:r>
+              <a:rPr lang="en-US" sz="1200" b="1" dirty="0">
+                <a:latin typeface="Times New Roman" panose="02020603050405020304" pitchFamily="18" charset="0"/>
+                <a:cs typeface="Times New Roman" panose="02020603050405020304" pitchFamily="18" charset="0"/>
+              </a:rPr>
+              <a:t> de </a:t>
+            </a:r>
+            <a:r>
+              <a:rPr lang="en-US" sz="1200" b="1" dirty="0" err="1">
+                <a:latin typeface="Times New Roman" panose="02020603050405020304" pitchFamily="18" charset="0"/>
+                <a:cs typeface="Times New Roman" panose="02020603050405020304" pitchFamily="18" charset="0"/>
+              </a:rPr>
+              <a:t>fișiere</a:t>
+            </a:r>
+            <a:r>
+              <a:rPr lang="en-US" sz="1200" b="1" dirty="0">
+                <a:latin typeface="Times New Roman" panose="02020603050405020304" pitchFamily="18" charset="0"/>
+                <a:cs typeface="Times New Roman" panose="02020603050405020304" pitchFamily="18" charset="0"/>
+              </a:rPr>
+              <a:t> CSV, JSON </a:t>
+            </a:r>
+            <a:r>
+              <a:rPr lang="en-US" sz="1200" b="1" dirty="0" err="1">
+                <a:latin typeface="Times New Roman" panose="02020603050405020304" pitchFamily="18" charset="0"/>
+                <a:cs typeface="Times New Roman" panose="02020603050405020304" pitchFamily="18" charset="0"/>
+              </a:rPr>
+              <a:t>sau</a:t>
+            </a:r>
+            <a:r>
+              <a:rPr lang="en-US" sz="1200" b="1" dirty="0">
+                <a:latin typeface="Times New Roman" panose="02020603050405020304" pitchFamily="18" charset="0"/>
+                <a:cs typeface="Times New Roman" panose="02020603050405020304" pitchFamily="18" charset="0"/>
+              </a:rPr>
+              <a:t> RSS feed-</a:t>
+            </a:r>
+            <a:r>
+              <a:rPr lang="en-US" sz="1200" b="1" dirty="0" err="1">
+                <a:latin typeface="Times New Roman" panose="02020603050405020304" pitchFamily="18" charset="0"/>
+                <a:cs typeface="Times New Roman" panose="02020603050405020304" pitchFamily="18" charset="0"/>
+              </a:rPr>
+              <a:t>uri</a:t>
+            </a:r>
+            <a:r>
+              <a:rPr lang="en-US" sz="1200" dirty="0">
+                <a:latin typeface="Times New Roman" panose="02020603050405020304" pitchFamily="18" charset="0"/>
+                <a:cs typeface="Times New Roman" panose="02020603050405020304" pitchFamily="18" charset="0"/>
+              </a:rPr>
+              <a:t>, </a:t>
+            </a:r>
+            <a:r>
+              <a:rPr lang="en-US" sz="1200" dirty="0" err="1">
+                <a:latin typeface="Times New Roman" panose="02020603050405020304" pitchFamily="18" charset="0"/>
+                <a:cs typeface="Times New Roman" panose="02020603050405020304" pitchFamily="18" charset="0"/>
+              </a:rPr>
+              <a:t>puse</a:t>
+            </a:r>
+            <a:r>
+              <a:rPr lang="en-US" sz="1200" dirty="0">
+                <a:latin typeface="Times New Roman" panose="02020603050405020304" pitchFamily="18" charset="0"/>
+                <a:cs typeface="Times New Roman" panose="02020603050405020304" pitchFamily="18" charset="0"/>
+              </a:rPr>
+              <a:t> la </a:t>
+            </a:r>
+            <a:r>
+              <a:rPr lang="en-US" sz="1200" dirty="0" err="1">
+                <a:latin typeface="Times New Roman" panose="02020603050405020304" pitchFamily="18" charset="0"/>
+                <a:cs typeface="Times New Roman" panose="02020603050405020304" pitchFamily="18" charset="0"/>
+              </a:rPr>
+              <a:t>dispoziție</a:t>
+            </a:r>
+            <a:r>
+              <a:rPr lang="en-US" sz="1200" dirty="0">
+                <a:latin typeface="Times New Roman" panose="02020603050405020304" pitchFamily="18" charset="0"/>
+                <a:cs typeface="Times New Roman" panose="02020603050405020304" pitchFamily="18" charset="0"/>
+              </a:rPr>
+              <a:t> </a:t>
+            </a:r>
+            <a:r>
+              <a:rPr lang="en-US" sz="1200" dirty="0" err="1">
+                <a:latin typeface="Times New Roman" panose="02020603050405020304" pitchFamily="18" charset="0"/>
+                <a:cs typeface="Times New Roman" panose="02020603050405020304" pitchFamily="18" charset="0"/>
+              </a:rPr>
+              <a:t>oficial</a:t>
+            </a:r>
+            <a:r>
+              <a:rPr lang="en-US" sz="1200" dirty="0">
+                <a:latin typeface="Times New Roman" panose="02020603050405020304" pitchFamily="18" charset="0"/>
+                <a:cs typeface="Times New Roman" panose="02020603050405020304" pitchFamily="18" charset="0"/>
+              </a:rPr>
+              <a:t>.</a:t>
+            </a:r>
+          </a:p>
+          <a:p>
+            <a:pPr marL="0" indent="0">
+              <a:buNone/>
+            </a:pPr>
             <a:br>
-              <a:rPr lang="en-US" sz="1800" kern="100" dirty="0">
-                <a:effectLst/>
-                <a:latin typeface="Calibri" panose="020F0502020204030204" pitchFamily="34" charset="0"/>
-                <a:ea typeface="Calibri" panose="020F0502020204030204" pitchFamily="34" charset="0"/>
+              <a:rPr lang="en-US" sz="1200" dirty="0">
+                <a:latin typeface="Times New Roman" panose="02020603050405020304" pitchFamily="18" charset="0"/>
                 <a:cs typeface="Times New Roman" panose="02020603050405020304" pitchFamily="18" charset="0"/>
               </a:rPr>
             </a:br>
-            <a:endParaRPr lang="en-US" dirty="0"/>
-          </a:p>
-        </p:txBody>
-      </p:sp>
-      <p:sp>
-        <p:nvSpPr>
-          <p:cNvPr id="3" name="Content Placeholder 2">
-            <a:extLst>
-              <a:ext uri="{FF2B5EF4-FFF2-40B4-BE49-F238E27FC236}">
-                <a16:creationId xmlns:a16="http://schemas.microsoft.com/office/drawing/2014/main" id="{1414565A-5D53-9A2F-7CF1-9B27EA2766FD}"/>
-              </a:ext>
-            </a:extLst>
-          </p:cNvPr>
-          <p:cNvSpPr>
-            <a:spLocks noGrp="1"/>
-          </p:cNvSpPr>
-          <p:nvPr>
-            <p:ph idx="1"/>
-          </p:nvPr>
-        </p:nvSpPr>
-        <p:spPr/>
-        <p:txBody>
-          <a:bodyPr/>
-          <a:lstStyle/>
-          <a:p>
-            <a:r>
-              <a:rPr lang="en-US" sz="1200" b="1" dirty="0"/>
-              <a:t>🔹 2️⃣ </a:t>
-            </a:r>
-            <a:r>
-              <a:rPr lang="en-US" sz="1200" b="1" dirty="0" err="1"/>
-              <a:t>Tehnici</a:t>
-            </a:r>
-            <a:r>
-              <a:rPr lang="en-US" sz="1200" b="1" dirty="0"/>
-              <a:t> </a:t>
-            </a:r>
-            <a:r>
-              <a:rPr lang="en-US" sz="1200" b="1" dirty="0" err="1"/>
-              <a:t>manuale</a:t>
-            </a:r>
-            <a:endParaRPr lang="en-US" sz="1200" b="1" dirty="0"/>
-          </a:p>
-          <a:p>
-            <a:r>
-              <a:rPr lang="en-US" sz="1200" dirty="0"/>
-              <a:t>Sunt </a:t>
-            </a:r>
-            <a:r>
-              <a:rPr lang="en-US" sz="1200" dirty="0" err="1"/>
-              <a:t>cele</a:t>
-            </a:r>
-            <a:r>
-              <a:rPr lang="en-US" sz="1200" dirty="0"/>
-              <a:t> </a:t>
-            </a:r>
-            <a:r>
-              <a:rPr lang="en-US" sz="1200" dirty="0" err="1"/>
-              <a:t>în</a:t>
-            </a:r>
-            <a:r>
-              <a:rPr lang="en-US" sz="1200" dirty="0"/>
-              <a:t> care </a:t>
-            </a:r>
-            <a:r>
-              <a:rPr lang="en-US" sz="1200" b="1" dirty="0"/>
-              <a:t>omul </a:t>
-            </a:r>
-            <a:r>
-              <a:rPr lang="en-US" sz="1200" b="1" dirty="0" err="1"/>
-              <a:t>intervine</a:t>
-            </a:r>
-            <a:r>
-              <a:rPr lang="en-US" sz="1200" b="1" dirty="0"/>
-              <a:t> direct</a:t>
-            </a:r>
-            <a:r>
-              <a:rPr lang="en-US" sz="1200" dirty="0"/>
+            <a:endParaRPr lang="en-US" sz="1200" dirty="0">
+              <a:latin typeface="Times New Roman" panose="02020603050405020304" pitchFamily="18" charset="0"/>
+              <a:cs typeface="Times New Roman" panose="02020603050405020304" pitchFamily="18" charset="0"/>
+            </a:endParaRPr>
+          </a:p>
+          <a:p>
+            <a:pPr marL="0" indent="0">
+              <a:buNone/>
+            </a:pPr>
+            <a:endParaRPr lang="en-US" sz="1200" i="1" dirty="0">
+              <a:latin typeface="Times New Roman" panose="02020603050405020304" pitchFamily="18" charset="0"/>
+              <a:cs typeface="Times New Roman" panose="02020603050405020304" pitchFamily="18" charset="0"/>
+            </a:endParaRPr>
+          </a:p>
+          <a:p>
+            <a:pPr marL="0" indent="0">
+              <a:buNone/>
+            </a:pPr>
+            <a:r>
+              <a:rPr lang="en-US" sz="1200" i="1" dirty="0" err="1">
+                <a:latin typeface="Times New Roman" panose="02020603050405020304" pitchFamily="18" charset="0"/>
+                <a:cs typeface="Times New Roman" panose="02020603050405020304" pitchFamily="18" charset="0"/>
+              </a:rPr>
+              <a:t>Avantaj</a:t>
+            </a:r>
+            <a:r>
+              <a:rPr lang="en-US" sz="1200" i="1" dirty="0">
+                <a:latin typeface="Times New Roman" panose="02020603050405020304" pitchFamily="18" charset="0"/>
+                <a:cs typeface="Times New Roman" panose="02020603050405020304" pitchFamily="18" charset="0"/>
+              </a:rPr>
+              <a:t>:</a:t>
+            </a:r>
+            <a:r>
+              <a:rPr lang="en-US" sz="1200" dirty="0">
+                <a:latin typeface="Times New Roman" panose="02020603050405020304" pitchFamily="18" charset="0"/>
+                <a:cs typeface="Times New Roman" panose="02020603050405020304" pitchFamily="18" charset="0"/>
+              </a:rPr>
+              <a:t> </a:t>
+            </a:r>
+            <a:r>
+              <a:rPr lang="en-US" sz="1200" dirty="0" err="1">
+                <a:latin typeface="Times New Roman" panose="02020603050405020304" pitchFamily="18" charset="0"/>
+                <a:cs typeface="Times New Roman" panose="02020603050405020304" pitchFamily="18" charset="0"/>
+              </a:rPr>
+              <a:t>Ușor</a:t>
+            </a:r>
+            <a:r>
+              <a:rPr lang="en-US" sz="1200" dirty="0">
+                <a:latin typeface="Times New Roman" panose="02020603050405020304" pitchFamily="18" charset="0"/>
+                <a:cs typeface="Times New Roman" panose="02020603050405020304" pitchFamily="18" charset="0"/>
+              </a:rPr>
+              <a:t> de </a:t>
+            </a:r>
+            <a:r>
+              <a:rPr lang="en-US" sz="1200" dirty="0" err="1">
+                <a:latin typeface="Times New Roman" panose="02020603050405020304" pitchFamily="18" charset="0"/>
+                <a:cs typeface="Times New Roman" panose="02020603050405020304" pitchFamily="18" charset="0"/>
+              </a:rPr>
+              <a:t>realizat</a:t>
+            </a:r>
+            <a:r>
+              <a:rPr lang="en-US" sz="1200" dirty="0">
+                <a:latin typeface="Times New Roman" panose="02020603050405020304" pitchFamily="18" charset="0"/>
+                <a:cs typeface="Times New Roman" panose="02020603050405020304" pitchFamily="18" charset="0"/>
+              </a:rPr>
+              <a:t>.</a:t>
+            </a:r>
+          </a:p>
+          <a:p>
+            <a:pPr marL="0" indent="0">
+              <a:buNone/>
+            </a:pPr>
+            <a:r>
+              <a:rPr lang="en-US" sz="1200" i="1" dirty="0" err="1">
+                <a:latin typeface="Times New Roman" panose="02020603050405020304" pitchFamily="18" charset="0"/>
+                <a:cs typeface="Times New Roman" panose="02020603050405020304" pitchFamily="18" charset="0"/>
+              </a:rPr>
+              <a:t>Dezavantaj</a:t>
+            </a:r>
+            <a:r>
+              <a:rPr lang="en-US" sz="1200" i="1" dirty="0">
+                <a:latin typeface="Times New Roman" panose="02020603050405020304" pitchFamily="18" charset="0"/>
+                <a:cs typeface="Times New Roman" panose="02020603050405020304" pitchFamily="18" charset="0"/>
+              </a:rPr>
+              <a:t>:</a:t>
+            </a:r>
+            <a:r>
+              <a:rPr lang="en-US" sz="1200" dirty="0">
+                <a:latin typeface="Times New Roman" panose="02020603050405020304" pitchFamily="18" charset="0"/>
+                <a:cs typeface="Times New Roman" panose="02020603050405020304" pitchFamily="18" charset="0"/>
+              </a:rPr>
+              <a:t> Nu </a:t>
+            </a:r>
+            <a:r>
+              <a:rPr lang="en-US" sz="1200" dirty="0" err="1">
+                <a:latin typeface="Times New Roman" panose="02020603050405020304" pitchFamily="18" charset="0"/>
+                <a:cs typeface="Times New Roman" panose="02020603050405020304" pitchFamily="18" charset="0"/>
+              </a:rPr>
+              <a:t>este</a:t>
+            </a:r>
+            <a:r>
+              <a:rPr lang="en-US" sz="1200" dirty="0">
+                <a:latin typeface="Times New Roman" panose="02020603050405020304" pitchFamily="18" charset="0"/>
+                <a:cs typeface="Times New Roman" panose="02020603050405020304" pitchFamily="18" charset="0"/>
+              </a:rPr>
+              <a:t> </a:t>
+            </a:r>
+            <a:r>
+              <a:rPr lang="en-US" sz="1200" dirty="0" err="1">
+                <a:latin typeface="Times New Roman" panose="02020603050405020304" pitchFamily="18" charset="0"/>
+                <a:cs typeface="Times New Roman" panose="02020603050405020304" pitchFamily="18" charset="0"/>
+              </a:rPr>
+              <a:t>scalabil</a:t>
+            </a:r>
+            <a:r>
+              <a:rPr lang="en-US" sz="1200" dirty="0">
+                <a:latin typeface="Times New Roman" panose="02020603050405020304" pitchFamily="18" charset="0"/>
+                <a:cs typeface="Times New Roman" panose="02020603050405020304" pitchFamily="18" charset="0"/>
+              </a:rPr>
               <a:t> — </a:t>
             </a:r>
             <a:r>
-              <a:rPr lang="en-US" sz="1200" dirty="0" err="1"/>
-              <a:t>fără</a:t>
-            </a:r>
-            <a:r>
-              <a:rPr lang="en-US" sz="1200" dirty="0"/>
-              <a:t> cod complex </a:t>
-            </a:r>
-            <a:r>
-              <a:rPr lang="en-US" sz="1200" dirty="0" err="1"/>
-              <a:t>sau</a:t>
-            </a:r>
-            <a:r>
-              <a:rPr lang="en-US" sz="1200" dirty="0"/>
-              <a:t> </a:t>
-            </a:r>
-            <a:r>
-              <a:rPr lang="en-US" sz="1200" dirty="0" err="1"/>
-              <a:t>fără</a:t>
-            </a:r>
-            <a:r>
-              <a:rPr lang="en-US" sz="1200" dirty="0"/>
-              <a:t> un program care </a:t>
-            </a:r>
-            <a:r>
-              <a:rPr lang="en-US" sz="1200" dirty="0" err="1"/>
-              <a:t>rulează</a:t>
-            </a:r>
-            <a:r>
-              <a:rPr lang="en-US" sz="1200" dirty="0"/>
-              <a:t> </a:t>
-            </a:r>
-            <a:r>
-              <a:rPr lang="en-US" sz="1200" dirty="0" err="1"/>
-              <a:t>singur</a:t>
-            </a:r>
-            <a:r>
-              <a:rPr lang="en-US" sz="1200" dirty="0"/>
-              <a:t>.</a:t>
-            </a:r>
-          </a:p>
-          <a:p>
-            <a:endParaRPr lang="en-US" sz="1200" b="1" dirty="0"/>
-          </a:p>
-          <a:p>
-            <a:r>
-              <a:rPr lang="en-US" sz="1200" b="1" dirty="0" err="1"/>
-              <a:t>Exemple</a:t>
-            </a:r>
-            <a:r>
-              <a:rPr lang="en-US" sz="1200" b="1" dirty="0"/>
-              <a:t>:</a:t>
-            </a:r>
-          </a:p>
-          <a:p>
-            <a:pPr>
-              <a:buFont typeface="Arial" panose="020B0604020202020204" pitchFamily="34" charset="0"/>
-              <a:buChar char="•"/>
-            </a:pPr>
-            <a:r>
-              <a:rPr lang="en-US" sz="1200" b="1" dirty="0" err="1"/>
-              <a:t>Copiere</a:t>
-            </a:r>
-            <a:r>
-              <a:rPr lang="en-US" sz="1200" b="1" dirty="0"/>
-              <a:t> </a:t>
-            </a:r>
-            <a:r>
-              <a:rPr lang="en-US" sz="1200" b="1" dirty="0" err="1"/>
+              <a:rPr lang="en-US" sz="1200" dirty="0" err="1">
+                <a:latin typeface="Times New Roman" panose="02020603050405020304" pitchFamily="18" charset="0"/>
+                <a:cs typeface="Times New Roman" panose="02020603050405020304" pitchFamily="18" charset="0"/>
+              </a:rPr>
+              <a:t>necesită</a:t>
+            </a:r>
+            <a:r>
+              <a:rPr lang="en-US" sz="1200" dirty="0">
+                <a:latin typeface="Times New Roman" panose="02020603050405020304" pitchFamily="18" charset="0"/>
+                <a:cs typeface="Times New Roman" panose="02020603050405020304" pitchFamily="18" charset="0"/>
+              </a:rPr>
+              <a:t> </a:t>
+            </a:r>
+            <a:r>
+              <a:rPr lang="en-US" sz="1200" dirty="0" err="1">
+                <a:latin typeface="Times New Roman" panose="02020603050405020304" pitchFamily="18" charset="0"/>
+                <a:cs typeface="Times New Roman" panose="02020603050405020304" pitchFamily="18" charset="0"/>
+              </a:rPr>
+              <a:t>muncă</a:t>
+            </a:r>
+            <a:r>
+              <a:rPr lang="en-US" sz="1200" dirty="0">
+                <a:latin typeface="Times New Roman" panose="02020603050405020304" pitchFamily="18" charset="0"/>
+                <a:cs typeface="Times New Roman" panose="02020603050405020304" pitchFamily="18" charset="0"/>
+              </a:rPr>
+              <a:t> </a:t>
+            </a:r>
+            <a:r>
+              <a:rPr lang="en-US" sz="1200" dirty="0" err="1">
+                <a:latin typeface="Times New Roman" panose="02020603050405020304" pitchFamily="18" charset="0"/>
+                <a:cs typeface="Times New Roman" panose="02020603050405020304" pitchFamily="18" charset="0"/>
+              </a:rPr>
+              <a:t>manuală</a:t>
+            </a:r>
+            <a:r>
+              <a:rPr lang="en-US" sz="1200" dirty="0">
+                <a:latin typeface="Times New Roman" panose="02020603050405020304" pitchFamily="18" charset="0"/>
+                <a:cs typeface="Times New Roman" panose="02020603050405020304" pitchFamily="18" charset="0"/>
+              </a:rPr>
+              <a:t> </a:t>
+            </a:r>
+            <a:r>
+              <a:rPr lang="en-US" sz="1200" dirty="0" err="1">
+                <a:latin typeface="Times New Roman" panose="02020603050405020304" pitchFamily="18" charset="0"/>
+                <a:cs typeface="Times New Roman" panose="02020603050405020304" pitchFamily="18" charset="0"/>
+              </a:rPr>
               <a:t>și</a:t>
             </a:r>
             <a:r>
-              <a:rPr lang="en-US" sz="1200" b="1" dirty="0"/>
-              <a:t> </a:t>
-            </a:r>
-            <a:r>
-              <a:rPr lang="en-US" sz="1200" b="1" dirty="0" err="1"/>
-              <a:t>lipire</a:t>
-            </a:r>
-            <a:r>
-              <a:rPr lang="en-US" sz="1200" b="1" dirty="0"/>
-              <a:t> </a:t>
-            </a:r>
-            <a:r>
-              <a:rPr lang="en-US" sz="1200" b="1" dirty="0" err="1"/>
-              <a:t>manuală</a:t>
-            </a:r>
-            <a:r>
-              <a:rPr lang="en-US" sz="1200" dirty="0"/>
-              <a:t> </a:t>
-            </a:r>
-            <a:r>
-              <a:rPr lang="en-US" sz="1200" dirty="0" err="1"/>
-              <a:t>dintr</a:t>
-            </a:r>
-            <a:r>
-              <a:rPr lang="en-US" sz="1200" dirty="0"/>
-              <a:t>-o </a:t>
-            </a:r>
-            <a:r>
-              <a:rPr lang="en-US" sz="1200" dirty="0" err="1"/>
-              <a:t>pagină</a:t>
-            </a:r>
-            <a:r>
-              <a:rPr lang="en-US" sz="1200" dirty="0"/>
-              <a:t> web </a:t>
-            </a:r>
-            <a:r>
-              <a:rPr lang="en-US" sz="1200" dirty="0" err="1"/>
-              <a:t>într</a:t>
-            </a:r>
-            <a:r>
-              <a:rPr lang="en-US" sz="1200" dirty="0"/>
-              <a:t>-un </a:t>
-            </a:r>
-            <a:r>
-              <a:rPr lang="en-US" sz="1200" dirty="0" err="1"/>
-              <a:t>fișier</a:t>
-            </a:r>
-            <a:r>
-              <a:rPr lang="en-US" sz="1200" dirty="0"/>
-              <a:t> Excel.</a:t>
-            </a:r>
-          </a:p>
-          <a:p>
-            <a:pPr>
-              <a:buFont typeface="Arial" panose="020B0604020202020204" pitchFamily="34" charset="0"/>
-              <a:buChar char="•"/>
-            </a:pPr>
-            <a:r>
-              <a:rPr lang="en-US" sz="1200" b="1" dirty="0"/>
-              <a:t>Export de date </a:t>
-            </a:r>
-            <a:r>
-              <a:rPr lang="en-US" sz="1200" b="1" dirty="0" err="1"/>
-              <a:t>prin</a:t>
-            </a:r>
-            <a:r>
-              <a:rPr lang="en-US" sz="1200" b="1" dirty="0"/>
-              <a:t> API-</a:t>
-            </a:r>
-            <a:r>
-              <a:rPr lang="en-US" sz="1200" b="1" dirty="0" err="1"/>
-              <a:t>uri</a:t>
-            </a:r>
-            <a:r>
-              <a:rPr lang="en-US" sz="1200" b="1" dirty="0"/>
-              <a:t> </a:t>
-            </a:r>
-            <a:r>
-              <a:rPr lang="en-US" sz="1200" b="1" dirty="0" err="1"/>
-              <a:t>publice</a:t>
-            </a:r>
-            <a:r>
-              <a:rPr lang="en-US" sz="1200" dirty="0"/>
-              <a:t>, </a:t>
-            </a:r>
-            <a:r>
-              <a:rPr lang="en-US" sz="1200" dirty="0" err="1"/>
-              <a:t>dacă</a:t>
-            </a:r>
-            <a:r>
-              <a:rPr lang="en-US" sz="1200" dirty="0"/>
-              <a:t> site-</a:t>
-            </a:r>
-            <a:r>
-              <a:rPr lang="en-US" sz="1200" dirty="0" err="1"/>
-              <a:t>ul</a:t>
-            </a:r>
-            <a:r>
-              <a:rPr lang="en-US" sz="1200" dirty="0"/>
-              <a:t> </a:t>
-            </a:r>
-            <a:r>
-              <a:rPr lang="en-US" sz="1200" dirty="0" err="1"/>
-              <a:t>oferă</a:t>
-            </a:r>
-            <a:r>
-              <a:rPr lang="en-US" sz="1200" dirty="0"/>
-              <a:t> </a:t>
-            </a:r>
-            <a:r>
-              <a:rPr lang="en-US" sz="1200" dirty="0" err="1"/>
-              <a:t>așa</a:t>
-            </a:r>
-            <a:r>
-              <a:rPr lang="en-US" sz="1200" dirty="0"/>
-              <a:t> </a:t>
-            </a:r>
-            <a:r>
-              <a:rPr lang="en-US" sz="1200" dirty="0" err="1"/>
-              <a:t>ceva</a:t>
-            </a:r>
-            <a:r>
-              <a:rPr lang="en-US" sz="1200" dirty="0"/>
-              <a:t>.</a:t>
-            </a:r>
-          </a:p>
-          <a:p>
-            <a:pPr>
-              <a:buFont typeface="Arial" panose="020B0604020202020204" pitchFamily="34" charset="0"/>
-              <a:buChar char="•"/>
-            </a:pPr>
-            <a:r>
-              <a:rPr lang="en-US" sz="1200" b="1" dirty="0" err="1"/>
-              <a:t>Descărcarea</a:t>
-            </a:r>
-            <a:r>
-              <a:rPr lang="en-US" sz="1200" b="1" dirty="0"/>
-              <a:t> de </a:t>
-            </a:r>
-            <a:r>
-              <a:rPr lang="en-US" sz="1200" b="1" dirty="0" err="1"/>
-              <a:t>fișiere</a:t>
-            </a:r>
-            <a:r>
-              <a:rPr lang="en-US" sz="1200" b="1" dirty="0"/>
-              <a:t> CSV, JSON </a:t>
-            </a:r>
-            <a:r>
-              <a:rPr lang="en-US" sz="1200" b="1" dirty="0" err="1"/>
-              <a:t>sau</a:t>
-            </a:r>
-            <a:r>
-              <a:rPr lang="en-US" sz="1200" b="1" dirty="0"/>
-              <a:t> RSS feed-</a:t>
-            </a:r>
-            <a:r>
-              <a:rPr lang="en-US" sz="1200" b="1" dirty="0" err="1"/>
-              <a:t>uri</a:t>
-            </a:r>
-            <a:r>
-              <a:rPr lang="en-US" sz="1200" dirty="0"/>
-              <a:t>, </a:t>
-            </a:r>
-            <a:r>
-              <a:rPr lang="en-US" sz="1200" dirty="0" err="1"/>
-              <a:t>puse</a:t>
-            </a:r>
-            <a:r>
-              <a:rPr lang="en-US" sz="1200" dirty="0"/>
-              <a:t> la </a:t>
-            </a:r>
-            <a:r>
-              <a:rPr lang="en-US" sz="1200" dirty="0" err="1"/>
-              <a:t>dispoziție</a:t>
-            </a:r>
-            <a:r>
-              <a:rPr lang="en-US" sz="1200" dirty="0"/>
-              <a:t> </a:t>
-            </a:r>
-            <a:r>
-              <a:rPr lang="en-US" sz="1200" dirty="0" err="1"/>
-              <a:t>oficial</a:t>
-            </a:r>
-            <a:r>
-              <a:rPr lang="en-US" sz="1200" dirty="0"/>
-              <a:t>.</a:t>
-            </a:r>
-          </a:p>
-          <a:p>
-            <a:br>
-              <a:rPr lang="en-US" sz="1200" dirty="0"/>
-            </a:br>
-            <a:endParaRPr lang="en-US" sz="1200" dirty="0"/>
-          </a:p>
-          <a:p>
-            <a:endParaRPr lang="en-US" sz="1200" i="1" dirty="0"/>
-          </a:p>
-          <a:p>
-            <a:r>
-              <a:rPr lang="en-US" sz="1200" i="1" dirty="0" err="1"/>
-              <a:t>Avantaj</a:t>
-            </a:r>
-            <a:r>
-              <a:rPr lang="en-US" sz="1200" i="1" dirty="0"/>
-              <a:t>:</a:t>
-            </a:r>
-            <a:r>
-              <a:rPr lang="en-US" sz="1200" dirty="0"/>
-              <a:t> </a:t>
-            </a:r>
-            <a:r>
-              <a:rPr lang="en-US" sz="1200" dirty="0" err="1"/>
-              <a:t>Ușor</a:t>
-            </a:r>
-            <a:r>
-              <a:rPr lang="en-US" sz="1200" dirty="0"/>
-              <a:t> de </a:t>
-            </a:r>
-            <a:r>
-              <a:rPr lang="en-US" sz="1200" dirty="0" err="1"/>
-              <a:t>realizat</a:t>
-            </a:r>
-            <a:r>
-              <a:rPr lang="en-US" sz="1200" dirty="0"/>
-              <a:t>.</a:t>
-            </a:r>
-          </a:p>
-          <a:p>
-            <a:r>
-              <a:rPr lang="en-US" sz="1200" i="1" dirty="0" err="1"/>
-              <a:t>Dezavantaj</a:t>
-            </a:r>
-            <a:r>
-              <a:rPr lang="en-US" sz="1200" i="1" dirty="0"/>
-              <a:t>:</a:t>
-            </a:r>
-            <a:r>
-              <a:rPr lang="en-US" sz="1200" dirty="0"/>
-              <a:t> Nu </a:t>
-            </a:r>
-            <a:r>
-              <a:rPr lang="en-US" sz="1200" dirty="0" err="1"/>
-              <a:t>este</a:t>
-            </a:r>
-            <a:r>
-              <a:rPr lang="en-US" sz="1200" dirty="0"/>
-              <a:t> </a:t>
-            </a:r>
-            <a:r>
-              <a:rPr lang="en-US" sz="1200" dirty="0" err="1"/>
-              <a:t>scalabil</a:t>
-            </a:r>
-            <a:r>
-              <a:rPr lang="en-US" sz="1200" dirty="0"/>
-              <a:t> — </a:t>
-            </a:r>
-            <a:r>
-              <a:rPr lang="en-US" sz="1200" dirty="0" err="1"/>
-              <a:t>necesită</a:t>
-            </a:r>
-            <a:r>
-              <a:rPr lang="en-US" sz="1200" dirty="0"/>
-              <a:t> </a:t>
-            </a:r>
-            <a:r>
-              <a:rPr lang="en-US" sz="1200" dirty="0" err="1"/>
-              <a:t>muncă</a:t>
-            </a:r>
-            <a:r>
-              <a:rPr lang="en-US" sz="1200" dirty="0"/>
-              <a:t> </a:t>
-            </a:r>
-            <a:r>
-              <a:rPr lang="en-US" sz="1200" dirty="0" err="1"/>
-              <a:t>manuală</a:t>
-            </a:r>
-            <a:r>
-              <a:rPr lang="en-US" sz="1200" dirty="0"/>
-              <a:t> </a:t>
-            </a:r>
-            <a:r>
-              <a:rPr lang="en-US" sz="1200" dirty="0" err="1"/>
-              <a:t>și</a:t>
-            </a:r>
-            <a:r>
-              <a:rPr lang="en-US" sz="1200" dirty="0"/>
+              <a:rPr lang="en-US" sz="1200" dirty="0">
+                <a:latin typeface="Times New Roman" panose="02020603050405020304" pitchFamily="18" charset="0"/>
+                <a:cs typeface="Times New Roman" panose="02020603050405020304" pitchFamily="18" charset="0"/>
+              </a:rPr>
               <a:t> nu se </a:t>
             </a:r>
             <a:r>
-              <a:rPr lang="en-US" sz="1200" dirty="0" err="1"/>
+              <a:rPr lang="en-US" sz="1200" dirty="0" err="1">
+                <a:latin typeface="Times New Roman" panose="02020603050405020304" pitchFamily="18" charset="0"/>
+                <a:cs typeface="Times New Roman" panose="02020603050405020304" pitchFamily="18" charset="0"/>
+              </a:rPr>
               <a:t>actualizează</a:t>
             </a:r>
             <a:r>
-              <a:rPr lang="en-US" sz="1200" dirty="0"/>
+              <a:rPr lang="en-US" sz="1200" dirty="0">
+                <a:latin typeface="Times New Roman" panose="02020603050405020304" pitchFamily="18" charset="0"/>
+                <a:cs typeface="Times New Roman" panose="02020603050405020304" pitchFamily="18" charset="0"/>
+              </a:rPr>
               <a:t> automat.</a:t>
             </a:r>
           </a:p>
           <a:p>
-            <a:endParaRPr lang="en-US" dirty="0"/>
+            <a:endParaRPr lang="en-US" dirty="0">
+              <a:latin typeface="Times New Roman" panose="02020603050405020304" pitchFamily="18" charset="0"/>
+              <a:cs typeface="Times New Roman" panose="02020603050405020304" pitchFamily="18" charset="0"/>
+            </a:endParaRPr>
           </a:p>
         </p:txBody>
       </p:sp>
@@ -4412,643 +4824,1188 @@
         </p:nvSpPr>
         <p:spPr>
           <a:xfrm>
-            <a:off x="838200" y="707571"/>
-            <a:ext cx="10515600" cy="5469392"/>
+            <a:off x="838200" y="1900719"/>
+            <a:ext cx="5120811" cy="3657600"/>
           </a:xfrm>
         </p:spPr>
         <p:txBody>
           <a:bodyPr>
-            <a:normAutofit fontScale="47500" lnSpcReduction="20000"/>
+            <a:normAutofit/>
           </a:bodyPr>
           <a:lstStyle/>
           <a:p>
-            <a:r>
-              <a:rPr lang="en-US" b="1" dirty="0" err="1"/>
+            <a:pPr marL="0" indent="0">
+              <a:buNone/>
+            </a:pPr>
+            <a:r>
+              <a:rPr lang="en-US" sz="1200" b="1" dirty="0" err="1">
+                <a:latin typeface="Times New Roman" panose="02020603050405020304" pitchFamily="18" charset="0"/>
+                <a:cs typeface="Times New Roman" panose="02020603050405020304" pitchFamily="18" charset="0"/>
+              </a:rPr>
               <a:t>Tehnici</a:t>
             </a:r>
             <a:r>
-              <a:rPr lang="en-US" b="1" dirty="0"/>
+              <a:rPr lang="en-US" sz="1200" b="1" dirty="0">
+                <a:latin typeface="Times New Roman" panose="02020603050405020304" pitchFamily="18" charset="0"/>
+                <a:cs typeface="Times New Roman" panose="02020603050405020304" pitchFamily="18" charset="0"/>
+              </a:rPr>
               <a:t> automate</a:t>
             </a:r>
           </a:p>
           <a:p>
+            <a:pPr marL="0" indent="0">
+              <a:buNone/>
+            </a:pPr>
             <a:br>
-              <a:rPr lang="en-US" dirty="0"/>
+              <a:rPr lang="en-US" sz="1200" dirty="0">
+                <a:latin typeface="Times New Roman" panose="02020603050405020304" pitchFamily="18" charset="0"/>
+                <a:cs typeface="Times New Roman" panose="02020603050405020304" pitchFamily="18" charset="0"/>
+              </a:rPr>
             </a:br>
+            <a:r>
+              <a:rPr lang="en-US" sz="1200" dirty="0">
+                <a:latin typeface="Times New Roman" panose="02020603050405020304" pitchFamily="18" charset="0"/>
+                <a:cs typeface="Times New Roman" panose="02020603050405020304" pitchFamily="18" charset="0"/>
+              </a:rPr>
+              <a:t>Sunt </a:t>
+            </a:r>
+            <a:r>
+              <a:rPr lang="en-US" sz="1200" dirty="0" err="1">
+                <a:latin typeface="Times New Roman" panose="02020603050405020304" pitchFamily="18" charset="0"/>
+                <a:cs typeface="Times New Roman" panose="02020603050405020304" pitchFamily="18" charset="0"/>
+              </a:rPr>
+              <a:t>cele</a:t>
+            </a:r>
+            <a:r>
+              <a:rPr lang="en-US" sz="1200" dirty="0">
+                <a:latin typeface="Times New Roman" panose="02020603050405020304" pitchFamily="18" charset="0"/>
+                <a:cs typeface="Times New Roman" panose="02020603050405020304" pitchFamily="18" charset="0"/>
+              </a:rPr>
+              <a:t> </a:t>
+            </a:r>
+            <a:r>
+              <a:rPr lang="en-US" sz="1200" dirty="0" err="1">
+                <a:latin typeface="Times New Roman" panose="02020603050405020304" pitchFamily="18" charset="0"/>
+                <a:cs typeface="Times New Roman" panose="02020603050405020304" pitchFamily="18" charset="0"/>
+              </a:rPr>
+              <a:t>în</a:t>
+            </a:r>
+            <a:r>
+              <a:rPr lang="en-US" sz="1200" dirty="0">
+                <a:latin typeface="Times New Roman" panose="02020603050405020304" pitchFamily="18" charset="0"/>
+                <a:cs typeface="Times New Roman" panose="02020603050405020304" pitchFamily="18" charset="0"/>
+              </a:rPr>
+              <a:t> care </a:t>
+            </a:r>
+            <a:r>
+              <a:rPr lang="en-US" sz="1200" b="1" dirty="0">
+                <a:latin typeface="Times New Roman" panose="02020603050405020304" pitchFamily="18" charset="0"/>
+                <a:cs typeface="Times New Roman" panose="02020603050405020304" pitchFamily="18" charset="0"/>
+              </a:rPr>
+              <a:t>un program (script)</a:t>
+            </a:r>
+            <a:r>
+              <a:rPr lang="en-US" sz="1200" dirty="0">
+                <a:latin typeface="Times New Roman" panose="02020603050405020304" pitchFamily="18" charset="0"/>
+                <a:cs typeface="Times New Roman" panose="02020603050405020304" pitchFamily="18" charset="0"/>
+              </a:rPr>
+              <a:t> face </a:t>
+            </a:r>
+            <a:r>
+              <a:rPr lang="en-US" sz="1200" dirty="0" err="1">
+                <a:latin typeface="Times New Roman" panose="02020603050405020304" pitchFamily="18" charset="0"/>
+                <a:cs typeface="Times New Roman" panose="02020603050405020304" pitchFamily="18" charset="0"/>
+              </a:rPr>
+              <a:t>toată</a:t>
+            </a:r>
+            <a:r>
+              <a:rPr lang="en-US" sz="1200" dirty="0">
+                <a:latin typeface="Times New Roman" panose="02020603050405020304" pitchFamily="18" charset="0"/>
+                <a:cs typeface="Times New Roman" panose="02020603050405020304" pitchFamily="18" charset="0"/>
+              </a:rPr>
+              <a:t> </a:t>
+            </a:r>
+            <a:r>
+              <a:rPr lang="en-US" sz="1200" dirty="0" err="1">
+                <a:latin typeface="Times New Roman" panose="02020603050405020304" pitchFamily="18" charset="0"/>
+                <a:cs typeface="Times New Roman" panose="02020603050405020304" pitchFamily="18" charset="0"/>
+              </a:rPr>
+              <a:t>munca</a:t>
+            </a:r>
+            <a:r>
+              <a:rPr lang="en-US" sz="1200" dirty="0">
+                <a:latin typeface="Times New Roman" panose="02020603050405020304" pitchFamily="18" charset="0"/>
+                <a:cs typeface="Times New Roman" panose="02020603050405020304" pitchFamily="18" charset="0"/>
+              </a:rPr>
+              <a:t>: </a:t>
+            </a:r>
+            <a:r>
+              <a:rPr lang="en-US" sz="1200" dirty="0" err="1">
+                <a:latin typeface="Times New Roman" panose="02020603050405020304" pitchFamily="18" charset="0"/>
+                <a:cs typeface="Times New Roman" panose="02020603050405020304" pitchFamily="18" charset="0"/>
+              </a:rPr>
+              <a:t>accesează</a:t>
+            </a:r>
+            <a:r>
+              <a:rPr lang="en-US" sz="1200" dirty="0">
+                <a:latin typeface="Times New Roman" panose="02020603050405020304" pitchFamily="18" charset="0"/>
+                <a:cs typeface="Times New Roman" panose="02020603050405020304" pitchFamily="18" charset="0"/>
+              </a:rPr>
+              <a:t> </a:t>
+            </a:r>
+            <a:r>
+              <a:rPr lang="en-US" sz="1200" dirty="0" err="1">
+                <a:latin typeface="Times New Roman" panose="02020603050405020304" pitchFamily="18" charset="0"/>
+                <a:cs typeface="Times New Roman" panose="02020603050405020304" pitchFamily="18" charset="0"/>
+              </a:rPr>
+              <a:t>pagini</a:t>
+            </a:r>
+            <a:r>
+              <a:rPr lang="en-US" sz="1200" dirty="0">
+                <a:latin typeface="Times New Roman" panose="02020603050405020304" pitchFamily="18" charset="0"/>
+                <a:cs typeface="Times New Roman" panose="02020603050405020304" pitchFamily="18" charset="0"/>
+              </a:rPr>
+              <a:t>, </a:t>
+            </a:r>
+            <a:r>
+              <a:rPr lang="en-US" sz="1200" dirty="0" err="1">
+                <a:latin typeface="Times New Roman" panose="02020603050405020304" pitchFamily="18" charset="0"/>
+                <a:cs typeface="Times New Roman" panose="02020603050405020304" pitchFamily="18" charset="0"/>
+              </a:rPr>
+              <a:t>citește</a:t>
+            </a:r>
+            <a:r>
+              <a:rPr lang="en-US" sz="1200" dirty="0">
+                <a:latin typeface="Times New Roman" panose="02020603050405020304" pitchFamily="18" charset="0"/>
+                <a:cs typeface="Times New Roman" panose="02020603050405020304" pitchFamily="18" charset="0"/>
+              </a:rPr>
+              <a:t> </a:t>
+            </a:r>
+            <a:r>
+              <a:rPr lang="en-US" sz="1200" dirty="0" err="1">
+                <a:latin typeface="Times New Roman" panose="02020603050405020304" pitchFamily="18" charset="0"/>
+                <a:cs typeface="Times New Roman" panose="02020603050405020304" pitchFamily="18" charset="0"/>
+              </a:rPr>
+              <a:t>codul</a:t>
+            </a:r>
+            <a:r>
+              <a:rPr lang="en-US" sz="1200" dirty="0">
+                <a:latin typeface="Times New Roman" panose="02020603050405020304" pitchFamily="18" charset="0"/>
+                <a:cs typeface="Times New Roman" panose="02020603050405020304" pitchFamily="18" charset="0"/>
+              </a:rPr>
+              <a:t> HTML, </a:t>
+            </a:r>
+            <a:r>
+              <a:rPr lang="en-US" sz="1200" dirty="0" err="1">
+                <a:latin typeface="Times New Roman" panose="02020603050405020304" pitchFamily="18" charset="0"/>
+                <a:cs typeface="Times New Roman" panose="02020603050405020304" pitchFamily="18" charset="0"/>
+              </a:rPr>
+              <a:t>extrage</a:t>
+            </a:r>
+            <a:r>
+              <a:rPr lang="en-US" sz="1200" dirty="0">
+                <a:latin typeface="Times New Roman" panose="02020603050405020304" pitchFamily="18" charset="0"/>
+                <a:cs typeface="Times New Roman" panose="02020603050405020304" pitchFamily="18" charset="0"/>
+              </a:rPr>
+              <a:t> </a:t>
+            </a:r>
+            <a:r>
+              <a:rPr lang="en-US" sz="1200" dirty="0" err="1">
+                <a:latin typeface="Times New Roman" panose="02020603050405020304" pitchFamily="18" charset="0"/>
+                <a:cs typeface="Times New Roman" panose="02020603050405020304" pitchFamily="18" charset="0"/>
+              </a:rPr>
+              <a:t>textul</a:t>
+            </a:r>
+            <a:r>
+              <a:rPr lang="en-US" sz="1200" dirty="0">
+                <a:latin typeface="Times New Roman" panose="02020603050405020304" pitchFamily="18" charset="0"/>
+                <a:cs typeface="Times New Roman" panose="02020603050405020304" pitchFamily="18" charset="0"/>
+              </a:rPr>
+              <a:t> relevant </a:t>
+            </a:r>
+            <a:r>
+              <a:rPr lang="en-US" sz="1200" dirty="0" err="1">
+                <a:latin typeface="Times New Roman" panose="02020603050405020304" pitchFamily="18" charset="0"/>
+                <a:cs typeface="Times New Roman" panose="02020603050405020304" pitchFamily="18" charset="0"/>
+              </a:rPr>
+              <a:t>și</a:t>
+            </a:r>
+            <a:r>
+              <a:rPr lang="en-US" sz="1200" dirty="0">
+                <a:latin typeface="Times New Roman" panose="02020603050405020304" pitchFamily="18" charset="0"/>
+                <a:cs typeface="Times New Roman" panose="02020603050405020304" pitchFamily="18" charset="0"/>
+              </a:rPr>
+              <a:t> </a:t>
+            </a:r>
+            <a:r>
+              <a:rPr lang="en-US" sz="1200" dirty="0" err="1">
+                <a:latin typeface="Times New Roman" panose="02020603050405020304" pitchFamily="18" charset="0"/>
+                <a:cs typeface="Times New Roman" panose="02020603050405020304" pitchFamily="18" charset="0"/>
+              </a:rPr>
+              <a:t>salvează</a:t>
+            </a:r>
+            <a:r>
+              <a:rPr lang="en-US" sz="1200" dirty="0">
+                <a:latin typeface="Times New Roman" panose="02020603050405020304" pitchFamily="18" charset="0"/>
+                <a:cs typeface="Times New Roman" panose="02020603050405020304" pitchFamily="18" charset="0"/>
+              </a:rPr>
+              <a:t> </a:t>
+            </a:r>
+            <a:r>
+              <a:rPr lang="en-US" sz="1200" dirty="0" err="1">
+                <a:latin typeface="Times New Roman" panose="02020603050405020304" pitchFamily="18" charset="0"/>
+                <a:cs typeface="Times New Roman" panose="02020603050405020304" pitchFamily="18" charset="0"/>
+              </a:rPr>
+              <a:t>datele</a:t>
+            </a:r>
+            <a:r>
+              <a:rPr lang="en-US" sz="1200" dirty="0">
+                <a:latin typeface="Times New Roman" panose="02020603050405020304" pitchFamily="18" charset="0"/>
+                <a:cs typeface="Times New Roman" panose="02020603050405020304" pitchFamily="18" charset="0"/>
+              </a:rPr>
+              <a:t> </a:t>
+            </a:r>
+            <a:r>
+              <a:rPr lang="en-US" sz="1200" dirty="0" err="1">
+                <a:latin typeface="Times New Roman" panose="02020603050405020304" pitchFamily="18" charset="0"/>
+                <a:cs typeface="Times New Roman" panose="02020603050405020304" pitchFamily="18" charset="0"/>
+              </a:rPr>
+              <a:t>într</a:t>
+            </a:r>
+            <a:r>
+              <a:rPr lang="en-US" sz="1200" dirty="0">
+                <a:latin typeface="Times New Roman" panose="02020603050405020304" pitchFamily="18" charset="0"/>
+                <a:cs typeface="Times New Roman" panose="02020603050405020304" pitchFamily="18" charset="0"/>
+              </a:rPr>
+              <a:t>-un format </a:t>
+            </a:r>
+            <a:r>
+              <a:rPr lang="en-US" sz="1200" dirty="0" err="1">
+                <a:latin typeface="Times New Roman" panose="02020603050405020304" pitchFamily="18" charset="0"/>
+                <a:cs typeface="Times New Roman" panose="02020603050405020304" pitchFamily="18" charset="0"/>
+              </a:rPr>
+              <a:t>structurat</a:t>
+            </a:r>
+            <a:r>
+              <a:rPr lang="en-US" sz="1200" dirty="0">
+                <a:latin typeface="Times New Roman" panose="02020603050405020304" pitchFamily="18" charset="0"/>
+                <a:cs typeface="Times New Roman" panose="02020603050405020304" pitchFamily="18" charset="0"/>
+              </a:rPr>
+              <a:t>.</a:t>
+            </a:r>
+          </a:p>
+          <a:p>
+            <a:pPr marL="0" indent="0">
+              <a:buNone/>
+            </a:pPr>
+            <a:br>
+              <a:rPr lang="en-US" sz="1200" dirty="0">
+                <a:latin typeface="Times New Roman" panose="02020603050405020304" pitchFamily="18" charset="0"/>
+                <a:cs typeface="Times New Roman" panose="02020603050405020304" pitchFamily="18" charset="0"/>
+              </a:rPr>
+            </a:br>
+            <a:endParaRPr lang="en-US" sz="1200" dirty="0">
+              <a:latin typeface="Times New Roman" panose="02020603050405020304" pitchFamily="18" charset="0"/>
+              <a:cs typeface="Times New Roman" panose="02020603050405020304" pitchFamily="18" charset="0"/>
+            </a:endParaRPr>
+          </a:p>
+          <a:p>
+            <a:pPr marL="0" indent="0">
+              <a:buNone/>
+            </a:pPr>
+            <a:r>
+              <a:rPr lang="en-US" sz="1200" b="1" dirty="0" err="1">
+                <a:latin typeface="Times New Roman" panose="02020603050405020304" pitchFamily="18" charset="0"/>
+                <a:cs typeface="Times New Roman" panose="02020603050405020304" pitchFamily="18" charset="0"/>
+              </a:rPr>
+              <a:t>Exemple</a:t>
+            </a:r>
+            <a:r>
+              <a:rPr lang="en-US" sz="1200" b="1" dirty="0">
+                <a:latin typeface="Times New Roman" panose="02020603050405020304" pitchFamily="18" charset="0"/>
+                <a:cs typeface="Times New Roman" panose="02020603050405020304" pitchFamily="18" charset="0"/>
+              </a:rPr>
+              <a:t>:</a:t>
+            </a:r>
+          </a:p>
+          <a:p>
+            <a:pPr marL="0" indent="0">
+              <a:buNone/>
+            </a:pPr>
+            <a:r>
+              <a:rPr lang="en-US" sz="1200" dirty="0" err="1">
+                <a:latin typeface="Times New Roman" panose="02020603050405020304" pitchFamily="18" charset="0"/>
+                <a:cs typeface="Times New Roman" panose="02020603050405020304" pitchFamily="18" charset="0"/>
+              </a:rPr>
+              <a:t>Folosirea</a:t>
+            </a:r>
+            <a:r>
+              <a:rPr lang="en-US" sz="1200" dirty="0">
+                <a:latin typeface="Times New Roman" panose="02020603050405020304" pitchFamily="18" charset="0"/>
+                <a:cs typeface="Times New Roman" panose="02020603050405020304" pitchFamily="18" charset="0"/>
+              </a:rPr>
+              <a:t> </a:t>
+            </a:r>
+            <a:r>
+              <a:rPr lang="en-US" sz="1200" dirty="0" err="1">
+                <a:latin typeface="Times New Roman" panose="02020603050405020304" pitchFamily="18" charset="0"/>
+                <a:cs typeface="Times New Roman" panose="02020603050405020304" pitchFamily="18" charset="0"/>
+              </a:rPr>
+              <a:t>unor</a:t>
+            </a:r>
+            <a:r>
+              <a:rPr lang="en-US" sz="1200" dirty="0">
+                <a:latin typeface="Times New Roman" panose="02020603050405020304" pitchFamily="18" charset="0"/>
+                <a:cs typeface="Times New Roman" panose="02020603050405020304" pitchFamily="18" charset="0"/>
+              </a:rPr>
+              <a:t> </a:t>
+            </a:r>
+            <a:r>
+              <a:rPr lang="en-US" sz="1200" dirty="0" err="1">
+                <a:latin typeface="Times New Roman" panose="02020603050405020304" pitchFamily="18" charset="0"/>
+                <a:cs typeface="Times New Roman" panose="02020603050405020304" pitchFamily="18" charset="0"/>
+              </a:rPr>
+              <a:t>biblioteci</a:t>
+            </a:r>
+            <a:r>
+              <a:rPr lang="en-US" sz="1200" dirty="0">
+                <a:latin typeface="Times New Roman" panose="02020603050405020304" pitchFamily="18" charset="0"/>
+                <a:cs typeface="Times New Roman" panose="02020603050405020304" pitchFamily="18" charset="0"/>
+              </a:rPr>
+              <a:t> </a:t>
+            </a:r>
+            <a:r>
+              <a:rPr lang="en-US" sz="1200" dirty="0" err="1">
+                <a:latin typeface="Times New Roman" panose="02020603050405020304" pitchFamily="18" charset="0"/>
+                <a:cs typeface="Times New Roman" panose="02020603050405020304" pitchFamily="18" charset="0"/>
+              </a:rPr>
+              <a:t>și</a:t>
+            </a:r>
+            <a:r>
+              <a:rPr lang="en-US" sz="1200" dirty="0">
+                <a:latin typeface="Times New Roman" panose="02020603050405020304" pitchFamily="18" charset="0"/>
+                <a:cs typeface="Times New Roman" panose="02020603050405020304" pitchFamily="18" charset="0"/>
+              </a:rPr>
+              <a:t> framework-</a:t>
+            </a:r>
+            <a:r>
+              <a:rPr lang="en-US" sz="1200" dirty="0" err="1">
+                <a:latin typeface="Times New Roman" panose="02020603050405020304" pitchFamily="18" charset="0"/>
+                <a:cs typeface="Times New Roman" panose="02020603050405020304" pitchFamily="18" charset="0"/>
+              </a:rPr>
+              <a:t>uri</a:t>
+            </a:r>
+            <a:r>
+              <a:rPr lang="en-US" sz="1200" dirty="0">
+                <a:latin typeface="Times New Roman" panose="02020603050405020304" pitchFamily="18" charset="0"/>
+                <a:cs typeface="Times New Roman" panose="02020603050405020304" pitchFamily="18" charset="0"/>
+              </a:rPr>
+              <a:t> precum:</a:t>
+            </a:r>
+          </a:p>
+          <a:p>
+            <a:pPr marL="0" indent="0">
+              <a:buNone/>
+            </a:pPr>
+            <a:r>
+              <a:rPr lang="en-US" sz="1200" b="1" dirty="0">
+                <a:latin typeface="Times New Roman" panose="02020603050405020304" pitchFamily="18" charset="0"/>
+                <a:cs typeface="Times New Roman" panose="02020603050405020304" pitchFamily="18" charset="0"/>
+              </a:rPr>
+              <a:t>Puppeteer</a:t>
+            </a:r>
+            <a:r>
+              <a:rPr lang="en-US" sz="1200" dirty="0">
+                <a:latin typeface="Times New Roman" panose="02020603050405020304" pitchFamily="18" charset="0"/>
+                <a:cs typeface="Times New Roman" panose="02020603050405020304" pitchFamily="18" charset="0"/>
+              </a:rPr>
+              <a:t> (</a:t>
+            </a:r>
+            <a:r>
+              <a:rPr lang="en-US" sz="1200" dirty="0" err="1">
+                <a:latin typeface="Times New Roman" panose="02020603050405020304" pitchFamily="18" charset="0"/>
+                <a:cs typeface="Times New Roman" panose="02020603050405020304" pitchFamily="18" charset="0"/>
+              </a:rPr>
+              <a:t>simulează</a:t>
+            </a:r>
+            <a:r>
+              <a:rPr lang="en-US" sz="1200" dirty="0">
+                <a:latin typeface="Times New Roman" panose="02020603050405020304" pitchFamily="18" charset="0"/>
+                <a:cs typeface="Times New Roman" panose="02020603050405020304" pitchFamily="18" charset="0"/>
+              </a:rPr>
+              <a:t> un browser real, </a:t>
+            </a:r>
+            <a:r>
+              <a:rPr lang="en-US" sz="1200" dirty="0" err="1">
+                <a:latin typeface="Times New Roman" panose="02020603050405020304" pitchFamily="18" charset="0"/>
+                <a:cs typeface="Times New Roman" panose="02020603050405020304" pitchFamily="18" charset="0"/>
+              </a:rPr>
+              <a:t>execută</a:t>
+            </a:r>
+            <a:r>
+              <a:rPr lang="en-US" sz="1200" dirty="0">
+                <a:latin typeface="Times New Roman" panose="02020603050405020304" pitchFamily="18" charset="0"/>
+                <a:cs typeface="Times New Roman" panose="02020603050405020304" pitchFamily="18" charset="0"/>
+              </a:rPr>
+              <a:t> JavaScript),</a:t>
+            </a:r>
+          </a:p>
+          <a:p>
+            <a:pPr marL="0" indent="0">
+              <a:buNone/>
+            </a:pPr>
+            <a:r>
+              <a:rPr lang="en-US" sz="1200" b="1" dirty="0">
+                <a:latin typeface="Times New Roman" panose="02020603050405020304" pitchFamily="18" charset="0"/>
+                <a:cs typeface="Times New Roman" panose="02020603050405020304" pitchFamily="18" charset="0"/>
+              </a:rPr>
+              <a:t>Cheerio</a:t>
+            </a:r>
+            <a:r>
+              <a:rPr lang="en-US" sz="1200" dirty="0">
+                <a:latin typeface="Times New Roman" panose="02020603050405020304" pitchFamily="18" charset="0"/>
+                <a:cs typeface="Times New Roman" panose="02020603050405020304" pitchFamily="18" charset="0"/>
+              </a:rPr>
+              <a:t> (</a:t>
+            </a:r>
+            <a:r>
+              <a:rPr lang="en-US" sz="1200" dirty="0" err="1">
+                <a:latin typeface="Times New Roman" panose="02020603050405020304" pitchFamily="18" charset="0"/>
+                <a:cs typeface="Times New Roman" panose="02020603050405020304" pitchFamily="18" charset="0"/>
+              </a:rPr>
+              <a:t>analizează</a:t>
+            </a:r>
+            <a:r>
+              <a:rPr lang="en-US" sz="1200" dirty="0">
+                <a:latin typeface="Times New Roman" panose="02020603050405020304" pitchFamily="18" charset="0"/>
+                <a:cs typeface="Times New Roman" panose="02020603050405020304" pitchFamily="18" charset="0"/>
+              </a:rPr>
+              <a:t> direct </a:t>
+            </a:r>
+            <a:r>
+              <a:rPr lang="en-US" sz="1200" dirty="0" err="1">
+                <a:latin typeface="Times New Roman" panose="02020603050405020304" pitchFamily="18" charset="0"/>
+                <a:cs typeface="Times New Roman" panose="02020603050405020304" pitchFamily="18" charset="0"/>
+              </a:rPr>
+              <a:t>codul</a:t>
+            </a:r>
+            <a:r>
+              <a:rPr lang="en-US" sz="1200" dirty="0">
+                <a:latin typeface="Times New Roman" panose="02020603050405020304" pitchFamily="18" charset="0"/>
+                <a:cs typeface="Times New Roman" panose="02020603050405020304" pitchFamily="18" charset="0"/>
+              </a:rPr>
+              <a:t> HTML),</a:t>
+            </a:r>
+          </a:p>
+          <a:p>
+            <a:pPr marL="0" indent="0">
+              <a:buNone/>
+            </a:pPr>
+            <a:r>
+              <a:rPr lang="en-US" sz="1200" b="1" dirty="0" err="1">
+                <a:latin typeface="Times New Roman" panose="02020603050405020304" pitchFamily="18" charset="0"/>
+                <a:cs typeface="Times New Roman" panose="02020603050405020304" pitchFamily="18" charset="0"/>
+              </a:rPr>
+              <a:t>Axios</a:t>
+            </a:r>
+            <a:r>
+              <a:rPr lang="en-US" sz="1200" dirty="0">
+                <a:latin typeface="Times New Roman" panose="02020603050405020304" pitchFamily="18" charset="0"/>
+                <a:cs typeface="Times New Roman" panose="02020603050405020304" pitchFamily="18" charset="0"/>
+              </a:rPr>
+              <a:t> </a:t>
+            </a:r>
+            <a:r>
+              <a:rPr lang="en-US" sz="1200" dirty="0" err="1">
+                <a:latin typeface="Times New Roman" panose="02020603050405020304" pitchFamily="18" charset="0"/>
+                <a:cs typeface="Times New Roman" panose="02020603050405020304" pitchFamily="18" charset="0"/>
+              </a:rPr>
+              <a:t>sau</a:t>
+            </a:r>
+            <a:r>
+              <a:rPr lang="en-US" sz="1200" dirty="0">
+                <a:latin typeface="Times New Roman" panose="02020603050405020304" pitchFamily="18" charset="0"/>
+                <a:cs typeface="Times New Roman" panose="02020603050405020304" pitchFamily="18" charset="0"/>
+              </a:rPr>
+              <a:t> </a:t>
+            </a:r>
+            <a:r>
+              <a:rPr lang="en-US" sz="1200" b="1" dirty="0">
+                <a:latin typeface="Times New Roman" panose="02020603050405020304" pitchFamily="18" charset="0"/>
+                <a:cs typeface="Times New Roman" panose="02020603050405020304" pitchFamily="18" charset="0"/>
+              </a:rPr>
+              <a:t>node-fetch</a:t>
+            </a:r>
+            <a:r>
+              <a:rPr lang="en-US" sz="1200" dirty="0">
+                <a:latin typeface="Times New Roman" panose="02020603050405020304" pitchFamily="18" charset="0"/>
+                <a:cs typeface="Times New Roman" panose="02020603050405020304" pitchFamily="18" charset="0"/>
+              </a:rPr>
+              <a:t> (</a:t>
+            </a:r>
+            <a:r>
+              <a:rPr lang="en-US" sz="1200" dirty="0" err="1">
+                <a:latin typeface="Times New Roman" panose="02020603050405020304" pitchFamily="18" charset="0"/>
+                <a:cs typeface="Times New Roman" panose="02020603050405020304" pitchFamily="18" charset="0"/>
+              </a:rPr>
+              <a:t>pentru</a:t>
+            </a:r>
+            <a:r>
+              <a:rPr lang="en-US" sz="1200" dirty="0">
+                <a:latin typeface="Times New Roman" panose="02020603050405020304" pitchFamily="18" charset="0"/>
+                <a:cs typeface="Times New Roman" panose="02020603050405020304" pitchFamily="18" charset="0"/>
+              </a:rPr>
+              <a:t> </a:t>
+            </a:r>
+            <a:r>
+              <a:rPr lang="en-US" sz="1200" dirty="0" err="1">
+                <a:latin typeface="Times New Roman" panose="02020603050405020304" pitchFamily="18" charset="0"/>
+                <a:cs typeface="Times New Roman" panose="02020603050405020304" pitchFamily="18" charset="0"/>
+              </a:rPr>
+              <a:t>cereri</a:t>
+            </a:r>
+            <a:r>
+              <a:rPr lang="en-US" sz="1200" dirty="0">
+                <a:latin typeface="Times New Roman" panose="02020603050405020304" pitchFamily="18" charset="0"/>
+                <a:cs typeface="Times New Roman" panose="02020603050405020304" pitchFamily="18" charset="0"/>
+              </a:rPr>
+              <a:t> HTTP/S).</a:t>
+            </a:r>
+          </a:p>
+          <a:p>
+            <a:pPr marL="0" indent="0">
+              <a:buNone/>
+            </a:pPr>
+            <a:endParaRPr lang="en-US" sz="1200" dirty="0">
+              <a:latin typeface="Times New Roman" panose="02020603050405020304" pitchFamily="18" charset="0"/>
+              <a:cs typeface="Times New Roman" panose="02020603050405020304" pitchFamily="18" charset="0"/>
+            </a:endParaRPr>
+          </a:p>
+          <a:p>
+            <a:endParaRPr lang="en-US" sz="1200" dirty="0">
+              <a:latin typeface="Times New Roman" panose="02020603050405020304" pitchFamily="18" charset="0"/>
+              <a:cs typeface="Times New Roman" panose="02020603050405020304" pitchFamily="18" charset="0"/>
+            </a:endParaRPr>
+          </a:p>
+        </p:txBody>
+      </p:sp>
+      <p:sp>
+        <p:nvSpPr>
+          <p:cNvPr id="2" name="Title 1">
+            <a:extLst>
+              <a:ext uri="{FF2B5EF4-FFF2-40B4-BE49-F238E27FC236}">
+                <a16:creationId xmlns:a16="http://schemas.microsoft.com/office/drawing/2014/main" id="{B21D8A5F-7E09-7A2D-EDE7-FC3200B91C8A}"/>
+              </a:ext>
+            </a:extLst>
+          </p:cNvPr>
+          <p:cNvSpPr>
+            <a:spLocks noGrp="1"/>
+          </p:cNvSpPr>
+          <p:nvPr>
+            <p:ph type="title"/>
+          </p:nvPr>
+        </p:nvSpPr>
+        <p:spPr>
+          <a:xfrm>
+            <a:off x="838200" y="365125"/>
+            <a:ext cx="10515600" cy="1325563"/>
+          </a:xfrm>
+        </p:spPr>
+        <p:txBody>
+          <a:bodyPr/>
+          <a:lstStyle/>
+          <a:p>
+            <a:r>
+              <a:rPr lang="en-US" sz="1800" kern="100" dirty="0" err="1">
+                <a:effectLst/>
+                <a:latin typeface="Times New Roman" panose="02020603050405020304" pitchFamily="18" charset="0"/>
+                <a:ea typeface="Calibri" panose="020F0502020204030204" pitchFamily="34" charset="0"/>
+                <a:cs typeface="Times New Roman" panose="02020603050405020304" pitchFamily="18" charset="0"/>
+              </a:rPr>
+              <a:t>Tehnici</a:t>
+            </a:r>
+            <a:r>
+              <a:rPr lang="en-US" sz="1800" kern="100" dirty="0">
+                <a:effectLst/>
+                <a:latin typeface="Times New Roman" panose="02020603050405020304" pitchFamily="18" charset="0"/>
+                <a:ea typeface="Calibri" panose="020F0502020204030204" pitchFamily="34" charset="0"/>
+                <a:cs typeface="Times New Roman" panose="02020603050405020304" pitchFamily="18" charset="0"/>
+              </a:rPr>
+              <a:t> </a:t>
+            </a:r>
+            <a:r>
+              <a:rPr lang="en-US" sz="1800" kern="100" dirty="0" err="1">
+                <a:effectLst/>
+                <a:latin typeface="Times New Roman" panose="02020603050405020304" pitchFamily="18" charset="0"/>
+                <a:ea typeface="Calibri" panose="020F0502020204030204" pitchFamily="34" charset="0"/>
+                <a:cs typeface="Times New Roman" panose="02020603050405020304" pitchFamily="18" charset="0"/>
+              </a:rPr>
+              <a:t>si</a:t>
+            </a:r>
+            <a:r>
+              <a:rPr lang="en-US" sz="1800" kern="100" dirty="0">
+                <a:effectLst/>
+                <a:latin typeface="Times New Roman" panose="02020603050405020304" pitchFamily="18" charset="0"/>
+                <a:ea typeface="Calibri" panose="020F0502020204030204" pitchFamily="34" charset="0"/>
+                <a:cs typeface="Times New Roman" panose="02020603050405020304" pitchFamily="18" charset="0"/>
+              </a:rPr>
+              <a:t> </a:t>
+            </a:r>
+            <a:r>
+              <a:rPr lang="en-US" sz="1800" kern="100" dirty="0" err="1">
+                <a:effectLst/>
+                <a:latin typeface="Times New Roman" panose="02020603050405020304" pitchFamily="18" charset="0"/>
+                <a:ea typeface="Calibri" panose="020F0502020204030204" pitchFamily="34" charset="0"/>
+                <a:cs typeface="Times New Roman" panose="02020603050405020304" pitchFamily="18" charset="0"/>
+              </a:rPr>
+              <a:t>metode</a:t>
+            </a:r>
+            <a:r>
+              <a:rPr lang="en-US" sz="1800" kern="100" dirty="0">
+                <a:effectLst/>
+                <a:latin typeface="Times New Roman" panose="02020603050405020304" pitchFamily="18" charset="0"/>
+                <a:ea typeface="Calibri" panose="020F0502020204030204" pitchFamily="34" charset="0"/>
+                <a:cs typeface="Times New Roman" panose="02020603050405020304" pitchFamily="18" charset="0"/>
+              </a:rPr>
+              <a:t> de Web Scraping</a:t>
+            </a:r>
             <a:endParaRPr lang="en-US" dirty="0"/>
           </a:p>
-          <a:p>
-            <a:r>
-              <a:rPr lang="en-US" dirty="0"/>
-              <a:t>Sunt </a:t>
-            </a:r>
-            <a:r>
-              <a:rPr lang="en-US" dirty="0" err="1"/>
-              <a:t>cele</a:t>
-            </a:r>
-            <a:r>
-              <a:rPr lang="en-US" dirty="0"/>
-              <a:t> </a:t>
-            </a:r>
-            <a:r>
-              <a:rPr lang="en-US" dirty="0" err="1"/>
+        </p:txBody>
+      </p:sp>
+      <p:sp>
+        <p:nvSpPr>
+          <p:cNvPr id="4" name="TextBox 3">
+            <a:extLst>
+              <a:ext uri="{FF2B5EF4-FFF2-40B4-BE49-F238E27FC236}">
+                <a16:creationId xmlns:a16="http://schemas.microsoft.com/office/drawing/2014/main" id="{2EE243A1-84FB-59BB-4875-79D659FF4491}"/>
+              </a:ext>
+            </a:extLst>
+          </p:cNvPr>
+          <p:cNvSpPr txBox="1"/>
+          <p:nvPr/>
+        </p:nvSpPr>
+        <p:spPr>
+          <a:xfrm>
+            <a:off x="6328881" y="1900719"/>
+            <a:ext cx="4736387" cy="2308324"/>
+          </a:xfrm>
+          <a:prstGeom prst="rect">
+            <a:avLst/>
+          </a:prstGeom>
+          <a:noFill/>
+        </p:spPr>
+        <p:txBody>
+          <a:bodyPr wrap="square" rtlCol="0">
+            <a:spAutoFit/>
+          </a:bodyPr>
+          <a:lstStyle/>
+          <a:p>
+            <a:pPr marL="0" indent="0">
+              <a:buNone/>
+            </a:pPr>
+            <a:r>
+              <a:rPr lang="en-US" sz="1200" dirty="0" err="1">
+                <a:latin typeface="Times New Roman" panose="02020603050405020304" pitchFamily="18" charset="0"/>
+                <a:cs typeface="Times New Roman" panose="02020603050405020304" pitchFamily="18" charset="0"/>
+              </a:rPr>
+              <a:t>Scrierea</a:t>
+            </a:r>
+            <a:r>
+              <a:rPr lang="en-US" sz="1200" dirty="0">
+                <a:latin typeface="Times New Roman" panose="02020603050405020304" pitchFamily="18" charset="0"/>
+                <a:cs typeface="Times New Roman" panose="02020603050405020304" pitchFamily="18" charset="0"/>
+              </a:rPr>
+              <a:t> de cod care:</a:t>
+            </a:r>
+          </a:p>
+          <a:p>
+            <a:r>
+              <a:rPr lang="en-US" sz="1200" dirty="0" err="1">
+                <a:latin typeface="Times New Roman" panose="02020603050405020304" pitchFamily="18" charset="0"/>
+                <a:cs typeface="Times New Roman" panose="02020603050405020304" pitchFamily="18" charset="0"/>
+              </a:rPr>
+              <a:t>accesează</a:t>
+            </a:r>
+            <a:r>
+              <a:rPr lang="en-US" sz="1200" dirty="0">
+                <a:latin typeface="Times New Roman" panose="02020603050405020304" pitchFamily="18" charset="0"/>
+                <a:cs typeface="Times New Roman" panose="02020603050405020304" pitchFamily="18" charset="0"/>
+              </a:rPr>
+              <a:t> un URL;</a:t>
+            </a:r>
+          </a:p>
+          <a:p>
+            <a:r>
+              <a:rPr lang="en-US" sz="1200" dirty="0" err="1">
+                <a:latin typeface="Times New Roman" panose="02020603050405020304" pitchFamily="18" charset="0"/>
+                <a:cs typeface="Times New Roman" panose="02020603050405020304" pitchFamily="18" charset="0"/>
+              </a:rPr>
+              <a:t>descarcă</a:t>
+            </a:r>
+            <a:r>
+              <a:rPr lang="en-US" sz="1200" dirty="0">
+                <a:latin typeface="Times New Roman" panose="02020603050405020304" pitchFamily="18" charset="0"/>
+                <a:cs typeface="Times New Roman" panose="02020603050405020304" pitchFamily="18" charset="0"/>
+              </a:rPr>
+              <a:t> </a:t>
+            </a:r>
+            <a:r>
+              <a:rPr lang="en-US" sz="1200" dirty="0" err="1">
+                <a:latin typeface="Times New Roman" panose="02020603050405020304" pitchFamily="18" charset="0"/>
+                <a:cs typeface="Times New Roman" panose="02020603050405020304" pitchFamily="18" charset="0"/>
+              </a:rPr>
+              <a:t>pagina</a:t>
+            </a:r>
+            <a:r>
+              <a:rPr lang="en-US" sz="1200" dirty="0">
+                <a:latin typeface="Times New Roman" panose="02020603050405020304" pitchFamily="18" charset="0"/>
+                <a:cs typeface="Times New Roman" panose="02020603050405020304" pitchFamily="18" charset="0"/>
+              </a:rPr>
+              <a:t> web;</a:t>
+            </a:r>
+          </a:p>
+          <a:p>
+            <a:r>
+              <a:rPr lang="en-US" sz="1200" dirty="0" err="1">
+                <a:latin typeface="Times New Roman" panose="02020603050405020304" pitchFamily="18" charset="0"/>
+                <a:cs typeface="Times New Roman" panose="02020603050405020304" pitchFamily="18" charset="0"/>
+              </a:rPr>
+              <a:t>identifică</a:t>
+            </a:r>
+            <a:r>
+              <a:rPr lang="en-US" sz="1200" dirty="0">
+                <a:latin typeface="Times New Roman" panose="02020603050405020304" pitchFamily="18" charset="0"/>
+                <a:cs typeface="Times New Roman" panose="02020603050405020304" pitchFamily="18" charset="0"/>
+              </a:rPr>
+              <a:t> </a:t>
+            </a:r>
+            <a:r>
+              <a:rPr lang="en-US" sz="1200" dirty="0" err="1">
+                <a:latin typeface="Times New Roman" panose="02020603050405020304" pitchFamily="18" charset="0"/>
+                <a:cs typeface="Times New Roman" panose="02020603050405020304" pitchFamily="18" charset="0"/>
+              </a:rPr>
+              <a:t>și</a:t>
+            </a:r>
+            <a:r>
+              <a:rPr lang="en-US" sz="1200" dirty="0">
+                <a:latin typeface="Times New Roman" panose="02020603050405020304" pitchFamily="18" charset="0"/>
+                <a:cs typeface="Times New Roman" panose="02020603050405020304" pitchFamily="18" charset="0"/>
+              </a:rPr>
+              <a:t> </a:t>
+            </a:r>
+            <a:r>
+              <a:rPr lang="en-US" sz="1200" dirty="0" err="1">
+                <a:latin typeface="Times New Roman" panose="02020603050405020304" pitchFamily="18" charset="0"/>
+                <a:cs typeface="Times New Roman" panose="02020603050405020304" pitchFamily="18" charset="0"/>
+              </a:rPr>
+              <a:t>extrage</a:t>
+            </a:r>
+            <a:r>
+              <a:rPr lang="en-US" sz="1200" dirty="0">
+                <a:latin typeface="Times New Roman" panose="02020603050405020304" pitchFamily="18" charset="0"/>
+                <a:cs typeface="Times New Roman" panose="02020603050405020304" pitchFamily="18" charset="0"/>
+              </a:rPr>
+              <a:t> </a:t>
+            </a:r>
+            <a:r>
+              <a:rPr lang="en-US" sz="1200" dirty="0" err="1">
+                <a:latin typeface="Times New Roman" panose="02020603050405020304" pitchFamily="18" charset="0"/>
+                <a:cs typeface="Times New Roman" panose="02020603050405020304" pitchFamily="18" charset="0"/>
+              </a:rPr>
+              <a:t>datele</a:t>
+            </a:r>
+            <a:r>
+              <a:rPr lang="en-US" sz="1200" dirty="0">
+                <a:latin typeface="Times New Roman" panose="02020603050405020304" pitchFamily="18" charset="0"/>
+                <a:cs typeface="Times New Roman" panose="02020603050405020304" pitchFamily="18" charset="0"/>
+              </a:rPr>
+              <a:t> </a:t>
+            </a:r>
+            <a:r>
+              <a:rPr lang="en-US" sz="1200" dirty="0" err="1">
+                <a:latin typeface="Times New Roman" panose="02020603050405020304" pitchFamily="18" charset="0"/>
+                <a:cs typeface="Times New Roman" panose="02020603050405020304" pitchFamily="18" charset="0"/>
+              </a:rPr>
+              <a:t>folosind</a:t>
+            </a:r>
+            <a:r>
+              <a:rPr lang="en-US" sz="1200" dirty="0">
+                <a:latin typeface="Times New Roman" panose="02020603050405020304" pitchFamily="18" charset="0"/>
+                <a:cs typeface="Times New Roman" panose="02020603050405020304" pitchFamily="18" charset="0"/>
+              </a:rPr>
+              <a:t> </a:t>
+            </a:r>
+            <a:r>
+              <a:rPr lang="en-US" sz="1200" b="1" dirty="0">
+                <a:latin typeface="Times New Roman" panose="02020603050405020304" pitchFamily="18" charset="0"/>
+                <a:cs typeface="Times New Roman" panose="02020603050405020304" pitchFamily="18" charset="0"/>
+              </a:rPr>
+              <a:t>tag-</a:t>
+            </a:r>
+            <a:r>
+              <a:rPr lang="en-US" sz="1200" b="1" dirty="0" err="1">
+                <a:latin typeface="Times New Roman" panose="02020603050405020304" pitchFamily="18" charset="0"/>
+                <a:cs typeface="Times New Roman" panose="02020603050405020304" pitchFamily="18" charset="0"/>
+              </a:rPr>
+              <a:t>uri</a:t>
+            </a:r>
+            <a:r>
+              <a:rPr lang="en-US" sz="1200" b="1" dirty="0">
+                <a:latin typeface="Times New Roman" panose="02020603050405020304" pitchFamily="18" charset="0"/>
+                <a:cs typeface="Times New Roman" panose="02020603050405020304" pitchFamily="18" charset="0"/>
+              </a:rPr>
+              <a:t> HTML</a:t>
+            </a:r>
+            <a:r>
+              <a:rPr lang="en-US" sz="1200" dirty="0">
+                <a:latin typeface="Times New Roman" panose="02020603050405020304" pitchFamily="18" charset="0"/>
+                <a:cs typeface="Times New Roman" panose="02020603050405020304" pitchFamily="18" charset="0"/>
+              </a:rPr>
+              <a:t>, </a:t>
+            </a:r>
+            <a:r>
+              <a:rPr lang="en-US" sz="1200" b="1" dirty="0">
+                <a:latin typeface="Times New Roman" panose="02020603050405020304" pitchFamily="18" charset="0"/>
+                <a:cs typeface="Times New Roman" panose="02020603050405020304" pitchFamily="18" charset="0"/>
+              </a:rPr>
+              <a:t>Regex</a:t>
+            </a:r>
+            <a:r>
+              <a:rPr lang="en-US" sz="1200" dirty="0">
+                <a:latin typeface="Times New Roman" panose="02020603050405020304" pitchFamily="18" charset="0"/>
+                <a:cs typeface="Times New Roman" panose="02020603050405020304" pitchFamily="18" charset="0"/>
+              </a:rPr>
+              <a:t> </a:t>
+            </a:r>
+            <a:r>
+              <a:rPr lang="en-US" sz="1200" dirty="0" err="1">
+                <a:latin typeface="Times New Roman" panose="02020603050405020304" pitchFamily="18" charset="0"/>
+                <a:cs typeface="Times New Roman" panose="02020603050405020304" pitchFamily="18" charset="0"/>
+              </a:rPr>
+              <a:t>sau</a:t>
+            </a:r>
+            <a:r>
+              <a:rPr lang="en-US" sz="1200" dirty="0">
+                <a:latin typeface="Times New Roman" panose="02020603050405020304" pitchFamily="18" charset="0"/>
+                <a:cs typeface="Times New Roman" panose="02020603050405020304" pitchFamily="18" charset="0"/>
+              </a:rPr>
+              <a:t> </a:t>
+            </a:r>
+            <a:r>
+              <a:rPr lang="en-US" sz="1200" b="1" dirty="0" err="1">
+                <a:latin typeface="Times New Roman" panose="02020603050405020304" pitchFamily="18" charset="0"/>
+                <a:cs typeface="Times New Roman" panose="02020603050405020304" pitchFamily="18" charset="0"/>
+              </a:rPr>
+              <a:t>selectorii</a:t>
+            </a:r>
+            <a:r>
+              <a:rPr lang="en-US" sz="1200" b="1" dirty="0">
+                <a:latin typeface="Times New Roman" panose="02020603050405020304" pitchFamily="18" charset="0"/>
+                <a:cs typeface="Times New Roman" panose="02020603050405020304" pitchFamily="18" charset="0"/>
+              </a:rPr>
+              <a:t> DOM</a:t>
+            </a:r>
+            <a:r>
+              <a:rPr lang="en-US" sz="1200" dirty="0">
+                <a:latin typeface="Times New Roman" panose="02020603050405020304" pitchFamily="18" charset="0"/>
+                <a:cs typeface="Times New Roman" panose="02020603050405020304" pitchFamily="18" charset="0"/>
+              </a:rPr>
+              <a:t>;</a:t>
+            </a:r>
+          </a:p>
+          <a:p>
+            <a:r>
+              <a:rPr lang="en-US" sz="1200" dirty="0" err="1">
+                <a:latin typeface="Times New Roman" panose="02020603050405020304" pitchFamily="18" charset="0"/>
+                <a:cs typeface="Times New Roman" panose="02020603050405020304" pitchFamily="18" charset="0"/>
+              </a:rPr>
+              <a:t>salvează</a:t>
+            </a:r>
+            <a:r>
+              <a:rPr lang="en-US" sz="1200" dirty="0">
+                <a:latin typeface="Times New Roman" panose="02020603050405020304" pitchFamily="18" charset="0"/>
+                <a:cs typeface="Times New Roman" panose="02020603050405020304" pitchFamily="18" charset="0"/>
+              </a:rPr>
+              <a:t> </a:t>
+            </a:r>
+            <a:r>
+              <a:rPr lang="en-US" sz="1200" dirty="0" err="1">
+                <a:latin typeface="Times New Roman" panose="02020603050405020304" pitchFamily="18" charset="0"/>
+                <a:cs typeface="Times New Roman" panose="02020603050405020304" pitchFamily="18" charset="0"/>
+              </a:rPr>
+              <a:t>rezultatele</a:t>
+            </a:r>
+            <a:r>
+              <a:rPr lang="en-US" sz="1200" dirty="0">
+                <a:latin typeface="Times New Roman" panose="02020603050405020304" pitchFamily="18" charset="0"/>
+                <a:cs typeface="Times New Roman" panose="02020603050405020304" pitchFamily="18" charset="0"/>
+              </a:rPr>
+              <a:t> </a:t>
+            </a:r>
+            <a:r>
+              <a:rPr lang="en-US" sz="1200" dirty="0" err="1">
+                <a:latin typeface="Times New Roman" panose="02020603050405020304" pitchFamily="18" charset="0"/>
+                <a:cs typeface="Times New Roman" panose="02020603050405020304" pitchFamily="18" charset="0"/>
+              </a:rPr>
               <a:t>în</a:t>
             </a:r>
             <a:r>
-              <a:rPr lang="en-US" dirty="0"/>
-              <a:t> care </a:t>
-            </a:r>
-            <a:r>
-              <a:rPr lang="en-US" b="1" dirty="0"/>
-              <a:t>un program (script)</a:t>
-            </a:r>
-            <a:r>
-              <a:rPr lang="en-US" dirty="0"/>
-              <a:t> face </a:t>
-            </a:r>
-            <a:r>
-              <a:rPr lang="en-US" dirty="0" err="1"/>
-              <a:t>toată</a:t>
-            </a:r>
-            <a:r>
-              <a:rPr lang="en-US" dirty="0"/>
-              <a:t> </a:t>
-            </a:r>
-            <a:r>
-              <a:rPr lang="en-US" dirty="0" err="1"/>
-              <a:t>munca</a:t>
-            </a:r>
-            <a:r>
-              <a:rPr lang="en-US" dirty="0"/>
-              <a:t>: </a:t>
-            </a:r>
-            <a:r>
-              <a:rPr lang="en-US" dirty="0" err="1"/>
-              <a:t>accesează</a:t>
-            </a:r>
-            <a:r>
-              <a:rPr lang="en-US" dirty="0"/>
-              <a:t> </a:t>
-            </a:r>
-            <a:r>
-              <a:rPr lang="en-US" dirty="0" err="1"/>
-              <a:t>pagini</a:t>
-            </a:r>
-            <a:r>
-              <a:rPr lang="en-US" dirty="0"/>
-              <a:t>, </a:t>
-            </a:r>
-            <a:r>
-              <a:rPr lang="en-US" dirty="0" err="1"/>
-              <a:t>citește</a:t>
-            </a:r>
-            <a:r>
-              <a:rPr lang="en-US" dirty="0"/>
-              <a:t> </a:t>
-            </a:r>
-            <a:r>
-              <a:rPr lang="en-US" dirty="0" err="1"/>
-              <a:t>codul</a:t>
-            </a:r>
-            <a:r>
-              <a:rPr lang="en-US" dirty="0"/>
-              <a:t> HTML, </a:t>
-            </a:r>
-            <a:r>
-              <a:rPr lang="en-US" dirty="0" err="1"/>
-              <a:t>extrage</a:t>
-            </a:r>
-            <a:r>
-              <a:rPr lang="en-US" dirty="0"/>
-              <a:t> </a:t>
-            </a:r>
-            <a:r>
-              <a:rPr lang="en-US" dirty="0" err="1"/>
-              <a:t>textul</a:t>
-            </a:r>
-            <a:r>
-              <a:rPr lang="en-US" dirty="0"/>
-              <a:t> relevant </a:t>
-            </a:r>
-            <a:r>
-              <a:rPr lang="en-US" dirty="0" err="1"/>
+              <a:rPr lang="en-US" sz="1200" dirty="0">
+                <a:latin typeface="Times New Roman" panose="02020603050405020304" pitchFamily="18" charset="0"/>
+                <a:cs typeface="Times New Roman" panose="02020603050405020304" pitchFamily="18" charset="0"/>
+              </a:rPr>
+              <a:t> CSV, JSON, XML etc.</a:t>
+            </a:r>
+          </a:p>
+          <a:p>
+            <a:pPr marL="0" indent="0">
+              <a:buNone/>
+            </a:pPr>
+            <a:br>
+              <a:rPr lang="en-US" sz="1200" dirty="0">
+                <a:latin typeface="Times New Roman" panose="02020603050405020304" pitchFamily="18" charset="0"/>
+                <a:cs typeface="Times New Roman" panose="02020603050405020304" pitchFamily="18" charset="0"/>
+              </a:rPr>
+            </a:br>
+            <a:endParaRPr lang="en-US" sz="1200" dirty="0">
+              <a:latin typeface="Times New Roman" panose="02020603050405020304" pitchFamily="18" charset="0"/>
+              <a:cs typeface="Times New Roman" panose="02020603050405020304" pitchFamily="18" charset="0"/>
+            </a:endParaRPr>
+          </a:p>
+          <a:p>
+            <a:pPr marL="0" indent="0">
+              <a:buNone/>
+            </a:pPr>
+            <a:r>
+              <a:rPr lang="en-US" sz="1200" i="1" dirty="0" err="1">
+                <a:latin typeface="Times New Roman" panose="02020603050405020304" pitchFamily="18" charset="0"/>
+                <a:cs typeface="Times New Roman" panose="02020603050405020304" pitchFamily="18" charset="0"/>
+              </a:rPr>
+              <a:t>Avantaj</a:t>
+            </a:r>
+            <a:r>
+              <a:rPr lang="en-US" sz="1200" i="1" dirty="0">
+                <a:latin typeface="Times New Roman" panose="02020603050405020304" pitchFamily="18" charset="0"/>
+                <a:cs typeface="Times New Roman" panose="02020603050405020304" pitchFamily="18" charset="0"/>
+              </a:rPr>
+              <a:t>:</a:t>
+            </a:r>
+            <a:r>
+              <a:rPr lang="en-US" sz="1200" dirty="0">
+                <a:latin typeface="Times New Roman" panose="02020603050405020304" pitchFamily="18" charset="0"/>
+                <a:cs typeface="Times New Roman" panose="02020603050405020304" pitchFamily="18" charset="0"/>
+              </a:rPr>
+              <a:t> Rapid, automat, </a:t>
+            </a:r>
+            <a:r>
+              <a:rPr lang="en-US" sz="1200" dirty="0" err="1">
+                <a:latin typeface="Times New Roman" panose="02020603050405020304" pitchFamily="18" charset="0"/>
+                <a:cs typeface="Times New Roman" panose="02020603050405020304" pitchFamily="18" charset="0"/>
+              </a:rPr>
+              <a:t>poate</a:t>
+            </a:r>
+            <a:r>
+              <a:rPr lang="en-US" sz="1200" dirty="0">
+                <a:latin typeface="Times New Roman" panose="02020603050405020304" pitchFamily="18" charset="0"/>
+                <a:cs typeface="Times New Roman" panose="02020603050405020304" pitchFamily="18" charset="0"/>
+              </a:rPr>
+              <a:t> </a:t>
+            </a:r>
+            <a:r>
+              <a:rPr lang="en-US" sz="1200" dirty="0" err="1">
+                <a:latin typeface="Times New Roman" panose="02020603050405020304" pitchFamily="18" charset="0"/>
+                <a:cs typeface="Times New Roman" panose="02020603050405020304" pitchFamily="18" charset="0"/>
+              </a:rPr>
+              <a:t>colecta</a:t>
+            </a:r>
+            <a:r>
+              <a:rPr lang="en-US" sz="1200" dirty="0">
+                <a:latin typeface="Times New Roman" panose="02020603050405020304" pitchFamily="18" charset="0"/>
+                <a:cs typeface="Times New Roman" panose="02020603050405020304" pitchFamily="18" charset="0"/>
+              </a:rPr>
+              <a:t> mii de date </a:t>
+            </a:r>
+            <a:r>
+              <a:rPr lang="en-US" sz="1200" dirty="0" err="1">
+                <a:latin typeface="Times New Roman" panose="02020603050405020304" pitchFamily="18" charset="0"/>
+                <a:cs typeface="Times New Roman" panose="02020603050405020304" pitchFamily="18" charset="0"/>
+              </a:rPr>
+              <a:t>fără</a:t>
+            </a:r>
+            <a:r>
+              <a:rPr lang="en-US" sz="1200" dirty="0">
+                <a:latin typeface="Times New Roman" panose="02020603050405020304" pitchFamily="18" charset="0"/>
+                <a:cs typeface="Times New Roman" panose="02020603050405020304" pitchFamily="18" charset="0"/>
+              </a:rPr>
+              <a:t> </a:t>
+            </a:r>
+            <a:r>
+              <a:rPr lang="en-US" sz="1200" dirty="0" err="1">
+                <a:latin typeface="Times New Roman" panose="02020603050405020304" pitchFamily="18" charset="0"/>
+                <a:cs typeface="Times New Roman" panose="02020603050405020304" pitchFamily="18" charset="0"/>
+              </a:rPr>
+              <a:t>intervenție</a:t>
+            </a:r>
+            <a:r>
+              <a:rPr lang="en-US" sz="1200" dirty="0">
+                <a:latin typeface="Times New Roman" panose="02020603050405020304" pitchFamily="18" charset="0"/>
+                <a:cs typeface="Times New Roman" panose="02020603050405020304" pitchFamily="18" charset="0"/>
+              </a:rPr>
+              <a:t> </a:t>
+            </a:r>
+            <a:r>
+              <a:rPr lang="en-US" sz="1200" dirty="0" err="1">
+                <a:latin typeface="Times New Roman" panose="02020603050405020304" pitchFamily="18" charset="0"/>
+                <a:cs typeface="Times New Roman" panose="02020603050405020304" pitchFamily="18" charset="0"/>
+              </a:rPr>
+              <a:t>manuală</a:t>
+            </a:r>
+            <a:r>
+              <a:rPr lang="en-US" sz="1200" dirty="0">
+                <a:latin typeface="Times New Roman" panose="02020603050405020304" pitchFamily="18" charset="0"/>
+                <a:cs typeface="Times New Roman" panose="02020603050405020304" pitchFamily="18" charset="0"/>
+              </a:rPr>
+              <a:t>.</a:t>
+            </a:r>
+          </a:p>
+          <a:p>
+            <a:pPr marL="0" indent="0">
+              <a:buNone/>
+            </a:pPr>
+            <a:r>
+              <a:rPr lang="en-US" sz="1200" i="1" dirty="0" err="1">
+                <a:latin typeface="Times New Roman" panose="02020603050405020304" pitchFamily="18" charset="0"/>
+                <a:cs typeface="Times New Roman" panose="02020603050405020304" pitchFamily="18" charset="0"/>
+              </a:rPr>
+              <a:t>Dezavantaj</a:t>
+            </a:r>
+            <a:r>
+              <a:rPr lang="en-US" sz="1200" i="1" dirty="0">
+                <a:latin typeface="Times New Roman" panose="02020603050405020304" pitchFamily="18" charset="0"/>
+                <a:cs typeface="Times New Roman" panose="02020603050405020304" pitchFamily="18" charset="0"/>
+              </a:rPr>
+              <a:t>:</a:t>
+            </a:r>
+            <a:r>
+              <a:rPr lang="en-US" sz="1200" dirty="0">
+                <a:latin typeface="Times New Roman" panose="02020603050405020304" pitchFamily="18" charset="0"/>
+                <a:cs typeface="Times New Roman" panose="02020603050405020304" pitchFamily="18" charset="0"/>
+              </a:rPr>
+              <a:t> </a:t>
+            </a:r>
+            <a:r>
+              <a:rPr lang="en-US" sz="1200" dirty="0" err="1">
+                <a:latin typeface="Times New Roman" panose="02020603050405020304" pitchFamily="18" charset="0"/>
+                <a:cs typeface="Times New Roman" panose="02020603050405020304" pitchFamily="18" charset="0"/>
+              </a:rPr>
+              <a:t>Necesită</a:t>
+            </a:r>
+            <a:r>
+              <a:rPr lang="en-US" sz="1200" dirty="0">
+                <a:latin typeface="Times New Roman" panose="02020603050405020304" pitchFamily="18" charset="0"/>
+                <a:cs typeface="Times New Roman" panose="02020603050405020304" pitchFamily="18" charset="0"/>
+              </a:rPr>
+              <a:t> </a:t>
+            </a:r>
+            <a:r>
+              <a:rPr lang="en-US" sz="1200" dirty="0" err="1">
+                <a:latin typeface="Times New Roman" panose="02020603050405020304" pitchFamily="18" charset="0"/>
+                <a:cs typeface="Times New Roman" panose="02020603050405020304" pitchFamily="18" charset="0"/>
+              </a:rPr>
+              <a:t>cunoștințe</a:t>
+            </a:r>
+            <a:r>
+              <a:rPr lang="en-US" sz="1200" dirty="0">
+                <a:latin typeface="Times New Roman" panose="02020603050405020304" pitchFamily="18" charset="0"/>
+                <a:cs typeface="Times New Roman" panose="02020603050405020304" pitchFamily="18" charset="0"/>
+              </a:rPr>
+              <a:t> </a:t>
+            </a:r>
+            <a:r>
+              <a:rPr lang="en-US" sz="1200" dirty="0" err="1">
+                <a:latin typeface="Times New Roman" panose="02020603050405020304" pitchFamily="18" charset="0"/>
+                <a:cs typeface="Times New Roman" panose="02020603050405020304" pitchFamily="18" charset="0"/>
+              </a:rPr>
+              <a:t>tehnice</a:t>
+            </a:r>
+            <a:r>
+              <a:rPr lang="en-US" sz="1200" dirty="0">
+                <a:latin typeface="Times New Roman" panose="02020603050405020304" pitchFamily="18" charset="0"/>
+                <a:cs typeface="Times New Roman" panose="02020603050405020304" pitchFamily="18" charset="0"/>
+              </a:rPr>
+              <a:t> </a:t>
+            </a:r>
+            <a:r>
+              <a:rPr lang="en-US" sz="1200" dirty="0" err="1">
+                <a:latin typeface="Times New Roman" panose="02020603050405020304" pitchFamily="18" charset="0"/>
+                <a:cs typeface="Times New Roman" panose="02020603050405020304" pitchFamily="18" charset="0"/>
+              </a:rPr>
               <a:t>și</a:t>
             </a:r>
             <a:r>
-              <a:rPr lang="en-US" dirty="0"/>
-              <a:t> </a:t>
-            </a:r>
-            <a:r>
-              <a:rPr lang="en-US" dirty="0" err="1"/>
-              <a:t>salvează</a:t>
-            </a:r>
-            <a:r>
-              <a:rPr lang="en-US" dirty="0"/>
-              <a:t> </a:t>
-            </a:r>
-            <a:r>
-              <a:rPr lang="en-US" dirty="0" err="1"/>
-              <a:t>datele</a:t>
-            </a:r>
-            <a:r>
-              <a:rPr lang="en-US" dirty="0"/>
-              <a:t> </a:t>
-            </a:r>
-            <a:r>
-              <a:rPr lang="en-US" dirty="0" err="1"/>
-              <a:t>într</a:t>
-            </a:r>
-            <a:r>
-              <a:rPr lang="en-US" dirty="0"/>
-              <a:t>-un format </a:t>
-            </a:r>
-            <a:r>
-              <a:rPr lang="en-US" dirty="0" err="1"/>
-              <a:t>structurat</a:t>
-            </a:r>
-            <a:r>
-              <a:rPr lang="en-US" dirty="0"/>
-              <a:t>.</a:t>
-            </a:r>
-          </a:p>
-          <a:p>
-            <a:br>
-              <a:rPr lang="en-US" dirty="0"/>
-            </a:br>
-            <a:endParaRPr lang="en-US" dirty="0"/>
-          </a:p>
-          <a:p>
-            <a:r>
-              <a:rPr lang="en-US" b="1" dirty="0" err="1"/>
-              <a:t>Exemple</a:t>
-            </a:r>
-            <a:r>
-              <a:rPr lang="en-US" b="1" dirty="0"/>
-              <a:t>:</a:t>
-            </a:r>
-          </a:p>
-          <a:p>
-            <a:pPr>
-              <a:buFont typeface="Arial" panose="020B0604020202020204" pitchFamily="34" charset="0"/>
-              <a:buChar char="•"/>
-            </a:pPr>
-            <a:r>
-              <a:rPr lang="en-US" dirty="0" err="1"/>
-              <a:t>Folosirea</a:t>
-            </a:r>
-            <a:r>
-              <a:rPr lang="en-US" dirty="0"/>
-              <a:t> </a:t>
-            </a:r>
-            <a:r>
-              <a:rPr lang="en-US" dirty="0" err="1"/>
-              <a:t>unor</a:t>
-            </a:r>
-            <a:r>
-              <a:rPr lang="en-US" dirty="0"/>
-              <a:t> </a:t>
-            </a:r>
-            <a:r>
-              <a:rPr lang="en-US" dirty="0" err="1"/>
-              <a:t>biblioteci</a:t>
-            </a:r>
-            <a:r>
-              <a:rPr lang="en-US" dirty="0"/>
-              <a:t> </a:t>
-            </a:r>
-            <a:r>
-              <a:rPr lang="en-US" dirty="0" err="1"/>
-              <a:t>și</a:t>
-            </a:r>
-            <a:r>
-              <a:rPr lang="en-US" dirty="0"/>
-              <a:t> framework-</a:t>
-            </a:r>
-            <a:r>
-              <a:rPr lang="en-US" dirty="0" err="1"/>
-              <a:t>uri</a:t>
-            </a:r>
-            <a:r>
-              <a:rPr lang="en-US" dirty="0"/>
-              <a:t> precum:</a:t>
-            </a:r>
-          </a:p>
-          <a:p>
-            <a:pPr>
-              <a:buFont typeface="Arial" panose="020B0604020202020204" pitchFamily="34" charset="0"/>
-              <a:buChar char="•"/>
-            </a:pPr>
-            <a:r>
-              <a:rPr lang="en-US" b="1" dirty="0"/>
-              <a:t>Puppeteer</a:t>
-            </a:r>
-            <a:r>
-              <a:rPr lang="en-US" dirty="0"/>
-              <a:t> (</a:t>
-            </a:r>
-            <a:r>
-              <a:rPr lang="en-US" dirty="0" err="1"/>
-              <a:t>simulează</a:t>
-            </a:r>
-            <a:r>
-              <a:rPr lang="en-US" dirty="0"/>
-              <a:t> un browser real, </a:t>
-            </a:r>
-            <a:r>
-              <a:rPr lang="en-US" dirty="0" err="1"/>
-              <a:t>execută</a:t>
-            </a:r>
-            <a:r>
-              <a:rPr lang="en-US" dirty="0"/>
-              <a:t> JavaScript),</a:t>
-            </a:r>
-          </a:p>
-          <a:p>
-            <a:pPr>
-              <a:buFont typeface="Arial" panose="020B0604020202020204" pitchFamily="34" charset="0"/>
-              <a:buChar char="•"/>
-            </a:pPr>
-            <a:r>
-              <a:rPr lang="en-US" b="1" dirty="0"/>
-              <a:t>Cheerio</a:t>
-            </a:r>
-            <a:r>
-              <a:rPr lang="en-US" dirty="0"/>
-              <a:t> (</a:t>
-            </a:r>
-            <a:r>
-              <a:rPr lang="en-US" dirty="0" err="1"/>
-              <a:t>analizează</a:t>
-            </a:r>
-            <a:r>
-              <a:rPr lang="en-US" dirty="0"/>
-              <a:t> direct </a:t>
-            </a:r>
-            <a:r>
-              <a:rPr lang="en-US" dirty="0" err="1"/>
-              <a:t>codul</a:t>
-            </a:r>
-            <a:r>
-              <a:rPr lang="en-US" dirty="0"/>
-              <a:t> HTML),</a:t>
-            </a:r>
-          </a:p>
-          <a:p>
-            <a:pPr>
-              <a:buFont typeface="Arial" panose="020B0604020202020204" pitchFamily="34" charset="0"/>
-              <a:buChar char="•"/>
-            </a:pPr>
-            <a:r>
-              <a:rPr lang="en-US" b="1" dirty="0" err="1"/>
-              <a:t>Axios</a:t>
-            </a:r>
-            <a:r>
-              <a:rPr lang="en-US" dirty="0"/>
-              <a:t> </a:t>
-            </a:r>
-            <a:r>
-              <a:rPr lang="en-US" dirty="0" err="1"/>
-              <a:t>sau</a:t>
-            </a:r>
-            <a:r>
-              <a:rPr lang="en-US" dirty="0"/>
-              <a:t> </a:t>
-            </a:r>
-            <a:r>
-              <a:rPr lang="en-US" b="1" dirty="0"/>
-              <a:t>node-fetch</a:t>
-            </a:r>
-            <a:r>
-              <a:rPr lang="en-US" dirty="0"/>
-              <a:t> (</a:t>
-            </a:r>
-            <a:r>
-              <a:rPr lang="en-US" dirty="0" err="1"/>
-              <a:t>pentru</a:t>
-            </a:r>
-            <a:r>
-              <a:rPr lang="en-US" dirty="0"/>
-              <a:t> </a:t>
-            </a:r>
-            <a:r>
-              <a:rPr lang="en-US" dirty="0" err="1"/>
-              <a:t>cereri</a:t>
-            </a:r>
-            <a:r>
-              <a:rPr lang="en-US" dirty="0"/>
-              <a:t> HTTP/S).</a:t>
-            </a:r>
-          </a:p>
-          <a:p>
-            <a:pPr>
-              <a:buFont typeface="Arial" panose="020B0604020202020204" pitchFamily="34" charset="0"/>
-              <a:buChar char="•"/>
-            </a:pPr>
-            <a:r>
-              <a:rPr lang="en-US" dirty="0" err="1"/>
-              <a:t>Scrierea</a:t>
-            </a:r>
-            <a:r>
-              <a:rPr lang="en-US" dirty="0"/>
-              <a:t> de cod care:</a:t>
-            </a:r>
-          </a:p>
-          <a:p>
-            <a:pPr>
-              <a:buFont typeface="Arial" panose="020B0604020202020204" pitchFamily="34" charset="0"/>
-              <a:buChar char="•"/>
-            </a:pPr>
-            <a:r>
-              <a:rPr lang="en-US" dirty="0" err="1"/>
-              <a:t>accesează</a:t>
-            </a:r>
-            <a:r>
-              <a:rPr lang="en-US" dirty="0"/>
-              <a:t> un URL;</a:t>
-            </a:r>
-          </a:p>
-          <a:p>
-            <a:pPr>
-              <a:buFont typeface="Arial" panose="020B0604020202020204" pitchFamily="34" charset="0"/>
-              <a:buChar char="•"/>
-            </a:pPr>
-            <a:r>
-              <a:rPr lang="en-US" dirty="0" err="1"/>
-              <a:t>descarcă</a:t>
-            </a:r>
-            <a:r>
-              <a:rPr lang="en-US" dirty="0"/>
-              <a:t> </a:t>
-            </a:r>
-            <a:r>
-              <a:rPr lang="en-US" dirty="0" err="1"/>
-              <a:t>pagina</a:t>
-            </a:r>
-            <a:r>
-              <a:rPr lang="en-US" dirty="0"/>
-              <a:t> web;</a:t>
-            </a:r>
-          </a:p>
-          <a:p>
-            <a:pPr>
-              <a:buFont typeface="Arial" panose="020B0604020202020204" pitchFamily="34" charset="0"/>
-              <a:buChar char="•"/>
-            </a:pPr>
-            <a:r>
-              <a:rPr lang="en-US" dirty="0" err="1"/>
-              <a:t>identifică</a:t>
-            </a:r>
-            <a:r>
-              <a:rPr lang="en-US" dirty="0"/>
-              <a:t> </a:t>
-            </a:r>
-            <a:r>
-              <a:rPr lang="en-US" dirty="0" err="1"/>
-              <a:t>și</a:t>
-            </a:r>
-            <a:r>
-              <a:rPr lang="en-US" dirty="0"/>
-              <a:t> </a:t>
-            </a:r>
-            <a:r>
-              <a:rPr lang="en-US" dirty="0" err="1"/>
-              <a:t>extrage</a:t>
-            </a:r>
-            <a:r>
-              <a:rPr lang="en-US" dirty="0"/>
-              <a:t> </a:t>
-            </a:r>
-            <a:r>
-              <a:rPr lang="en-US" dirty="0" err="1"/>
-              <a:t>datele</a:t>
-            </a:r>
-            <a:r>
-              <a:rPr lang="en-US" dirty="0"/>
-              <a:t> </a:t>
-            </a:r>
-            <a:r>
-              <a:rPr lang="en-US" dirty="0" err="1"/>
-              <a:t>folosind</a:t>
-            </a:r>
-            <a:r>
-              <a:rPr lang="en-US" dirty="0"/>
-              <a:t> </a:t>
-            </a:r>
-            <a:r>
-              <a:rPr lang="en-US" b="1" dirty="0"/>
-              <a:t>tag-</a:t>
-            </a:r>
-            <a:r>
-              <a:rPr lang="en-US" b="1" dirty="0" err="1"/>
-              <a:t>uri</a:t>
-            </a:r>
-            <a:r>
-              <a:rPr lang="en-US" b="1" dirty="0"/>
-              <a:t> HTML</a:t>
-            </a:r>
-            <a:r>
-              <a:rPr lang="en-US" dirty="0"/>
-              <a:t>, </a:t>
-            </a:r>
-            <a:r>
-              <a:rPr lang="en-US" b="1" dirty="0"/>
-              <a:t>Regex</a:t>
-            </a:r>
-            <a:r>
-              <a:rPr lang="en-US" dirty="0"/>
-              <a:t> </a:t>
-            </a:r>
-            <a:r>
-              <a:rPr lang="en-US" dirty="0" err="1"/>
-              <a:t>sau</a:t>
-            </a:r>
-            <a:r>
-              <a:rPr lang="en-US" dirty="0"/>
-              <a:t> </a:t>
-            </a:r>
-            <a:r>
-              <a:rPr lang="en-US" b="1" dirty="0" err="1"/>
-              <a:t>selectorii</a:t>
-            </a:r>
-            <a:r>
-              <a:rPr lang="en-US" b="1" dirty="0"/>
-              <a:t> DOM</a:t>
-            </a:r>
-            <a:r>
-              <a:rPr lang="en-US" dirty="0"/>
-              <a:t>;</a:t>
-            </a:r>
-          </a:p>
-          <a:p>
-            <a:pPr>
-              <a:buFont typeface="Arial" panose="020B0604020202020204" pitchFamily="34" charset="0"/>
-              <a:buChar char="•"/>
-            </a:pPr>
-            <a:r>
-              <a:rPr lang="en-US" dirty="0" err="1"/>
-              <a:t>salvează</a:t>
-            </a:r>
-            <a:r>
-              <a:rPr lang="en-US" dirty="0"/>
-              <a:t> </a:t>
-            </a:r>
-            <a:r>
-              <a:rPr lang="en-US" dirty="0" err="1"/>
-              <a:t>rezultatele</a:t>
-            </a:r>
-            <a:r>
-              <a:rPr lang="en-US" dirty="0"/>
-              <a:t> </a:t>
-            </a:r>
-            <a:r>
-              <a:rPr lang="en-US" dirty="0" err="1"/>
-              <a:t>în</a:t>
-            </a:r>
-            <a:r>
-              <a:rPr lang="en-US" dirty="0"/>
-              <a:t> CSV, JSON, XML etc.</a:t>
-            </a:r>
-          </a:p>
-          <a:p>
-            <a:br>
-              <a:rPr lang="en-US" dirty="0"/>
-            </a:br>
-            <a:endParaRPr lang="en-US" dirty="0"/>
-          </a:p>
-          <a:p>
-            <a:r>
-              <a:rPr lang="en-US" i="1" dirty="0" err="1"/>
-              <a:t>Avantaj</a:t>
-            </a:r>
-            <a:r>
-              <a:rPr lang="en-US" i="1" dirty="0"/>
-              <a:t>:</a:t>
-            </a:r>
-            <a:r>
-              <a:rPr lang="en-US" dirty="0"/>
-              <a:t> Rapid, automat, </a:t>
-            </a:r>
-            <a:r>
-              <a:rPr lang="en-US" dirty="0" err="1"/>
-              <a:t>poate</a:t>
-            </a:r>
-            <a:r>
-              <a:rPr lang="en-US" dirty="0"/>
-              <a:t> </a:t>
-            </a:r>
-            <a:r>
-              <a:rPr lang="en-US" dirty="0" err="1"/>
-              <a:t>colecta</a:t>
-            </a:r>
-            <a:r>
-              <a:rPr lang="en-US" dirty="0"/>
-              <a:t> mii de date </a:t>
-            </a:r>
-            <a:r>
-              <a:rPr lang="en-US" dirty="0" err="1"/>
-              <a:t>fără</a:t>
-            </a:r>
-            <a:r>
-              <a:rPr lang="en-US" dirty="0"/>
-              <a:t> </a:t>
-            </a:r>
-            <a:r>
-              <a:rPr lang="en-US" dirty="0" err="1"/>
-              <a:t>intervenție</a:t>
-            </a:r>
-            <a:r>
-              <a:rPr lang="en-US" dirty="0"/>
-              <a:t> </a:t>
-            </a:r>
-            <a:r>
-              <a:rPr lang="en-US" dirty="0" err="1"/>
-              <a:t>manuală</a:t>
-            </a:r>
-            <a:r>
-              <a:rPr lang="en-US" dirty="0"/>
-              <a:t>.</a:t>
-            </a:r>
-          </a:p>
-          <a:p>
-            <a:r>
-              <a:rPr lang="en-US" i="1" dirty="0" err="1"/>
-              <a:t>Dezavantaj</a:t>
-            </a:r>
-            <a:r>
-              <a:rPr lang="en-US" i="1" dirty="0"/>
-              <a:t>:</a:t>
-            </a:r>
-            <a:r>
-              <a:rPr lang="en-US" dirty="0"/>
-              <a:t> </a:t>
-            </a:r>
-            <a:r>
-              <a:rPr lang="en-US" dirty="0" err="1"/>
-              <a:t>Necesită</a:t>
-            </a:r>
-            <a:r>
-              <a:rPr lang="en-US" dirty="0"/>
-              <a:t> </a:t>
-            </a:r>
-            <a:r>
-              <a:rPr lang="en-US" dirty="0" err="1"/>
-              <a:t>cunoștințe</a:t>
-            </a:r>
-            <a:r>
-              <a:rPr lang="en-US" dirty="0"/>
-              <a:t> </a:t>
-            </a:r>
-            <a:r>
-              <a:rPr lang="en-US" dirty="0" err="1"/>
-              <a:t>tehnice</a:t>
-            </a:r>
-            <a:r>
-              <a:rPr lang="en-US" dirty="0"/>
-              <a:t> </a:t>
-            </a:r>
-            <a:r>
-              <a:rPr lang="en-US" dirty="0" err="1"/>
-              <a:t>și</a:t>
-            </a:r>
-            <a:r>
-              <a:rPr lang="en-US" dirty="0"/>
-              <a:t> </a:t>
-            </a:r>
-            <a:r>
-              <a:rPr lang="en-US" dirty="0" err="1"/>
+              <a:rPr lang="en-US" sz="1200" dirty="0">
+                <a:latin typeface="Times New Roman" panose="02020603050405020304" pitchFamily="18" charset="0"/>
+                <a:cs typeface="Times New Roman" panose="02020603050405020304" pitchFamily="18" charset="0"/>
+              </a:rPr>
+              <a:t> </a:t>
+            </a:r>
+            <a:r>
+              <a:rPr lang="en-US" sz="1200" dirty="0" err="1">
+                <a:latin typeface="Times New Roman" panose="02020603050405020304" pitchFamily="18" charset="0"/>
+                <a:cs typeface="Times New Roman" panose="02020603050405020304" pitchFamily="18" charset="0"/>
+              </a:rPr>
               <a:t>uneori</a:t>
             </a:r>
             <a:r>
-              <a:rPr lang="en-US" dirty="0"/>
-              <a:t> </a:t>
-            </a:r>
-            <a:r>
-              <a:rPr lang="en-US" dirty="0" err="1"/>
+              <a:rPr lang="en-US" sz="1200" dirty="0">
+                <a:latin typeface="Times New Roman" panose="02020603050405020304" pitchFamily="18" charset="0"/>
+                <a:cs typeface="Times New Roman" panose="02020603050405020304" pitchFamily="18" charset="0"/>
+              </a:rPr>
+              <a:t> </a:t>
+            </a:r>
+            <a:r>
+              <a:rPr lang="en-US" sz="1200" dirty="0" err="1">
+                <a:latin typeface="Times New Roman" panose="02020603050405020304" pitchFamily="18" charset="0"/>
+                <a:cs typeface="Times New Roman" panose="02020603050405020304" pitchFamily="18" charset="0"/>
+              </a:rPr>
               <a:t>ocolirea</a:t>
             </a:r>
             <a:r>
-              <a:rPr lang="en-US" dirty="0"/>
-              <a:t> </a:t>
-            </a:r>
-            <a:r>
-              <a:rPr lang="en-US" dirty="0" err="1"/>
+              <a:rPr lang="en-US" sz="1200" dirty="0">
+                <a:latin typeface="Times New Roman" panose="02020603050405020304" pitchFamily="18" charset="0"/>
+                <a:cs typeface="Times New Roman" panose="02020603050405020304" pitchFamily="18" charset="0"/>
+              </a:rPr>
+              <a:t> </a:t>
+            </a:r>
+            <a:r>
+              <a:rPr lang="en-US" sz="1200" dirty="0" err="1">
+                <a:latin typeface="Times New Roman" panose="02020603050405020304" pitchFamily="18" charset="0"/>
+                <a:cs typeface="Times New Roman" panose="02020603050405020304" pitchFamily="18" charset="0"/>
+              </a:rPr>
               <a:t>limitărilor</a:t>
             </a:r>
             <a:r>
-              <a:rPr lang="en-US" dirty="0"/>
+              <a:rPr lang="en-US" sz="1200" dirty="0">
+                <a:latin typeface="Times New Roman" panose="02020603050405020304" pitchFamily="18" charset="0"/>
+                <a:cs typeface="Times New Roman" panose="02020603050405020304" pitchFamily="18" charset="0"/>
+              </a:rPr>
               <a:t> (captcha, JavaScript </a:t>
             </a:r>
             <a:r>
-              <a:rPr lang="en-US" dirty="0" err="1"/>
+              <a:rPr lang="en-US" sz="1200" dirty="0" err="1">
+                <a:latin typeface="Times New Roman" panose="02020603050405020304" pitchFamily="18" charset="0"/>
+                <a:cs typeface="Times New Roman" panose="02020603050405020304" pitchFamily="18" charset="0"/>
+              </a:rPr>
               <a:t>dinamic</a:t>
             </a:r>
             <a:r>
-              <a:rPr lang="en-US" dirty="0"/>
+              <a:rPr lang="en-US" sz="1200" dirty="0">
+                <a:latin typeface="Times New Roman" panose="02020603050405020304" pitchFamily="18" charset="0"/>
+                <a:cs typeface="Times New Roman" panose="02020603050405020304" pitchFamily="18" charset="0"/>
+              </a:rPr>
               <a:t> etc.).</a:t>
             </a:r>
-          </a:p>
-          <a:p>
-            <a:endParaRPr lang="en-US" dirty="0"/>
           </a:p>
         </p:txBody>
       </p:sp>
@@ -5241,6 +6198,56 @@
           </a:prstGeom>
         </p:spPr>
       </p:pic>
+      <p:sp>
+        <p:nvSpPr>
+          <p:cNvPr id="5" name="TextBox 4">
+            <a:extLst>
+              <a:ext uri="{FF2B5EF4-FFF2-40B4-BE49-F238E27FC236}">
+                <a16:creationId xmlns:a16="http://schemas.microsoft.com/office/drawing/2014/main" id="{D3423DB0-6B13-485F-D847-D3DE217B6011}"/>
+              </a:ext>
+            </a:extLst>
+          </p:cNvPr>
+          <p:cNvSpPr txBox="1"/>
+          <p:nvPr/>
+        </p:nvSpPr>
+        <p:spPr>
+          <a:xfrm>
+            <a:off x="2381036" y="5938096"/>
+            <a:ext cx="8386281" cy="230832"/>
+          </a:xfrm>
+          <a:prstGeom prst="rect">
+            <a:avLst/>
+          </a:prstGeom>
+          <a:noFill/>
+        </p:spPr>
+        <p:txBody>
+          <a:bodyPr wrap="square">
+            <a:spAutoFit/>
+          </a:bodyPr>
+          <a:lstStyle/>
+          <a:p>
+            <a:r>
+              <a:rPr lang="en-US" sz="900" u="sng" dirty="0">
+                <a:solidFill>
+                  <a:srgbClr val="0563C1"/>
+                </a:solidFill>
+                <a:effectLst/>
+                <a:latin typeface="Times New Roman" panose="02020603050405020304" pitchFamily="18" charset="0"/>
+                <a:ea typeface="Calibri" panose="020F0502020204030204" pitchFamily="34" charset="0"/>
+                <a:hlinkClick r:id="rId3"/>
+              </a:rPr>
+              <a:t>https://github.com/lucrari-ase-valentin-gonganau/SIIA---referat---Web-Scraping-and-Data-Extraction-Techniques-for-Predictive-Analytics</a:t>
+            </a:r>
+            <a:r>
+              <a:rPr lang="en-US" sz="900" dirty="0">
+                <a:effectLst/>
+              </a:rPr>
+              <a:t> </a:t>
+            </a:r>
+            <a:endParaRPr lang="en-US" sz="900" dirty="0"/>
+          </a:p>
+        </p:txBody>
+      </p:sp>
     </p:spTree>
     <p:extLst>
       <p:ext uri="{BB962C8B-B14F-4D97-AF65-F5344CB8AC3E}">
@@ -5589,22 +6596,22 @@
         <a:srgbClr val="954F72"/>
       </a:folHlink>
     </a:clrScheme>
-    <a:fontScheme name="Office">
+    <a:fontScheme name="Arial Black-Arial">
       <a:majorFont>
-        <a:latin typeface="Calibri Light" panose="020F0302020204030204"/>
+        <a:latin typeface="Arial Black" panose="020B0A04020102020204"/>
         <a:ea typeface=""/>
         <a:cs typeface=""/>
-        <a:font script="Jpan" typeface="游ゴシック Light"/>
-        <a:font script="Hang" typeface="맑은 고딕"/>
-        <a:font script="Hans" typeface="等线 Light"/>
-        <a:font script="Hant" typeface="新細明體"/>
-        <a:font script="Arab" typeface="Times New Roman"/>
-        <a:font script="Hebr" typeface="Times New Roman"/>
-        <a:font script="Thai" typeface="Angsana New"/>
+        <a:font script="Jpan" typeface="ＭＳ ゴシック"/>
+        <a:font script="Hang" typeface="굴림"/>
+        <a:font script="Hans" typeface="微软雅黑"/>
+        <a:font script="Hant" typeface="微軟正黑體"/>
+        <a:font script="Arab" typeface="Tahoma"/>
+        <a:font script="Hebr" typeface="Tahoma"/>
+        <a:font script="Thai" typeface="FreesiaUPC"/>
         <a:font script="Ethi" typeface="Nyala"/>
         <a:font script="Beng" typeface="Vrinda"/>
         <a:font script="Gujr" typeface="Shruti"/>
-        <a:font script="Khmr" typeface="MoolBoran"/>
+        <a:font script="Khmr" typeface="DaunPenh"/>
         <a:font script="Knda" typeface="Tunga"/>
         <a:font script="Guru" typeface="Raavi"/>
         <a:font script="Cans" typeface="Euphemia"/>
@@ -5621,35 +6628,18 @@
         <a:font script="Laoo" typeface="DokChampa"/>
         <a:font script="Sinh" typeface="Iskoola Pota"/>
         <a:font script="Mong" typeface="Mongolian Baiti"/>
-        <a:font script="Viet" typeface="Times New Roman"/>
+        <a:font script="Viet" typeface="Verdana"/>
         <a:font script="Uigh" typeface="Microsoft Uighur"/>
         <a:font script="Geor" typeface="Sylfaen"/>
-        <a:font script="Armn" typeface="Arial"/>
-        <a:font script="Bugi" typeface="Leelawadee UI"/>
-        <a:font script="Bopo" typeface="Microsoft JhengHei"/>
-        <a:font script="Java" typeface="Javanese Text"/>
-        <a:font script="Lisu" typeface="Segoe UI"/>
-        <a:font script="Mymr" typeface="Myanmar Text"/>
-        <a:font script="Nkoo" typeface="Ebrima"/>
-        <a:font script="Olck" typeface="Nirmala UI"/>
-        <a:font script="Osma" typeface="Ebrima"/>
-        <a:font script="Phag" typeface="Phagspa"/>
-        <a:font script="Syrn" typeface="Estrangelo Edessa"/>
-        <a:font script="Syrj" typeface="Estrangelo Edessa"/>
-        <a:font script="Syre" typeface="Estrangelo Edessa"/>
-        <a:font script="Sora" typeface="Nirmala UI"/>
-        <a:font script="Tale" typeface="Microsoft Tai Le"/>
-        <a:font script="Talu" typeface="Microsoft New Tai Lue"/>
-        <a:font script="Tfng" typeface="Ebrima"/>
       </a:majorFont>
       <a:minorFont>
-        <a:latin typeface="Calibri" panose="020F0502020204030204"/>
+        <a:latin typeface="Arial" panose="020B0604020202020204"/>
         <a:ea typeface=""/>
         <a:cs typeface=""/>
-        <a:font script="Jpan" typeface="游ゴシック"/>
-        <a:font script="Hang" typeface="맑은 고딕"/>
-        <a:font script="Hans" typeface="等线"/>
-        <a:font script="Hant" typeface="新細明體"/>
+        <a:font script="Jpan" typeface="ＭＳ Ｐゴシック"/>
+        <a:font script="Hang" typeface="굴림"/>
+        <a:font script="Hans" typeface="黑体"/>
+        <a:font script="Hant" typeface="微軟正黑體"/>
         <a:font script="Arab" typeface="Arial"/>
         <a:font script="Hebr" typeface="Arial"/>
         <a:font script="Thai" typeface="Cordia New"/>
@@ -5676,23 +6666,6 @@
         <a:font script="Viet" typeface="Arial"/>
         <a:font script="Uigh" typeface="Microsoft Uighur"/>
         <a:font script="Geor" typeface="Sylfaen"/>
-        <a:font script="Armn" typeface="Arial"/>
-        <a:font script="Bugi" typeface="Leelawadee UI"/>
-        <a:font script="Bopo" typeface="Microsoft JhengHei"/>
-        <a:font script="Java" typeface="Javanese Text"/>
-        <a:font script="Lisu" typeface="Segoe UI"/>
-        <a:font script="Mymr" typeface="Myanmar Text"/>
-        <a:font script="Nkoo" typeface="Ebrima"/>
-        <a:font script="Olck" typeface="Nirmala UI"/>
-        <a:font script="Osma" typeface="Ebrima"/>
-        <a:font script="Phag" typeface="Phagspa"/>
-        <a:font script="Syrn" typeface="Estrangelo Edessa"/>
-        <a:font script="Syrj" typeface="Estrangelo Edessa"/>
-        <a:font script="Syre" typeface="Estrangelo Edessa"/>
-        <a:font script="Sora" typeface="Nirmala UI"/>
-        <a:font script="Tale" typeface="Microsoft Tai Le"/>
-        <a:font script="Talu" typeface="Microsoft New Tai Lue"/>
-        <a:font script="Tfng" typeface="Ebrima"/>
       </a:minorFont>
     </a:fontScheme>
     <a:fmtScheme name="Office">
